--- a/2025/2025-06-06-AI-Updates.pptx
+++ b/2025/2025-06-06-AI-Updates.pptx
@@ -5,7 +5,7 @@
     <p:sldMasterId id="2147483661" r:id="rId1"/>
   </p:sldMasterIdLst>
   <p:notesMasterIdLst>
-    <p:notesMasterId r:id="rId16"/>
+    <p:notesMasterId r:id="rId17"/>
   </p:notesMasterIdLst>
   <p:sldIdLst>
     <p:sldId id="256" r:id="rId2"/>
@@ -22,6 +22,7 @@
     <p:sldId id="267" r:id="rId13"/>
     <p:sldId id="268" r:id="rId14"/>
     <p:sldId id="269" r:id="rId15"/>
+    <p:sldId id="270" r:id="rId16"/>
   </p:sldIdLst>
   <p:sldSz cx="9144000" cy="5143500" type="screen16x9"/>
   <p:notesSz cx="6858000" cy="9144000"/>
@@ -963,7 +964,7 @@
   <p:cSld>
     <p:spTree>
       <p:nvGrpSpPr>
-        <p:cNvPr id="1" name="Shape 185"/>
+        <p:cNvPr id="1" name="Shape 186"/>
         <p:cNvGrpSpPr/>
         <p:nvPr/>
       </p:nvGrpSpPr>
@@ -977,7 +978,7 @@
       </p:grpSpPr>
       <p:sp>
         <p:nvSpPr>
-          <p:cNvPr id="186" name="Google Shape;186;g3611040bb41_2_27:notes"/>
+          <p:cNvPr id="187" name="Google Shape;187;g3611040bb41_2_39:notes"/>
           <p:cNvSpPr>
             <a:spLocks noGrp="1" noRot="1" noChangeAspect="1"/>
           </p:cNvSpPr>
@@ -1028,7 +1029,7 @@
       </p:sp>
       <p:sp>
         <p:nvSpPr>
-          <p:cNvPr id="187" name="Google Shape;187;g3611040bb41_2_27:notes"/>
+          <p:cNvPr id="188" name="Google Shape;188;g3611040bb41_2_39:notes"/>
           <p:cNvSpPr txBox="1">
             <a:spLocks noGrp="1"/>
           </p:cNvSpPr>
@@ -1085,7 +1086,7 @@
   <p:cSld>
     <p:spTree>
       <p:nvGrpSpPr>
-        <p:cNvPr id="1" name="Shape 193"/>
+        <p:cNvPr id="1" name="Shape 197"/>
         <p:cNvGrpSpPr/>
         <p:nvPr/>
       </p:nvGrpSpPr>
@@ -1099,7 +1100,7 @@
       </p:grpSpPr>
       <p:sp>
         <p:nvSpPr>
-          <p:cNvPr id="194" name="Google Shape;194;g35f406ef591_0_64:notes"/>
+          <p:cNvPr id="198" name="Google Shape;198;g3611040bb41_2_27:notes"/>
           <p:cNvSpPr>
             <a:spLocks noGrp="1" noRot="1" noChangeAspect="1"/>
           </p:cNvSpPr>
@@ -1150,7 +1151,7 @@
       </p:sp>
       <p:sp>
         <p:nvSpPr>
-          <p:cNvPr id="195" name="Google Shape;195;g35f406ef591_0_64:notes"/>
+          <p:cNvPr id="199" name="Google Shape;199;g3611040bb41_2_27:notes"/>
           <p:cNvSpPr txBox="1">
             <a:spLocks noGrp="1"/>
           </p:cNvSpPr>
@@ -1207,7 +1208,7 @@
   <p:cSld>
     <p:spTree>
       <p:nvGrpSpPr>
-        <p:cNvPr id="1" name="Shape 206"/>
+        <p:cNvPr id="1" name="Shape 205"/>
         <p:cNvGrpSpPr/>
         <p:nvPr/>
       </p:nvGrpSpPr>
@@ -1221,7 +1222,7 @@
       </p:grpSpPr>
       <p:sp>
         <p:nvSpPr>
-          <p:cNvPr id="207" name="Google Shape;207;p23:notes"/>
+          <p:cNvPr id="206" name="Google Shape;206;g35f406ef591_0_64:notes"/>
           <p:cNvSpPr>
             <a:spLocks noGrp="1" noRot="1" noChangeAspect="1"/>
           </p:cNvSpPr>
@@ -1272,7 +1273,7 @@
       </p:sp>
       <p:sp>
         <p:nvSpPr>
-          <p:cNvPr id="208" name="Google Shape;208;p23:notes"/>
+          <p:cNvPr id="207" name="Google Shape;207;g35f406ef591_0_64:notes"/>
           <p:cNvSpPr txBox="1">
             <a:spLocks noGrp="1"/>
           </p:cNvSpPr>
@@ -1329,7 +1330,7 @@
   <p:cSld>
     <p:spTree>
       <p:nvGrpSpPr>
-        <p:cNvPr id="1" name="Shape 215"/>
+        <p:cNvPr id="1" name="Shape 218"/>
         <p:cNvGrpSpPr/>
         <p:nvPr/>
       </p:nvGrpSpPr>
@@ -1343,7 +1344,7 @@
       </p:grpSpPr>
       <p:sp>
         <p:nvSpPr>
-          <p:cNvPr id="216" name="Google Shape;216;p24:notes"/>
+          <p:cNvPr id="219" name="Google Shape;219;p23:notes"/>
           <p:cNvSpPr>
             <a:spLocks noGrp="1" noRot="1" noChangeAspect="1"/>
           </p:cNvSpPr>
@@ -1394,7 +1395,7 @@
       </p:sp>
       <p:sp>
         <p:nvSpPr>
-          <p:cNvPr id="217" name="Google Shape;217;p24:notes"/>
+          <p:cNvPr id="220" name="Google Shape;220;p23:notes"/>
           <p:cNvSpPr txBox="1">
             <a:spLocks noGrp="1"/>
           </p:cNvSpPr>
@@ -1451,7 +1452,7 @@
   <p:cSld>
     <p:spTree>
       <p:nvGrpSpPr>
-        <p:cNvPr id="1" name="Shape 225"/>
+        <p:cNvPr id="1" name="Shape 227"/>
         <p:cNvGrpSpPr/>
         <p:nvPr/>
       </p:nvGrpSpPr>
@@ -1465,7 +1466,129 @@
       </p:grpSpPr>
       <p:sp>
         <p:nvSpPr>
-          <p:cNvPr id="226" name="Google Shape;226;p25:notes"/>
+          <p:cNvPr id="228" name="Google Shape;228;p24:notes"/>
+          <p:cNvSpPr>
+            <a:spLocks noGrp="1" noRot="1" noChangeAspect="1"/>
+          </p:cNvSpPr>
+          <p:nvPr>
+            <p:ph type="sldImg" idx="2"/>
+          </p:nvPr>
+        </p:nvSpPr>
+        <p:spPr>
+          <a:xfrm>
+            <a:off x="381000" y="685800"/>
+            <a:ext cx="6096000" cy="3429000"/>
+          </a:xfrm>
+          <a:custGeom>
+            <a:avLst/>
+            <a:gdLst/>
+            <a:ahLst/>
+            <a:cxnLst/>
+            <a:rect l="l" t="t" r="r" b="b"/>
+            <a:pathLst>
+              <a:path w="120000" h="120000" extrusionOk="0">
+                <a:moveTo>
+                  <a:pt x="0" y="0"/>
+                </a:moveTo>
+                <a:lnTo>
+                  <a:pt x="120000" y="0"/>
+                </a:lnTo>
+                <a:lnTo>
+                  <a:pt x="120000" y="120000"/>
+                </a:lnTo>
+                <a:lnTo>
+                  <a:pt x="0" y="120000"/>
+                </a:lnTo>
+                <a:close/>
+              </a:path>
+            </a:pathLst>
+          </a:custGeom>
+          <a:noFill/>
+          <a:ln w="9525" cap="flat" cmpd="sng">
+            <a:solidFill>
+              <a:srgbClr val="000000"/>
+            </a:solidFill>
+            <a:prstDash val="solid"/>
+            <a:round/>
+            <a:headEnd type="none" w="sm" len="sm"/>
+            <a:tailEnd type="none" w="sm" len="sm"/>
+          </a:ln>
+        </p:spPr>
+      </p:sp>
+      <p:sp>
+        <p:nvSpPr>
+          <p:cNvPr id="229" name="Google Shape;229;p24:notes"/>
+          <p:cNvSpPr txBox="1">
+            <a:spLocks noGrp="1"/>
+          </p:cNvSpPr>
+          <p:nvPr>
+            <p:ph type="body" idx="1"/>
+          </p:nvPr>
+        </p:nvSpPr>
+        <p:spPr>
+          <a:xfrm>
+            <a:off x="685800" y="4343400"/>
+            <a:ext cx="5486400" cy="4114800"/>
+          </a:xfrm>
+          <a:prstGeom prst="rect">
+            <a:avLst/>
+          </a:prstGeom>
+          <a:noFill/>
+          <a:ln>
+            <a:noFill/>
+          </a:ln>
+        </p:spPr>
+        <p:txBody>
+          <a:bodyPr spcFirstLastPara="1" wrap="square" lIns="91425" tIns="91425" rIns="91425" bIns="91425" anchor="t" anchorCtr="0">
+            <a:noAutofit/>
+          </a:bodyPr>
+          <a:lstStyle/>
+          <a:p>
+            <a:pPr marL="0" lvl="0" indent="0" algn="l" rtl="0">
+              <a:lnSpc>
+                <a:spcPct val="100000"/>
+              </a:lnSpc>
+              <a:spcBef>
+                <a:spcPts val="0"/>
+              </a:spcBef>
+              <a:spcAft>
+                <a:spcPts val="0"/>
+              </a:spcAft>
+              <a:buSzPts val="1100"/>
+              <a:buNone/>
+            </a:pPr>
+            <a:endParaRPr/>
+          </a:p>
+        </p:txBody>
+      </p:sp>
+    </p:spTree>
+  </p:cSld>
+  <p:clrMapOvr>
+    <a:masterClrMapping/>
+  </p:clrMapOvr>
+</p:notes>
+</file>
+
+<file path=ppt/notesSlides/notesSlide15.xml><?xml version="1.0" encoding="utf-8"?>
+<p:notes xmlns:a="http://schemas.openxmlformats.org/drawingml/2006/main" xmlns:r="http://schemas.openxmlformats.org/officeDocument/2006/relationships" xmlns:p="http://schemas.openxmlformats.org/presentationml/2006/main" showMasterSp="0" showMasterPhAnim="0">
+  <p:cSld>
+    <p:spTree>
+      <p:nvGrpSpPr>
+        <p:cNvPr id="1" name="Shape 237"/>
+        <p:cNvGrpSpPr/>
+        <p:nvPr/>
+      </p:nvGrpSpPr>
+      <p:grpSpPr>
+        <a:xfrm>
+          <a:off x="0" y="0"/>
+          <a:ext cx="0" cy="0"/>
+          <a:chOff x="0" y="0"/>
+          <a:chExt cx="0" cy="0"/>
+        </a:xfrm>
+      </p:grpSpPr>
+      <p:sp>
+        <p:nvSpPr>
+          <p:cNvPr id="238" name="Google Shape;238;p25:notes"/>
           <p:cNvSpPr>
             <a:spLocks noGrp="1" noRot="1" noChangeAspect="1"/>
           </p:cNvSpPr>
@@ -1516,7 +1639,7 @@
       </p:sp>
       <p:sp>
         <p:nvSpPr>
-          <p:cNvPr id="227" name="Google Shape;227;p25:notes"/>
+          <p:cNvPr id="239" name="Google Shape;239;p25:notes"/>
           <p:cNvSpPr txBox="1">
             <a:spLocks noGrp="1"/>
           </p:cNvSpPr>
@@ -1953,7 +2076,7 @@
       </p:grpSpPr>
       <p:sp>
         <p:nvSpPr>
-          <p:cNvPr id="138" name="Google Shape;138;g360d0b7b8ff_1_0:notes"/>
+          <p:cNvPr id="138" name="Google Shape;138;g3616918885e_1_0:notes"/>
           <p:cNvSpPr>
             <a:spLocks noGrp="1" noRot="1" noChangeAspect="1"/>
           </p:cNvSpPr>
@@ -2004,7 +2127,7 @@
       </p:sp>
       <p:sp>
         <p:nvSpPr>
-          <p:cNvPr id="139" name="Google Shape;139;g360d0b7b8ff_1_0:notes"/>
+          <p:cNvPr id="139" name="Google Shape;139;g3616918885e_1_0:notes"/>
           <p:cNvSpPr txBox="1">
             <a:spLocks noGrp="1"/>
           </p:cNvSpPr>
@@ -2061,7 +2184,7 @@
   <p:cSld>
     <p:spTree>
       <p:nvGrpSpPr>
-        <p:cNvPr id="1" name="Shape 149"/>
+        <p:cNvPr id="1" name="Shape 147"/>
         <p:cNvGrpSpPr/>
         <p:nvPr/>
       </p:nvGrpSpPr>
@@ -2075,7 +2198,7 @@
       </p:grpSpPr>
       <p:sp>
         <p:nvSpPr>
-          <p:cNvPr id="150" name="Google Shape;150;g3611040bb41_2_0:notes"/>
+          <p:cNvPr id="148" name="Google Shape;148;g360d0b7b8ff_1_0:notes"/>
           <p:cNvSpPr>
             <a:spLocks noGrp="1" noRot="1" noChangeAspect="1"/>
           </p:cNvSpPr>
@@ -2126,7 +2249,7 @@
       </p:sp>
       <p:sp>
         <p:nvSpPr>
-          <p:cNvPr id="151" name="Google Shape;151;g3611040bb41_2_0:notes"/>
+          <p:cNvPr id="149" name="Google Shape;149;g360d0b7b8ff_1_0:notes"/>
           <p:cNvSpPr txBox="1">
             <a:spLocks noGrp="1"/>
           </p:cNvSpPr>
@@ -2183,7 +2306,7 @@
   <p:cSld>
     <p:spTree>
       <p:nvGrpSpPr>
-        <p:cNvPr id="1" name="Shape 158"/>
+        <p:cNvPr id="1" name="Shape 159"/>
         <p:cNvGrpSpPr/>
         <p:nvPr/>
       </p:nvGrpSpPr>
@@ -2197,7 +2320,7 @@
       </p:grpSpPr>
       <p:sp>
         <p:nvSpPr>
-          <p:cNvPr id="159" name="Google Shape;159;g35f406ef591_0_5:notes"/>
+          <p:cNvPr id="160" name="Google Shape;160;g3611040bb41_2_0:notes"/>
           <p:cNvSpPr>
             <a:spLocks noGrp="1" noRot="1" noChangeAspect="1"/>
           </p:cNvSpPr>
@@ -2248,7 +2371,7 @@
       </p:sp>
       <p:sp>
         <p:nvSpPr>
-          <p:cNvPr id="160" name="Google Shape;160;g35f406ef591_0_5:notes"/>
+          <p:cNvPr id="161" name="Google Shape;161;g3611040bb41_2_0:notes"/>
           <p:cNvSpPr txBox="1">
             <a:spLocks noGrp="1"/>
           </p:cNvSpPr>
@@ -2305,7 +2428,7 @@
   <p:cSld>
     <p:spTree>
       <p:nvGrpSpPr>
-        <p:cNvPr id="1" name="Shape 164"/>
+        <p:cNvPr id="1" name="Shape 168"/>
         <p:cNvGrpSpPr/>
         <p:nvPr/>
       </p:nvGrpSpPr>
@@ -2319,7 +2442,7 @@
       </p:grpSpPr>
       <p:sp>
         <p:nvSpPr>
-          <p:cNvPr id="165" name="Google Shape;165;g3367ee0fa72_0_0:notes"/>
+          <p:cNvPr id="169" name="Google Shape;169;g35f406ef591_0_5:notes"/>
           <p:cNvSpPr>
             <a:spLocks noGrp="1" noRot="1" noChangeAspect="1"/>
           </p:cNvSpPr>
@@ -2370,7 +2493,7 @@
       </p:sp>
       <p:sp>
         <p:nvSpPr>
-          <p:cNvPr id="166" name="Google Shape;166;g3367ee0fa72_0_0:notes"/>
+          <p:cNvPr id="170" name="Google Shape;170;g35f406ef591_0_5:notes"/>
           <p:cNvSpPr txBox="1">
             <a:spLocks noGrp="1"/>
           </p:cNvSpPr>
@@ -2427,7 +2550,7 @@
   <p:cSld>
     <p:spTree>
       <p:nvGrpSpPr>
-        <p:cNvPr id="1" name="Shape 175"/>
+        <p:cNvPr id="1" name="Shape 174"/>
         <p:cNvGrpSpPr/>
         <p:nvPr/>
       </p:nvGrpSpPr>
@@ -2441,7 +2564,7 @@
       </p:grpSpPr>
       <p:sp>
         <p:nvSpPr>
-          <p:cNvPr id="176" name="Google Shape;176;g3611040bb41_2_39:notes"/>
+          <p:cNvPr id="175" name="Google Shape;175;g3367ee0fa72_0_0:notes"/>
           <p:cNvSpPr>
             <a:spLocks noGrp="1" noRot="1" noChangeAspect="1"/>
           </p:cNvSpPr>
@@ -2492,7 +2615,7 @@
       </p:sp>
       <p:sp>
         <p:nvSpPr>
-          <p:cNvPr id="177" name="Google Shape;177;g3611040bb41_2_39:notes"/>
+          <p:cNvPr id="176" name="Google Shape;176;g3367ee0fa72_0_0:notes"/>
           <p:cNvSpPr txBox="1">
             <a:spLocks noGrp="1"/>
           </p:cNvSpPr>
@@ -11942,7 +12065,7 @@
         <p:spPr>
           <a:xfrm>
             <a:off x="78651" y="1174444"/>
-            <a:ext cx="4420200" cy="1173000"/>
+            <a:ext cx="4420200" cy="1403700"/>
           </a:xfrm>
           <a:prstGeom prst="rect">
             <a:avLst/>
@@ -12074,6 +12197,46 @@
                 <a:sym typeface="Calibri"/>
               </a:rPr>
               <a:t>Meeker Report</a:t>
+            </a:r>
+            <a:endParaRPr sz="1500" b="1">
+              <a:solidFill>
+                <a:srgbClr val="3C78D8"/>
+              </a:solidFill>
+              <a:latin typeface="Calibri"/>
+              <a:ea typeface="Calibri"/>
+              <a:cs typeface="Calibri"/>
+              <a:sym typeface="Calibri"/>
+            </a:endParaRPr>
+          </a:p>
+          <a:p>
+            <a:pPr marL="228600" marR="0" lvl="0" indent="-209550" algn="l" rtl="0">
+              <a:lnSpc>
+                <a:spcPct val="100000"/>
+              </a:lnSpc>
+              <a:spcBef>
+                <a:spcPts val="0"/>
+              </a:spcBef>
+              <a:spcAft>
+                <a:spcPts val="0"/>
+              </a:spcAft>
+              <a:buClr>
+                <a:srgbClr val="3C78D8"/>
+              </a:buClr>
+              <a:buSzPts val="1500"/>
+              <a:buFont typeface="Calibri"/>
+              <a:buChar char="●"/>
+            </a:pPr>
+            <a:r>
+              <a:rPr lang="en" sz="1500" b="1">
+                <a:solidFill>
+                  <a:srgbClr val="3C78D8"/>
+                </a:solidFill>
+                <a:latin typeface="Calibri"/>
+                <a:ea typeface="Calibri"/>
+                <a:cs typeface="Calibri"/>
+                <a:sym typeface="Calibri"/>
+              </a:rPr>
+              <a:t>Perplexity Pro: Search, Research, Labs</a:t>
             </a:r>
             <a:endParaRPr sz="1500" b="1">
               <a:solidFill>
@@ -12407,7 +12570,7 @@
         </p:nvSpPr>
         <p:spPr>
           <a:xfrm>
-            <a:off x="78651" y="2476499"/>
+            <a:off x="78651" y="2666032"/>
             <a:ext cx="4420200" cy="2327400"/>
           </a:xfrm>
           <a:prstGeom prst="rect">
@@ -12659,7 +12822,7 @@
                 <a:cs typeface="Calibri"/>
                 <a:sym typeface="Calibri"/>
               </a:rPr>
-              <a:t>Cerebras - 2.5 Ktokens for 400B Llama 4 Maverick</a:t>
+              <a:t>Cerebras beats Nvidia at Inference Speed</a:t>
             </a:r>
             <a:endParaRPr sz="1500" b="1">
               <a:solidFill>
@@ -13134,7 +13297,7 @@
   <p:cSld>
     <p:spTree>
       <p:nvGrpSpPr>
-        <p:cNvPr id="1" name="Shape 188"/>
+        <p:cNvPr id="1" name="Shape 189"/>
         <p:cNvGrpSpPr/>
         <p:nvPr/>
       </p:nvGrpSpPr>
@@ -13148,7 +13311,910 @@
       </p:grpSpPr>
       <p:sp>
         <p:nvSpPr>
-          <p:cNvPr id="189" name="Google Shape;189;p24"/>
+          <p:cNvPr id="190" name="Google Shape;190;p24"/>
+          <p:cNvSpPr txBox="1"/>
+          <p:nvPr/>
+        </p:nvSpPr>
+        <p:spPr>
+          <a:xfrm>
+            <a:off x="55075" y="52750"/>
+            <a:ext cx="1758600" cy="326400"/>
+          </a:xfrm>
+          <a:prstGeom prst="rect">
+            <a:avLst/>
+          </a:prstGeom>
+          <a:noFill/>
+          <a:ln>
+            <a:noFill/>
+          </a:ln>
+        </p:spPr>
+        <p:txBody>
+          <a:bodyPr spcFirstLastPara="1" wrap="square" lIns="9125" tIns="9125" rIns="9125" bIns="9125" anchor="t" anchorCtr="0">
+            <a:spAutoFit/>
+          </a:bodyPr>
+          <a:lstStyle/>
+          <a:p>
+            <a:pPr marL="0" marR="0" lvl="0" indent="0" algn="l" rtl="0">
+              <a:lnSpc>
+                <a:spcPct val="100000"/>
+              </a:lnSpc>
+              <a:spcBef>
+                <a:spcPts val="0"/>
+              </a:spcBef>
+              <a:spcAft>
+                <a:spcPts val="0"/>
+              </a:spcAft>
+              <a:buClr>
+                <a:schemeClr val="dk1"/>
+              </a:buClr>
+              <a:buSzPts val="1100"/>
+              <a:buFont typeface="Arial"/>
+              <a:buNone/>
+            </a:pPr>
+            <a:r>
+              <a:rPr lang="en" sz="2000" b="1">
+                <a:solidFill>
+                  <a:schemeClr val="dk1"/>
+                </a:solidFill>
+                <a:latin typeface="Calibri"/>
+                <a:ea typeface="Calibri"/>
+                <a:cs typeface="Calibri"/>
+                <a:sym typeface="Calibri"/>
+              </a:rPr>
+              <a:t>AI Updates 4</a:t>
+            </a:r>
+            <a:endParaRPr sz="2000" b="1" i="0" u="none" strike="noStrike" cap="none">
+              <a:solidFill>
+                <a:schemeClr val="dk1"/>
+              </a:solidFill>
+              <a:latin typeface="Calibri"/>
+              <a:ea typeface="Calibri"/>
+              <a:cs typeface="Calibri"/>
+              <a:sym typeface="Calibri"/>
+            </a:endParaRPr>
+          </a:p>
+        </p:txBody>
+      </p:sp>
+      <p:sp>
+        <p:nvSpPr>
+          <p:cNvPr id="191" name="Google Shape;191;p24"/>
+          <p:cNvSpPr txBox="1"/>
+          <p:nvPr/>
+        </p:nvSpPr>
+        <p:spPr>
+          <a:xfrm>
+            <a:off x="55075" y="422000"/>
+            <a:ext cx="4453200" cy="572700"/>
+          </a:xfrm>
+          <a:prstGeom prst="rect">
+            <a:avLst/>
+          </a:prstGeom>
+          <a:solidFill>
+            <a:srgbClr val="FFF2CC"/>
+          </a:solidFill>
+          <a:ln w="9525" cap="flat" cmpd="sng">
+            <a:solidFill>
+              <a:srgbClr val="FF0000"/>
+            </a:solidFill>
+            <a:prstDash val="solid"/>
+            <a:round/>
+            <a:headEnd type="none" w="sm" len="sm"/>
+            <a:tailEnd type="none" w="sm" len="sm"/>
+          </a:ln>
+        </p:spPr>
+        <p:txBody>
+          <a:bodyPr spcFirstLastPara="1" wrap="square" lIns="9125" tIns="9125" rIns="9125" bIns="9125" anchor="t" anchorCtr="0">
+            <a:spAutoFit/>
+          </a:bodyPr>
+          <a:lstStyle/>
+          <a:p>
+            <a:pPr marL="171450" marR="0" lvl="0" indent="-133350" algn="l" rtl="0">
+              <a:lnSpc>
+                <a:spcPct val="100000"/>
+              </a:lnSpc>
+              <a:spcBef>
+                <a:spcPts val="0"/>
+              </a:spcBef>
+              <a:spcAft>
+                <a:spcPts val="0"/>
+              </a:spcAft>
+              <a:buClr>
+                <a:srgbClr val="FF0000"/>
+              </a:buClr>
+              <a:buSzPts val="1200"/>
+              <a:buFont typeface="Calibri"/>
+              <a:buChar char="●"/>
+            </a:pPr>
+            <a:r>
+              <a:rPr lang="en" sz="1200" b="1">
+                <a:solidFill>
+                  <a:srgbClr val="FF0000"/>
+                </a:solidFill>
+                <a:latin typeface="Calibri"/>
+                <a:ea typeface="Calibri"/>
+                <a:cs typeface="Calibri"/>
+                <a:sym typeface="Calibri"/>
+              </a:rPr>
+              <a:t>Manus Slides</a:t>
+            </a:r>
+            <a:endParaRPr sz="1200" b="1">
+              <a:solidFill>
+                <a:srgbClr val="FF0000"/>
+              </a:solidFill>
+              <a:latin typeface="Calibri"/>
+              <a:ea typeface="Calibri"/>
+              <a:cs typeface="Calibri"/>
+              <a:sym typeface="Calibri"/>
+            </a:endParaRPr>
+          </a:p>
+          <a:p>
+            <a:pPr marL="171450" marR="0" lvl="0" indent="-133350" algn="l" rtl="0">
+              <a:lnSpc>
+                <a:spcPct val="100000"/>
+              </a:lnSpc>
+              <a:spcBef>
+                <a:spcPts val="0"/>
+              </a:spcBef>
+              <a:spcAft>
+                <a:spcPts val="0"/>
+              </a:spcAft>
+              <a:buClr>
+                <a:schemeClr val="dk1"/>
+              </a:buClr>
+              <a:buSzPts val="1200"/>
+              <a:buFont typeface="Calibri"/>
+              <a:buChar char="●"/>
+            </a:pPr>
+            <a:r>
+              <a:rPr lang="en" sz="1200">
+                <a:solidFill>
+                  <a:schemeClr val="dk1"/>
+                </a:solidFill>
+                <a:latin typeface="Calibri"/>
+                <a:ea typeface="Calibri"/>
+                <a:cs typeface="Calibri"/>
+                <a:sym typeface="Calibri"/>
+              </a:rPr>
+              <a:t>Manus creates structured presentations (slide decks) from prompts</a:t>
+            </a:r>
+            <a:endParaRPr sz="1200">
+              <a:solidFill>
+                <a:schemeClr val="dk1"/>
+              </a:solidFill>
+              <a:latin typeface="Calibri"/>
+              <a:ea typeface="Calibri"/>
+              <a:cs typeface="Calibri"/>
+              <a:sym typeface="Calibri"/>
+            </a:endParaRPr>
+          </a:p>
+          <a:p>
+            <a:pPr marL="171450" marR="0" lvl="0" indent="-133350" algn="l" rtl="0">
+              <a:lnSpc>
+                <a:spcPct val="100000"/>
+              </a:lnSpc>
+              <a:spcBef>
+                <a:spcPts val="0"/>
+              </a:spcBef>
+              <a:spcAft>
+                <a:spcPts val="0"/>
+              </a:spcAft>
+              <a:buClr>
+                <a:schemeClr val="dk1"/>
+              </a:buClr>
+              <a:buSzPts val="1200"/>
+              <a:buFont typeface="Calibri"/>
+              <a:buChar char="●"/>
+            </a:pPr>
+            <a:r>
+              <a:rPr lang="en" sz="1200" u="sng">
+                <a:solidFill>
+                  <a:schemeClr val="hlink"/>
+                </a:solidFill>
+                <a:latin typeface="Calibri"/>
+                <a:ea typeface="Calibri"/>
+                <a:cs typeface="Calibri"/>
+                <a:sym typeface="Calibri"/>
+                <a:hlinkClick r:id="rId3"/>
+              </a:rPr>
+              <a:t>https://x.com/ManusAI_HQ/status/1928105652444094568</a:t>
+            </a:r>
+            <a:r>
+              <a:rPr lang="en" sz="1200">
+                <a:solidFill>
+                  <a:schemeClr val="dk1"/>
+                </a:solidFill>
+                <a:latin typeface="Calibri"/>
+                <a:ea typeface="Calibri"/>
+                <a:cs typeface="Calibri"/>
+                <a:sym typeface="Calibri"/>
+              </a:rPr>
+              <a:t> </a:t>
+            </a:r>
+            <a:endParaRPr sz="1200">
+              <a:solidFill>
+                <a:schemeClr val="dk1"/>
+              </a:solidFill>
+              <a:latin typeface="Calibri"/>
+              <a:ea typeface="Calibri"/>
+              <a:cs typeface="Calibri"/>
+              <a:sym typeface="Calibri"/>
+            </a:endParaRPr>
+          </a:p>
+        </p:txBody>
+      </p:sp>
+      <p:sp>
+        <p:nvSpPr>
+          <p:cNvPr id="192" name="Google Shape;192;p24"/>
+          <p:cNvSpPr txBox="1"/>
+          <p:nvPr/>
+        </p:nvSpPr>
+        <p:spPr>
+          <a:xfrm>
+            <a:off x="55075" y="1074683"/>
+            <a:ext cx="4453200" cy="1680900"/>
+          </a:xfrm>
+          <a:prstGeom prst="rect">
+            <a:avLst/>
+          </a:prstGeom>
+          <a:solidFill>
+            <a:srgbClr val="FFF2CC"/>
+          </a:solidFill>
+          <a:ln w="9525" cap="flat" cmpd="sng">
+            <a:solidFill>
+              <a:srgbClr val="FF0000"/>
+            </a:solidFill>
+            <a:prstDash val="solid"/>
+            <a:round/>
+            <a:headEnd type="none" w="sm" len="sm"/>
+            <a:tailEnd type="none" w="sm" len="sm"/>
+          </a:ln>
+        </p:spPr>
+        <p:txBody>
+          <a:bodyPr spcFirstLastPara="1" wrap="square" lIns="9125" tIns="9125" rIns="9125" bIns="9125" anchor="t" anchorCtr="0">
+            <a:spAutoFit/>
+          </a:bodyPr>
+          <a:lstStyle/>
+          <a:p>
+            <a:pPr marL="171450" marR="0" lvl="0" indent="-133350" algn="l" rtl="0">
+              <a:lnSpc>
+                <a:spcPct val="100000"/>
+              </a:lnSpc>
+              <a:spcBef>
+                <a:spcPts val="0"/>
+              </a:spcBef>
+              <a:spcAft>
+                <a:spcPts val="0"/>
+              </a:spcAft>
+              <a:buClr>
+                <a:srgbClr val="FF0000"/>
+              </a:buClr>
+              <a:buSzPts val="1200"/>
+              <a:buFont typeface="Calibri"/>
+              <a:buChar char="●"/>
+            </a:pPr>
+            <a:r>
+              <a:rPr lang="en" sz="1200" b="1">
+                <a:solidFill>
+                  <a:srgbClr val="FF0000"/>
+                </a:solidFill>
+                <a:latin typeface="Calibri"/>
+                <a:ea typeface="Calibri"/>
+                <a:cs typeface="Calibri"/>
+                <a:sym typeface="Calibri"/>
+              </a:rPr>
+              <a:t>H Company</a:t>
+            </a:r>
+            <a:endParaRPr sz="1200" b="1">
+              <a:solidFill>
+                <a:srgbClr val="FF0000"/>
+              </a:solidFill>
+              <a:latin typeface="Calibri"/>
+              <a:ea typeface="Calibri"/>
+              <a:cs typeface="Calibri"/>
+              <a:sym typeface="Calibri"/>
+            </a:endParaRPr>
+          </a:p>
+          <a:p>
+            <a:pPr marL="171450" marR="0" lvl="0" indent="-133350" algn="l" rtl="0">
+              <a:lnSpc>
+                <a:spcPct val="100000"/>
+              </a:lnSpc>
+              <a:spcBef>
+                <a:spcPts val="0"/>
+              </a:spcBef>
+              <a:spcAft>
+                <a:spcPts val="0"/>
+              </a:spcAft>
+              <a:buClr>
+                <a:schemeClr val="dk1"/>
+              </a:buClr>
+              <a:buSzPts val="1200"/>
+              <a:buFont typeface="Calibri"/>
+              <a:buChar char="●"/>
+            </a:pPr>
+            <a:r>
+              <a:rPr lang="en" sz="1200">
+                <a:solidFill>
+                  <a:schemeClr val="dk1"/>
+                </a:solidFill>
+                <a:latin typeface="Calibri"/>
+                <a:ea typeface="Calibri"/>
+                <a:cs typeface="Calibri"/>
+                <a:sym typeface="Calibri"/>
+              </a:rPr>
+              <a:t>H Company was founded in late 2023 in Paris, also in London</a:t>
+            </a:r>
+            <a:endParaRPr sz="1200">
+              <a:solidFill>
+                <a:schemeClr val="dk1"/>
+              </a:solidFill>
+              <a:latin typeface="Calibri"/>
+              <a:ea typeface="Calibri"/>
+              <a:cs typeface="Calibri"/>
+              <a:sym typeface="Calibri"/>
+            </a:endParaRPr>
+          </a:p>
+          <a:p>
+            <a:pPr marL="171450" marR="0" lvl="0" indent="-133350" algn="l" rtl="0">
+              <a:lnSpc>
+                <a:spcPct val="100000"/>
+              </a:lnSpc>
+              <a:spcBef>
+                <a:spcPts val="0"/>
+              </a:spcBef>
+              <a:spcAft>
+                <a:spcPts val="0"/>
+              </a:spcAft>
+              <a:buClr>
+                <a:schemeClr val="dk1"/>
+              </a:buClr>
+              <a:buSzPts val="1200"/>
+              <a:buFont typeface="Calibri"/>
+              <a:buChar char="●"/>
+            </a:pPr>
+            <a:r>
+              <a:rPr lang="en" sz="1200">
+                <a:solidFill>
+                  <a:schemeClr val="dk1"/>
+                </a:solidFill>
+                <a:latin typeface="Calibri"/>
+                <a:ea typeface="Calibri"/>
+                <a:cs typeface="Calibri"/>
+                <a:sym typeface="Calibri"/>
+              </a:rPr>
+              <a:t>Founders - former DeepMind scientists and a Stanford researcher</a:t>
+            </a:r>
+            <a:endParaRPr sz="1200">
+              <a:solidFill>
+                <a:schemeClr val="dk1"/>
+              </a:solidFill>
+              <a:latin typeface="Calibri"/>
+              <a:ea typeface="Calibri"/>
+              <a:cs typeface="Calibri"/>
+              <a:sym typeface="Calibri"/>
+            </a:endParaRPr>
+          </a:p>
+          <a:p>
+            <a:pPr marL="171450" marR="0" lvl="0" indent="-133350" algn="l" rtl="0">
+              <a:lnSpc>
+                <a:spcPct val="100000"/>
+              </a:lnSpc>
+              <a:spcBef>
+                <a:spcPts val="0"/>
+              </a:spcBef>
+              <a:spcAft>
+                <a:spcPts val="0"/>
+              </a:spcAft>
+              <a:buClr>
+                <a:schemeClr val="dk1"/>
+              </a:buClr>
+              <a:buSzPts val="1200"/>
+              <a:buFont typeface="Calibri"/>
+              <a:buChar char="●"/>
+            </a:pPr>
+            <a:r>
+              <a:rPr lang="en" sz="1200">
+                <a:solidFill>
+                  <a:schemeClr val="dk1"/>
+                </a:solidFill>
+                <a:latin typeface="Calibri"/>
+                <a:ea typeface="Calibri"/>
+                <a:cs typeface="Calibri"/>
+                <a:sym typeface="Calibri"/>
+              </a:rPr>
+              <a:t>Advanced "multi-agent" solutions to automate complex digital workflows; plan, execute tasks, and solve problems autonomously</a:t>
+            </a:r>
+            <a:endParaRPr sz="1200">
+              <a:solidFill>
+                <a:schemeClr val="dk1"/>
+              </a:solidFill>
+              <a:latin typeface="Calibri"/>
+              <a:ea typeface="Calibri"/>
+              <a:cs typeface="Calibri"/>
+              <a:sym typeface="Calibri"/>
+            </a:endParaRPr>
+          </a:p>
+          <a:p>
+            <a:pPr marL="171450" marR="0" lvl="0" indent="-133350" algn="l" rtl="0">
+              <a:lnSpc>
+                <a:spcPct val="100000"/>
+              </a:lnSpc>
+              <a:spcBef>
+                <a:spcPts val="0"/>
+              </a:spcBef>
+              <a:spcAft>
+                <a:spcPts val="0"/>
+              </a:spcAft>
+              <a:buClr>
+                <a:schemeClr val="dk1"/>
+              </a:buClr>
+              <a:buSzPts val="1200"/>
+              <a:buFont typeface="Calibri"/>
+              <a:buChar char="●"/>
+            </a:pPr>
+            <a:r>
+              <a:rPr lang="en" sz="1200" b="1">
+                <a:solidFill>
+                  <a:srgbClr val="FF0000"/>
+                </a:solidFill>
+                <a:latin typeface="Calibri"/>
+                <a:ea typeface="Calibri"/>
+                <a:cs typeface="Calibri"/>
+                <a:sym typeface="Calibri"/>
+              </a:rPr>
+              <a:t>Runner H and Surfer H</a:t>
+            </a:r>
+            <a:r>
+              <a:rPr lang="en" sz="1200">
+                <a:solidFill>
+                  <a:schemeClr val="dk1"/>
+                </a:solidFill>
+                <a:latin typeface="Calibri"/>
+                <a:ea typeface="Calibri"/>
+                <a:cs typeface="Calibri"/>
+                <a:sym typeface="Calibri"/>
+              </a:rPr>
+              <a:t> - business process automation, quality assurance, robotic process automation, and web-based task execution</a:t>
+            </a:r>
+            <a:endParaRPr sz="1200">
+              <a:solidFill>
+                <a:schemeClr val="dk1"/>
+              </a:solidFill>
+              <a:latin typeface="Calibri"/>
+              <a:ea typeface="Calibri"/>
+              <a:cs typeface="Calibri"/>
+              <a:sym typeface="Calibri"/>
+            </a:endParaRPr>
+          </a:p>
+          <a:p>
+            <a:pPr marL="171450" marR="0" lvl="0" indent="-133350" algn="l" rtl="0">
+              <a:lnSpc>
+                <a:spcPct val="100000"/>
+              </a:lnSpc>
+              <a:spcBef>
+                <a:spcPts val="0"/>
+              </a:spcBef>
+              <a:spcAft>
+                <a:spcPts val="0"/>
+              </a:spcAft>
+              <a:buClr>
+                <a:schemeClr val="dk1"/>
+              </a:buClr>
+              <a:buSzPts val="1200"/>
+              <a:buFont typeface="Calibri"/>
+              <a:buChar char="●"/>
+            </a:pPr>
+            <a:r>
+              <a:rPr lang="en" sz="1200" u="sng">
+                <a:solidFill>
+                  <a:schemeClr val="hlink"/>
+                </a:solidFill>
+                <a:latin typeface="Calibri"/>
+                <a:ea typeface="Calibri"/>
+                <a:cs typeface="Calibri"/>
+                <a:sym typeface="Calibri"/>
+                <a:hlinkClick r:id="rId4"/>
+              </a:rPr>
+              <a:t>https://www.hcompany.ai</a:t>
+            </a:r>
+            <a:r>
+              <a:rPr lang="en" sz="1200">
+                <a:solidFill>
+                  <a:schemeClr val="dk1"/>
+                </a:solidFill>
+                <a:latin typeface="Calibri"/>
+                <a:ea typeface="Calibri"/>
+                <a:cs typeface="Calibri"/>
+                <a:sym typeface="Calibri"/>
+              </a:rPr>
+              <a:t> </a:t>
+            </a:r>
+            <a:endParaRPr sz="1200">
+              <a:solidFill>
+                <a:schemeClr val="dk1"/>
+              </a:solidFill>
+              <a:latin typeface="Calibri"/>
+              <a:ea typeface="Calibri"/>
+              <a:cs typeface="Calibri"/>
+              <a:sym typeface="Calibri"/>
+            </a:endParaRPr>
+          </a:p>
+        </p:txBody>
+      </p:sp>
+      <p:pic>
+        <p:nvPicPr>
+          <p:cNvPr id="193" name="Google Shape;193;p24"/>
+          <p:cNvPicPr preferRelativeResize="0"/>
+          <p:nvPr/>
+        </p:nvPicPr>
+        <p:blipFill>
+          <a:blip r:embed="rId5" cstate="email">
+            <a:alphaModFix/>
+            <a:extLst>
+              <a:ext uri="{28A0092B-C50C-407E-A947-70E740481C1C}">
+                <a14:useLocalDpi xmlns:a14="http://schemas.microsoft.com/office/drawing/2010/main"/>
+              </a:ext>
+            </a:extLst>
+          </a:blip>
+          <a:stretch>
+            <a:fillRect/>
+          </a:stretch>
+        </p:blipFill>
+        <p:spPr>
+          <a:xfrm>
+            <a:off x="4693600" y="1074675"/>
+            <a:ext cx="2956583" cy="1680900"/>
+          </a:xfrm>
+          <a:prstGeom prst="rect">
+            <a:avLst/>
+          </a:prstGeom>
+          <a:noFill/>
+          <a:ln w="9525" cap="flat" cmpd="sng">
+            <a:solidFill>
+              <a:srgbClr val="FF0000"/>
+            </a:solidFill>
+            <a:prstDash val="solid"/>
+            <a:round/>
+            <a:headEnd type="none" w="sm" len="sm"/>
+            <a:tailEnd type="none" w="sm" len="sm"/>
+          </a:ln>
+        </p:spPr>
+      </p:pic>
+      <p:sp>
+        <p:nvSpPr>
+          <p:cNvPr id="194" name="Google Shape;194;p24"/>
+          <p:cNvSpPr txBox="1"/>
+          <p:nvPr/>
+        </p:nvSpPr>
+        <p:spPr>
+          <a:xfrm>
+            <a:off x="55075" y="2835550"/>
+            <a:ext cx="4453200" cy="757200"/>
+          </a:xfrm>
+          <a:prstGeom prst="rect">
+            <a:avLst/>
+          </a:prstGeom>
+          <a:solidFill>
+            <a:srgbClr val="FFF2CC"/>
+          </a:solidFill>
+          <a:ln w="9525" cap="flat" cmpd="sng">
+            <a:solidFill>
+              <a:srgbClr val="FF0000"/>
+            </a:solidFill>
+            <a:prstDash val="solid"/>
+            <a:round/>
+            <a:headEnd type="none" w="sm" len="sm"/>
+            <a:tailEnd type="none" w="sm" len="sm"/>
+          </a:ln>
+        </p:spPr>
+        <p:txBody>
+          <a:bodyPr spcFirstLastPara="1" wrap="square" lIns="9125" tIns="9125" rIns="9125" bIns="9125" anchor="t" anchorCtr="0">
+            <a:spAutoFit/>
+          </a:bodyPr>
+          <a:lstStyle/>
+          <a:p>
+            <a:pPr marL="171450" marR="0" lvl="0" indent="-133350" algn="l" rtl="0">
+              <a:lnSpc>
+                <a:spcPct val="100000"/>
+              </a:lnSpc>
+              <a:spcBef>
+                <a:spcPts val="0"/>
+              </a:spcBef>
+              <a:spcAft>
+                <a:spcPts val="0"/>
+              </a:spcAft>
+              <a:buClr>
+                <a:srgbClr val="FF0000"/>
+              </a:buClr>
+              <a:buSzPts val="1200"/>
+              <a:buFont typeface="Calibri"/>
+              <a:buChar char="●"/>
+            </a:pPr>
+            <a:r>
+              <a:rPr lang="en" sz="1200" b="1">
+                <a:solidFill>
+                  <a:srgbClr val="FF0000"/>
+                </a:solidFill>
+                <a:latin typeface="Calibri"/>
+                <a:ea typeface="Calibri"/>
+                <a:cs typeface="Calibri"/>
+                <a:sym typeface="Calibri"/>
+              </a:rPr>
+              <a:t>No Robo Bosses Act</a:t>
+            </a:r>
+            <a:endParaRPr sz="1200" b="1">
+              <a:solidFill>
+                <a:srgbClr val="FF0000"/>
+              </a:solidFill>
+              <a:latin typeface="Calibri"/>
+              <a:ea typeface="Calibri"/>
+              <a:cs typeface="Calibri"/>
+              <a:sym typeface="Calibri"/>
+            </a:endParaRPr>
+          </a:p>
+          <a:p>
+            <a:pPr marL="171450" marR="0" lvl="0" indent="-133350" algn="l" rtl="0">
+              <a:lnSpc>
+                <a:spcPct val="100000"/>
+              </a:lnSpc>
+              <a:spcBef>
+                <a:spcPts val="0"/>
+              </a:spcBef>
+              <a:spcAft>
+                <a:spcPts val="0"/>
+              </a:spcAft>
+              <a:buClr>
+                <a:schemeClr val="dk1"/>
+              </a:buClr>
+              <a:buSzPts val="1200"/>
+              <a:buFont typeface="Calibri"/>
+              <a:buChar char="●"/>
+            </a:pPr>
+            <a:r>
+              <a:rPr lang="en" sz="1200">
+                <a:solidFill>
+                  <a:schemeClr val="dk1"/>
+                </a:solidFill>
+                <a:latin typeface="Calibri"/>
+                <a:ea typeface="Calibri"/>
+                <a:cs typeface="Calibri"/>
+                <a:sym typeface="Calibri"/>
+              </a:rPr>
+              <a:t>California introduced several significant AI and employment law bills (e.g., “No Robo Bosses Act,” Automated Decisions Safety Act, and workplace surveillance limits)</a:t>
+            </a:r>
+            <a:endParaRPr sz="1200">
+              <a:solidFill>
+                <a:schemeClr val="dk1"/>
+              </a:solidFill>
+              <a:latin typeface="Calibri"/>
+              <a:ea typeface="Calibri"/>
+              <a:cs typeface="Calibri"/>
+              <a:sym typeface="Calibri"/>
+            </a:endParaRPr>
+          </a:p>
+        </p:txBody>
+      </p:sp>
+      <p:sp>
+        <p:nvSpPr>
+          <p:cNvPr id="195" name="Google Shape;195;p24"/>
+          <p:cNvSpPr txBox="1"/>
+          <p:nvPr/>
+        </p:nvSpPr>
+        <p:spPr>
+          <a:xfrm>
+            <a:off x="55075" y="3716825"/>
+            <a:ext cx="4453200" cy="1311300"/>
+          </a:xfrm>
+          <a:prstGeom prst="rect">
+            <a:avLst/>
+          </a:prstGeom>
+          <a:solidFill>
+            <a:srgbClr val="FFF2CC"/>
+          </a:solidFill>
+          <a:ln w="9525" cap="flat" cmpd="sng">
+            <a:solidFill>
+              <a:srgbClr val="FF0000"/>
+            </a:solidFill>
+            <a:prstDash val="solid"/>
+            <a:round/>
+            <a:headEnd type="none" w="sm" len="sm"/>
+            <a:tailEnd type="none" w="sm" len="sm"/>
+          </a:ln>
+        </p:spPr>
+        <p:txBody>
+          <a:bodyPr spcFirstLastPara="1" wrap="square" lIns="9125" tIns="9125" rIns="9125" bIns="9125" anchor="t" anchorCtr="0">
+            <a:spAutoFit/>
+          </a:bodyPr>
+          <a:lstStyle/>
+          <a:p>
+            <a:pPr marL="171450" marR="0" lvl="0" indent="-133350" algn="l" rtl="0">
+              <a:lnSpc>
+                <a:spcPct val="100000"/>
+              </a:lnSpc>
+              <a:spcBef>
+                <a:spcPts val="0"/>
+              </a:spcBef>
+              <a:spcAft>
+                <a:spcPts val="0"/>
+              </a:spcAft>
+              <a:buClr>
+                <a:srgbClr val="FF0000"/>
+              </a:buClr>
+              <a:buSzPts val="1200"/>
+              <a:buFont typeface="Calibri"/>
+              <a:buChar char="●"/>
+            </a:pPr>
+            <a:r>
+              <a:rPr lang="en" sz="1200" b="1">
+                <a:solidFill>
+                  <a:srgbClr val="FF0000"/>
+                </a:solidFill>
+                <a:latin typeface="Calibri"/>
+                <a:ea typeface="Calibri"/>
+                <a:cs typeface="Calibri"/>
+                <a:sym typeface="Calibri"/>
+              </a:rPr>
+              <a:t>Klarna re-hiring humans</a:t>
+            </a:r>
+            <a:endParaRPr sz="1200" b="1">
+              <a:solidFill>
+                <a:srgbClr val="FF0000"/>
+              </a:solidFill>
+              <a:latin typeface="Calibri"/>
+              <a:ea typeface="Calibri"/>
+              <a:cs typeface="Calibri"/>
+              <a:sym typeface="Calibri"/>
+            </a:endParaRPr>
+          </a:p>
+          <a:p>
+            <a:pPr marL="171450" marR="0" lvl="0" indent="-133350" algn="l" rtl="0">
+              <a:lnSpc>
+                <a:spcPct val="100000"/>
+              </a:lnSpc>
+              <a:spcBef>
+                <a:spcPts val="0"/>
+              </a:spcBef>
+              <a:spcAft>
+                <a:spcPts val="0"/>
+              </a:spcAft>
+              <a:buClr>
+                <a:schemeClr val="dk1"/>
+              </a:buClr>
+              <a:buSzPts val="1200"/>
+              <a:buFont typeface="Calibri"/>
+              <a:buChar char="●"/>
+            </a:pPr>
+            <a:r>
+              <a:rPr lang="en" sz="1200">
+                <a:solidFill>
+                  <a:schemeClr val="dk1"/>
+                </a:solidFill>
+                <a:latin typeface="Calibri"/>
+                <a:ea typeface="Calibri"/>
+                <a:cs typeface="Calibri"/>
+                <a:sym typeface="Calibri"/>
+              </a:rPr>
+              <a:t>Klarna Bank (Swedish buy-now-pay-later company) has cut 50% of workforce (from 4.2K to 2K). It stopped using Salesforce and HR "Workday" in favor of its own in-house AI solutions</a:t>
+            </a:r>
+            <a:endParaRPr sz="1200">
+              <a:solidFill>
+                <a:schemeClr val="dk1"/>
+              </a:solidFill>
+              <a:latin typeface="Calibri"/>
+              <a:ea typeface="Calibri"/>
+              <a:cs typeface="Calibri"/>
+              <a:sym typeface="Calibri"/>
+            </a:endParaRPr>
+          </a:p>
+          <a:p>
+            <a:pPr marL="171450" marR="0" lvl="0" indent="-133350" algn="l" rtl="0">
+              <a:lnSpc>
+                <a:spcPct val="100000"/>
+              </a:lnSpc>
+              <a:spcBef>
+                <a:spcPts val="0"/>
+              </a:spcBef>
+              <a:spcAft>
+                <a:spcPts val="0"/>
+              </a:spcAft>
+              <a:buClr>
+                <a:schemeClr val="dk1"/>
+              </a:buClr>
+              <a:buSzPts val="1200"/>
+              <a:buFont typeface="Calibri"/>
+              <a:buChar char="●"/>
+            </a:pPr>
+            <a:r>
+              <a:rPr lang="en" sz="1200">
+                <a:solidFill>
+                  <a:schemeClr val="dk1"/>
+                </a:solidFill>
+                <a:latin typeface="Calibri"/>
+                <a:ea typeface="Calibri"/>
+                <a:cs typeface="Calibri"/>
+                <a:sym typeface="Calibri"/>
+              </a:rPr>
+              <a:t>But recently Klarna is planning to hire humans (mostly students and rural areas) to ensure customers will always have the option to speak to a live representative.</a:t>
+            </a:r>
+            <a:endParaRPr sz="1200">
+              <a:solidFill>
+                <a:schemeClr val="dk1"/>
+              </a:solidFill>
+              <a:latin typeface="Calibri"/>
+              <a:ea typeface="Calibri"/>
+              <a:cs typeface="Calibri"/>
+              <a:sym typeface="Calibri"/>
+            </a:endParaRPr>
+          </a:p>
+        </p:txBody>
+      </p:sp>
+      <p:pic>
+        <p:nvPicPr>
+          <p:cNvPr id="196" name="Google Shape;196;p24"/>
+          <p:cNvPicPr preferRelativeResize="0"/>
+          <p:nvPr/>
+        </p:nvPicPr>
+        <p:blipFill>
+          <a:blip r:embed="rId6" cstate="email">
+            <a:alphaModFix/>
+            <a:extLst>
+              <a:ext uri="{28A0092B-C50C-407E-A947-70E740481C1C}">
+                <a14:useLocalDpi xmlns:a14="http://schemas.microsoft.com/office/drawing/2010/main"/>
+              </a:ext>
+            </a:extLst>
+          </a:blip>
+          <a:stretch>
+            <a:fillRect/>
+          </a:stretch>
+        </p:blipFill>
+        <p:spPr>
+          <a:xfrm>
+            <a:off x="4693600" y="3716825"/>
+            <a:ext cx="2541153" cy="1311300"/>
+          </a:xfrm>
+          <a:prstGeom prst="rect">
+            <a:avLst/>
+          </a:prstGeom>
+          <a:noFill/>
+          <a:ln w="9525" cap="flat" cmpd="sng">
+            <a:solidFill>
+              <a:srgbClr val="FF0000"/>
+            </a:solidFill>
+            <a:prstDash val="solid"/>
+            <a:round/>
+            <a:headEnd type="none" w="sm" len="sm"/>
+            <a:tailEnd type="none" w="sm" len="sm"/>
+          </a:ln>
+        </p:spPr>
+      </p:pic>
+    </p:spTree>
+  </p:cSld>
+  <p:clrMapOvr>
+    <a:masterClrMapping/>
+  </p:clrMapOvr>
+</p:sld>
+</file>
+
+<file path=ppt/slides/slide11.xml><?xml version="1.0" encoding="utf-8"?>
+<p:sld xmlns:a="http://schemas.openxmlformats.org/drawingml/2006/main" xmlns:r="http://schemas.openxmlformats.org/officeDocument/2006/relationships" xmlns:p="http://schemas.openxmlformats.org/presentationml/2006/main">
+  <p:cSld>
+    <p:spTree>
+      <p:nvGrpSpPr>
+        <p:cNvPr id="1" name="Shape 200"/>
+        <p:cNvGrpSpPr/>
+        <p:nvPr/>
+      </p:nvGrpSpPr>
+      <p:grpSpPr>
+        <a:xfrm>
+          <a:off x="0" y="0"/>
+          <a:ext cx="0" cy="0"/>
+          <a:chOff x="0" y="0"/>
+          <a:chExt cx="0" cy="0"/>
+        </a:xfrm>
+      </p:grpSpPr>
+      <p:sp>
+        <p:nvSpPr>
+          <p:cNvPr id="201" name="Google Shape;201;p25"/>
           <p:cNvSpPr txBox="1"/>
           <p:nvPr/>
         </p:nvSpPr>
@@ -13214,7 +14280,7 @@
       </p:sp>
       <p:sp>
         <p:nvSpPr>
-          <p:cNvPr id="190" name="Google Shape;190;p24"/>
+          <p:cNvPr id="202" name="Google Shape;202;p25"/>
           <p:cNvSpPr txBox="1"/>
           <p:nvPr/>
         </p:nvSpPr>
@@ -13368,7 +14434,7 @@
       </p:sp>
       <p:sp>
         <p:nvSpPr>
-          <p:cNvPr id="191" name="Google Shape;191;p24"/>
+          <p:cNvPr id="203" name="Google Shape;203;p25"/>
           <p:cNvSpPr txBox="1"/>
           <p:nvPr/>
         </p:nvSpPr>
@@ -13482,7 +14548,7 @@
       </p:sp>
       <p:sp>
         <p:nvSpPr>
-          <p:cNvPr id="192" name="Google Shape;192;p24"/>
+          <p:cNvPr id="204" name="Google Shape;204;p25"/>
           <p:cNvSpPr txBox="1"/>
           <p:nvPr/>
         </p:nvSpPr>
@@ -13602,12 +14668,12 @@
 </p:sld>
 </file>
 
-<file path=ppt/slides/slide11.xml><?xml version="1.0" encoding="utf-8"?>
+<file path=ppt/slides/slide12.xml><?xml version="1.0" encoding="utf-8"?>
 <p:sld xmlns:a="http://schemas.openxmlformats.org/drawingml/2006/main" xmlns:r="http://schemas.openxmlformats.org/officeDocument/2006/relationships" xmlns:p="http://schemas.openxmlformats.org/presentationml/2006/main">
   <p:cSld>
     <p:spTree>
       <p:nvGrpSpPr>
-        <p:cNvPr id="1" name="Shape 196"/>
+        <p:cNvPr id="1" name="Shape 208"/>
         <p:cNvGrpSpPr/>
         <p:nvPr/>
       </p:nvGrpSpPr>
@@ -13621,7 +14687,7 @@
       </p:grpSpPr>
       <p:sp>
         <p:nvSpPr>
-          <p:cNvPr id="197" name="Google Shape;197;p25"/>
+          <p:cNvPr id="209" name="Google Shape;209;p26"/>
           <p:cNvSpPr txBox="1"/>
           <p:nvPr/>
         </p:nvSpPr>
@@ -13687,7 +14753,7 @@
       </p:sp>
       <p:sp>
         <p:nvSpPr>
-          <p:cNvPr id="198" name="Google Shape;198;p25"/>
+          <p:cNvPr id="210" name="Google Shape;210;p26"/>
           <p:cNvSpPr txBox="1"/>
           <p:nvPr/>
         </p:nvSpPr>
@@ -13814,7 +14880,7 @@
       </p:sp>
       <p:pic>
         <p:nvPicPr>
-          <p:cNvPr id="199" name="Google Shape;199;p25"/>
+          <p:cNvPr id="211" name="Google Shape;211;p26"/>
           <p:cNvPicPr preferRelativeResize="0"/>
           <p:nvPr/>
         </p:nvPicPr>
@@ -13852,7 +14918,7 @@
       </p:pic>
       <p:pic>
         <p:nvPicPr>
-          <p:cNvPr id="200" name="Google Shape;200;p25"/>
+          <p:cNvPr id="212" name="Google Shape;212;p26"/>
           <p:cNvPicPr preferRelativeResize="0"/>
           <p:nvPr/>
         </p:nvPicPr>
@@ -13891,7 +14957,7 @@
       </p:pic>
       <p:pic>
         <p:nvPicPr>
-          <p:cNvPr id="201" name="Google Shape;201;p25"/>
+          <p:cNvPr id="213" name="Google Shape;213;p26"/>
           <p:cNvPicPr preferRelativeResize="0"/>
           <p:nvPr/>
         </p:nvPicPr>
@@ -13930,7 +14996,7 @@
       </p:pic>
       <p:sp>
         <p:nvSpPr>
-          <p:cNvPr id="202" name="Google Shape;202;p25"/>
+          <p:cNvPr id="214" name="Google Shape;214;p26"/>
           <p:cNvSpPr txBox="1"/>
           <p:nvPr/>
         </p:nvSpPr>
@@ -14084,7 +15150,7 @@
       </p:sp>
       <p:sp>
         <p:nvSpPr>
-          <p:cNvPr id="203" name="Google Shape;203;p25"/>
+          <p:cNvPr id="215" name="Google Shape;215;p26"/>
           <p:cNvSpPr txBox="1"/>
           <p:nvPr/>
         </p:nvSpPr>
@@ -14188,7 +15254,7 @@
       </p:sp>
       <p:sp>
         <p:nvSpPr>
-          <p:cNvPr id="204" name="Google Shape;204;p25"/>
+          <p:cNvPr id="216" name="Google Shape;216;p26"/>
           <p:cNvSpPr/>
           <p:nvPr/>
         </p:nvSpPr>
@@ -14237,7 +15303,7 @@
       </p:sp>
       <p:pic>
         <p:nvPicPr>
-          <p:cNvPr id="205" name="Google Shape;205;p25"/>
+          <p:cNvPr id="217" name="Google Shape;217;p26"/>
           <p:cNvPicPr preferRelativeResize="0"/>
           <p:nvPr/>
         </p:nvPicPr>
@@ -14276,12 +15342,12 @@
 </p:sld>
 </file>
 
-<file path=ppt/slides/slide12.xml><?xml version="1.0" encoding="utf-8"?>
+<file path=ppt/slides/slide13.xml><?xml version="1.0" encoding="utf-8"?>
 <p:sld xmlns:a="http://schemas.openxmlformats.org/drawingml/2006/main" xmlns:r="http://schemas.openxmlformats.org/officeDocument/2006/relationships" xmlns:p="http://schemas.openxmlformats.org/presentationml/2006/main">
   <p:cSld>
     <p:spTree>
       <p:nvGrpSpPr>
-        <p:cNvPr id="1" name="Shape 209"/>
+        <p:cNvPr id="1" name="Shape 221"/>
         <p:cNvGrpSpPr/>
         <p:nvPr/>
       </p:nvGrpSpPr>
@@ -14295,7 +15361,7 @@
       </p:grpSpPr>
       <p:sp>
         <p:nvSpPr>
-          <p:cNvPr id="210" name="Google Shape;210;p26"/>
+          <p:cNvPr id="222" name="Google Shape;222;p27"/>
           <p:cNvSpPr txBox="1"/>
           <p:nvPr/>
         </p:nvSpPr>
@@ -14361,7 +15427,7 @@
       </p:sp>
       <p:sp>
         <p:nvSpPr>
-          <p:cNvPr id="211" name="Google Shape;211;p26"/>
+          <p:cNvPr id="223" name="Google Shape;223;p27"/>
           <p:cNvSpPr txBox="1"/>
           <p:nvPr/>
         </p:nvSpPr>
@@ -14489,7 +15555,7 @@
       </p:sp>
       <p:pic>
         <p:nvPicPr>
-          <p:cNvPr id="212" name="Google Shape;212;p26"/>
+          <p:cNvPr id="224" name="Google Shape;224;p27"/>
           <p:cNvPicPr preferRelativeResize="0"/>
           <p:nvPr/>
         </p:nvPicPr>
@@ -14527,7 +15593,7 @@
       </p:pic>
       <p:sp>
         <p:nvSpPr>
-          <p:cNvPr id="213" name="Google Shape;213;p26"/>
+          <p:cNvPr id="225" name="Google Shape;225;p27"/>
           <p:cNvSpPr txBox="1"/>
           <p:nvPr/>
         </p:nvSpPr>
@@ -14636,7 +15702,7 @@
       </p:sp>
       <p:pic>
         <p:nvPicPr>
-          <p:cNvPr id="214" name="Google Shape;214;p26"/>
+          <p:cNvPr id="226" name="Google Shape;226;p27"/>
           <p:cNvPicPr preferRelativeResize="0"/>
           <p:nvPr/>
         </p:nvPicPr>
@@ -14681,12 +15747,12 @@
 </p:sld>
 </file>
 
-<file path=ppt/slides/slide13.xml><?xml version="1.0" encoding="utf-8"?>
+<file path=ppt/slides/slide14.xml><?xml version="1.0" encoding="utf-8"?>
 <p:sld xmlns:a="http://schemas.openxmlformats.org/drawingml/2006/main" xmlns:r="http://schemas.openxmlformats.org/officeDocument/2006/relationships" xmlns:p="http://schemas.openxmlformats.org/presentationml/2006/main">
   <p:cSld>
     <p:spTree>
       <p:nvGrpSpPr>
-        <p:cNvPr id="1" name="Shape 218"/>
+        <p:cNvPr id="1" name="Shape 230"/>
         <p:cNvGrpSpPr/>
         <p:nvPr/>
       </p:nvGrpSpPr>
@@ -14700,7 +15766,7 @@
       </p:grpSpPr>
       <p:pic>
         <p:nvPicPr>
-          <p:cNvPr id="219" name="Google Shape;219;p27"/>
+          <p:cNvPr id="231" name="Google Shape;231;p28"/>
           <p:cNvPicPr preferRelativeResize="0"/>
           <p:nvPr/>
         </p:nvPicPr>
@@ -14732,7 +15798,7 @@
       </p:pic>
       <p:sp>
         <p:nvSpPr>
-          <p:cNvPr id="220" name="Google Shape;220;p27"/>
+          <p:cNvPr id="232" name="Google Shape;232;p28"/>
           <p:cNvSpPr txBox="1"/>
           <p:nvPr/>
         </p:nvSpPr>
@@ -14798,7 +15864,7 @@
       </p:sp>
       <p:sp>
         <p:nvSpPr>
-          <p:cNvPr id="221" name="Google Shape;221;p27"/>
+          <p:cNvPr id="233" name="Google Shape;233;p28"/>
           <p:cNvSpPr txBox="1"/>
           <p:nvPr/>
         </p:nvSpPr>
@@ -15228,7 +16294,7 @@
       </p:sp>
       <p:pic>
         <p:nvPicPr>
-          <p:cNvPr id="222" name="Google Shape;222;p27"/>
+          <p:cNvPr id="234" name="Google Shape;234;p28"/>
           <p:cNvPicPr preferRelativeResize="0"/>
           <p:nvPr/>
         </p:nvPicPr>
@@ -15260,7 +16326,7 @@
       </p:pic>
       <p:sp>
         <p:nvSpPr>
-          <p:cNvPr id="223" name="Google Shape;223;p27"/>
+          <p:cNvPr id="235" name="Google Shape;235;p28"/>
           <p:cNvSpPr txBox="1"/>
           <p:nvPr/>
         </p:nvSpPr>
@@ -15339,7 +16405,7 @@
       </p:sp>
       <p:sp>
         <p:nvSpPr>
-          <p:cNvPr id="224" name="Google Shape;224;p27"/>
+          <p:cNvPr id="236" name="Google Shape;236;p28"/>
           <p:cNvSpPr txBox="1"/>
           <p:nvPr/>
         </p:nvSpPr>
@@ -15411,12 +16477,12 @@
 </p:sld>
 </file>
 
-<file path=ppt/slides/slide14.xml><?xml version="1.0" encoding="utf-8"?>
+<file path=ppt/slides/slide15.xml><?xml version="1.0" encoding="utf-8"?>
 <p:sld xmlns:a="http://schemas.openxmlformats.org/drawingml/2006/main" xmlns:r="http://schemas.openxmlformats.org/officeDocument/2006/relationships" xmlns:p="http://schemas.openxmlformats.org/presentationml/2006/main">
   <p:cSld>
     <p:spTree>
       <p:nvGrpSpPr>
-        <p:cNvPr id="1" name="Shape 228"/>
+        <p:cNvPr id="1" name="Shape 240"/>
         <p:cNvGrpSpPr/>
         <p:nvPr/>
       </p:nvGrpSpPr>
@@ -15430,7 +16496,7 @@
       </p:grpSpPr>
       <p:sp>
         <p:nvSpPr>
-          <p:cNvPr id="229" name="Google Shape;229;p28"/>
+          <p:cNvPr id="241" name="Google Shape;241;p29"/>
           <p:cNvSpPr txBox="1"/>
           <p:nvPr/>
         </p:nvSpPr>
@@ -18062,7 +19128,7 @@
             <a:tbl>
               <a:tblPr>
                 <a:noFill/>
-                <a:tableStyleId>{9903F2CC-9A86-4563-B871-E39C20A19AB5}</a:tableStyleId>
+                <a:tableStyleId>{0214274C-3CC1-45A6-9965-63C873138C79}</a:tableStyleId>
               </a:tblPr>
               <a:tblGrid>
                 <a:gridCol w="1866900">
@@ -22127,7 +23193,7 @@
             <a:tbl>
               <a:tblPr>
                 <a:noFill/>
-                <a:tableStyleId>{9903F2CC-9A86-4563-B871-E39C20A19AB5}</a:tableStyleId>
+                <a:tableStyleId>{0214274C-3CC1-45A6-9965-63C873138C79}</a:tableStyleId>
               </a:tblPr>
               <a:tblGrid>
                 <a:gridCol w="1727550">
@@ -26721,6 +27787,380 @@
         <p:spPr>
           <a:xfrm>
             <a:off x="55075" y="52750"/>
+            <a:ext cx="4465800" cy="326400"/>
+          </a:xfrm>
+          <a:prstGeom prst="rect">
+            <a:avLst/>
+          </a:prstGeom>
+          <a:noFill/>
+          <a:ln>
+            <a:noFill/>
+          </a:ln>
+        </p:spPr>
+        <p:txBody>
+          <a:bodyPr spcFirstLastPara="1" wrap="square" lIns="9125" tIns="9125" rIns="9125" bIns="9125" anchor="t" anchorCtr="0">
+            <a:spAutoFit/>
+          </a:bodyPr>
+          <a:lstStyle/>
+          <a:p>
+            <a:pPr marL="0" marR="0" lvl="0" indent="0" algn="l" rtl="0">
+              <a:lnSpc>
+                <a:spcPct val="100000"/>
+              </a:lnSpc>
+              <a:spcBef>
+                <a:spcPts val="0"/>
+              </a:spcBef>
+              <a:spcAft>
+                <a:spcPts val="0"/>
+              </a:spcAft>
+              <a:buClr>
+                <a:schemeClr val="dk1"/>
+              </a:buClr>
+              <a:buSzPts val="1100"/>
+              <a:buFont typeface="Arial"/>
+              <a:buNone/>
+            </a:pPr>
+            <a:r>
+              <a:rPr lang="en" sz="2000" b="1">
+                <a:solidFill>
+                  <a:schemeClr val="dk1"/>
+                </a:solidFill>
+                <a:latin typeface="Calibri"/>
+                <a:ea typeface="Calibri"/>
+                <a:cs typeface="Calibri"/>
+                <a:sym typeface="Calibri"/>
+              </a:rPr>
+              <a:t>Perplexity Pro: Search, Research, Labs</a:t>
+            </a:r>
+            <a:endParaRPr sz="2000" b="1" i="0" u="none" strike="noStrike" cap="none">
+              <a:solidFill>
+                <a:schemeClr val="dk1"/>
+              </a:solidFill>
+              <a:latin typeface="Calibri"/>
+              <a:ea typeface="Calibri"/>
+              <a:cs typeface="Calibri"/>
+              <a:sym typeface="Calibri"/>
+            </a:endParaRPr>
+          </a:p>
+        </p:txBody>
+      </p:sp>
+      <p:sp>
+        <p:nvSpPr>
+          <p:cNvPr id="142" name="Google Shape;142;p19"/>
+          <p:cNvSpPr txBox="1"/>
+          <p:nvPr/>
+        </p:nvSpPr>
+        <p:spPr>
+          <a:xfrm>
+            <a:off x="55075" y="1764250"/>
+            <a:ext cx="3560100" cy="387900"/>
+          </a:xfrm>
+          <a:prstGeom prst="rect">
+            <a:avLst/>
+          </a:prstGeom>
+          <a:solidFill>
+            <a:srgbClr val="FFF2CC"/>
+          </a:solidFill>
+          <a:ln w="9525" cap="flat" cmpd="sng">
+            <a:solidFill>
+              <a:srgbClr val="FF0000"/>
+            </a:solidFill>
+            <a:prstDash val="solid"/>
+            <a:round/>
+            <a:headEnd type="none" w="sm" len="sm"/>
+            <a:tailEnd type="none" w="sm" len="sm"/>
+          </a:ln>
+        </p:spPr>
+        <p:txBody>
+          <a:bodyPr spcFirstLastPara="1" wrap="square" lIns="9125" tIns="9125" rIns="9125" bIns="9125" anchor="t" anchorCtr="0">
+            <a:spAutoFit/>
+          </a:bodyPr>
+          <a:lstStyle/>
+          <a:p>
+            <a:pPr marL="171450" marR="0" lvl="0" indent="-133350" algn="l" rtl="0">
+              <a:lnSpc>
+                <a:spcPct val="100000"/>
+              </a:lnSpc>
+              <a:spcBef>
+                <a:spcPts val="0"/>
+              </a:spcBef>
+              <a:spcAft>
+                <a:spcPts val="0"/>
+              </a:spcAft>
+              <a:buClr>
+                <a:schemeClr val="dk1"/>
+              </a:buClr>
+              <a:buSzPts val="1200"/>
+              <a:buFont typeface="Calibri"/>
+              <a:buChar char="●"/>
+            </a:pPr>
+            <a:r>
+              <a:rPr lang="en" sz="1200">
+                <a:solidFill>
+                  <a:schemeClr val="dk1"/>
+                </a:solidFill>
+                <a:latin typeface="Calibri"/>
+                <a:ea typeface="Calibri"/>
+                <a:cs typeface="Calibri"/>
+                <a:sym typeface="Calibri"/>
+              </a:rPr>
+              <a:t>In Perplexity Pro you can choose between 3 modes:</a:t>
+            </a:r>
+            <a:br>
+              <a:rPr lang="en" sz="1200">
+                <a:solidFill>
+                  <a:schemeClr val="dk1"/>
+                </a:solidFill>
+                <a:latin typeface="Calibri"/>
+                <a:ea typeface="Calibri"/>
+                <a:cs typeface="Calibri"/>
+                <a:sym typeface="Calibri"/>
+              </a:rPr>
+            </a:br>
+            <a:r>
+              <a:rPr lang="en" sz="1200">
+                <a:solidFill>
+                  <a:schemeClr val="dk1"/>
+                </a:solidFill>
+                <a:latin typeface="Calibri"/>
+                <a:ea typeface="Calibri"/>
+                <a:cs typeface="Calibri"/>
+                <a:sym typeface="Calibri"/>
+              </a:rPr>
+              <a:t>Search, Research, Labs</a:t>
+            </a:r>
+            <a:endParaRPr sz="1200">
+              <a:solidFill>
+                <a:schemeClr val="dk1"/>
+              </a:solidFill>
+              <a:latin typeface="Calibri"/>
+              <a:ea typeface="Calibri"/>
+              <a:cs typeface="Calibri"/>
+              <a:sym typeface="Calibri"/>
+            </a:endParaRPr>
+          </a:p>
+        </p:txBody>
+      </p:sp>
+      <p:pic>
+        <p:nvPicPr>
+          <p:cNvPr id="143" name="Google Shape;143;p19"/>
+          <p:cNvPicPr preferRelativeResize="0"/>
+          <p:nvPr/>
+        </p:nvPicPr>
+        <p:blipFill>
+          <a:blip r:embed="rId3" cstate="email">
+            <a:alphaModFix/>
+            <a:extLst>
+              <a:ext uri="{28A0092B-C50C-407E-A947-70E740481C1C}">
+                <a14:useLocalDpi xmlns:a14="http://schemas.microsoft.com/office/drawing/2010/main"/>
+              </a:ext>
+            </a:extLst>
+          </a:blip>
+          <a:stretch>
+            <a:fillRect/>
+          </a:stretch>
+        </p:blipFill>
+        <p:spPr>
+          <a:xfrm>
+            <a:off x="5270925" y="747201"/>
+            <a:ext cx="3660426" cy="1278246"/>
+          </a:xfrm>
+          <a:prstGeom prst="rect">
+            <a:avLst/>
+          </a:prstGeom>
+          <a:noFill/>
+          <a:ln w="9525" cap="flat" cmpd="sng">
+            <a:solidFill>
+              <a:srgbClr val="FF0000"/>
+            </a:solidFill>
+            <a:prstDash val="solid"/>
+            <a:round/>
+            <a:headEnd type="none" w="sm" len="sm"/>
+            <a:tailEnd type="none" w="sm" len="sm"/>
+          </a:ln>
+        </p:spPr>
+      </p:pic>
+      <p:sp>
+        <p:nvSpPr>
+          <p:cNvPr id="144" name="Google Shape;144;p19"/>
+          <p:cNvSpPr txBox="1"/>
+          <p:nvPr/>
+        </p:nvSpPr>
+        <p:spPr>
+          <a:xfrm>
+            <a:off x="5109625" y="2124100"/>
+            <a:ext cx="1498800" cy="203100"/>
+          </a:xfrm>
+          <a:prstGeom prst="rect">
+            <a:avLst/>
+          </a:prstGeom>
+          <a:solidFill>
+            <a:srgbClr val="FFF2CC"/>
+          </a:solidFill>
+          <a:ln w="9525" cap="flat" cmpd="sng">
+            <a:solidFill>
+              <a:srgbClr val="FF0000"/>
+            </a:solidFill>
+            <a:prstDash val="solid"/>
+            <a:round/>
+            <a:headEnd type="none" w="sm" len="sm"/>
+            <a:tailEnd type="none" w="sm" len="sm"/>
+          </a:ln>
+        </p:spPr>
+        <p:txBody>
+          <a:bodyPr spcFirstLastPara="1" wrap="square" lIns="9125" tIns="9125" rIns="9125" bIns="9125" anchor="t" anchorCtr="0">
+            <a:spAutoFit/>
+          </a:bodyPr>
+          <a:lstStyle/>
+          <a:p>
+            <a:pPr marL="0" marR="0" lvl="0" indent="0" algn="l" rtl="0">
+              <a:lnSpc>
+                <a:spcPct val="100000"/>
+              </a:lnSpc>
+              <a:spcBef>
+                <a:spcPts val="0"/>
+              </a:spcBef>
+              <a:spcAft>
+                <a:spcPts val="0"/>
+              </a:spcAft>
+              <a:buNone/>
+            </a:pPr>
+            <a:r>
+              <a:rPr lang="en" sz="1200">
+                <a:solidFill>
+                  <a:schemeClr val="dk1"/>
+                </a:solidFill>
+                <a:latin typeface="Calibri"/>
+                <a:ea typeface="Calibri"/>
+                <a:cs typeface="Calibri"/>
+                <a:sym typeface="Calibri"/>
+              </a:rPr>
+              <a:t>Search, Research, Labs</a:t>
+            </a:r>
+            <a:endParaRPr sz="1200">
+              <a:solidFill>
+                <a:schemeClr val="dk1"/>
+              </a:solidFill>
+              <a:latin typeface="Calibri"/>
+              <a:ea typeface="Calibri"/>
+              <a:cs typeface="Calibri"/>
+              <a:sym typeface="Calibri"/>
+            </a:endParaRPr>
+          </a:p>
+        </p:txBody>
+      </p:sp>
+      <p:pic>
+        <p:nvPicPr>
+          <p:cNvPr id="145" name="Google Shape;145;p19"/>
+          <p:cNvPicPr preferRelativeResize="0"/>
+          <p:nvPr/>
+        </p:nvPicPr>
+        <p:blipFill>
+          <a:blip r:embed="rId4" cstate="email">
+            <a:alphaModFix/>
+            <a:extLst>
+              <a:ext uri="{28A0092B-C50C-407E-A947-70E740481C1C}">
+                <a14:useLocalDpi xmlns:a14="http://schemas.microsoft.com/office/drawing/2010/main"/>
+              </a:ext>
+            </a:extLst>
+          </a:blip>
+          <a:stretch>
+            <a:fillRect/>
+          </a:stretch>
+        </p:blipFill>
+        <p:spPr>
+          <a:xfrm>
+            <a:off x="4104525" y="2610275"/>
+            <a:ext cx="2223374" cy="1496100"/>
+          </a:xfrm>
+          <a:prstGeom prst="rect">
+            <a:avLst/>
+          </a:prstGeom>
+          <a:noFill/>
+          <a:ln w="9525" cap="flat" cmpd="sng">
+            <a:solidFill>
+              <a:srgbClr val="FF0000"/>
+            </a:solidFill>
+            <a:prstDash val="solid"/>
+            <a:round/>
+            <a:headEnd type="none" w="sm" len="sm"/>
+            <a:tailEnd type="none" w="sm" len="sm"/>
+          </a:ln>
+        </p:spPr>
+      </p:pic>
+      <p:pic>
+        <p:nvPicPr>
+          <p:cNvPr id="146" name="Google Shape;146;p19"/>
+          <p:cNvPicPr preferRelativeResize="0"/>
+          <p:nvPr/>
+        </p:nvPicPr>
+        <p:blipFill>
+          <a:blip r:embed="rId5" cstate="email">
+            <a:alphaModFix/>
+            <a:extLst>
+              <a:ext uri="{28A0092B-C50C-407E-A947-70E740481C1C}">
+                <a14:useLocalDpi xmlns:a14="http://schemas.microsoft.com/office/drawing/2010/main"/>
+              </a:ext>
+            </a:extLst>
+          </a:blip>
+          <a:stretch>
+            <a:fillRect/>
+          </a:stretch>
+        </p:blipFill>
+        <p:spPr>
+          <a:xfrm>
+            <a:off x="6474350" y="2610275"/>
+            <a:ext cx="2124994" cy="1496100"/>
+          </a:xfrm>
+          <a:prstGeom prst="rect">
+            <a:avLst/>
+          </a:prstGeom>
+          <a:noFill/>
+          <a:ln w="9525" cap="flat" cmpd="sng">
+            <a:solidFill>
+              <a:srgbClr val="FF0000"/>
+            </a:solidFill>
+            <a:prstDash val="solid"/>
+            <a:round/>
+            <a:headEnd type="none" w="sm" len="sm"/>
+            <a:tailEnd type="none" w="sm" len="sm"/>
+          </a:ln>
+        </p:spPr>
+      </p:pic>
+    </p:spTree>
+  </p:cSld>
+  <p:clrMapOvr>
+    <a:masterClrMapping/>
+  </p:clrMapOvr>
+</p:sld>
+</file>
+
+<file path=ppt/slides/slide6.xml><?xml version="1.0" encoding="utf-8"?>
+<p:sld xmlns:a="http://schemas.openxmlformats.org/drawingml/2006/main" xmlns:r="http://schemas.openxmlformats.org/officeDocument/2006/relationships" xmlns:p="http://schemas.openxmlformats.org/presentationml/2006/main">
+  <p:cSld>
+    <p:spTree>
+      <p:nvGrpSpPr>
+        <p:cNvPr id="1" name="Shape 150"/>
+        <p:cNvGrpSpPr/>
+        <p:nvPr/>
+      </p:nvGrpSpPr>
+      <p:grpSpPr>
+        <a:xfrm>
+          <a:off x="0" y="0"/>
+          <a:ext cx="0" cy="0"/>
+          <a:chOff x="0" y="0"/>
+          <a:chExt cx="0" cy="0"/>
+        </a:xfrm>
+      </p:grpSpPr>
+      <p:sp>
+        <p:nvSpPr>
+          <p:cNvPr id="151" name="Google Shape;151;p20"/>
+          <p:cNvSpPr txBox="1"/>
+          <p:nvPr/>
+        </p:nvSpPr>
+        <p:spPr>
+          <a:xfrm>
+            <a:off x="55075" y="52750"/>
             <a:ext cx="3760800" cy="326400"/>
           </a:xfrm>
           <a:prstGeom prst="rect">
@@ -26780,7 +28220,7 @@
       </p:sp>
       <p:sp>
         <p:nvSpPr>
-          <p:cNvPr id="142" name="Google Shape;142;p19"/>
+          <p:cNvPr id="152" name="Google Shape;152;p20"/>
           <p:cNvSpPr txBox="1"/>
           <p:nvPr/>
         </p:nvSpPr>
@@ -26907,7 +28347,7 @@
       </p:sp>
       <p:pic>
         <p:nvPicPr>
-          <p:cNvPr id="143" name="Google Shape;143;p19"/>
+          <p:cNvPr id="153" name="Google Shape;153;p20"/>
           <p:cNvPicPr preferRelativeResize="0"/>
           <p:nvPr/>
         </p:nvPicPr>
@@ -26946,7 +28386,7 @@
       </p:pic>
       <p:sp>
         <p:nvSpPr>
-          <p:cNvPr id="144" name="Google Shape;144;p19"/>
+          <p:cNvPr id="154" name="Google Shape;154;p20"/>
           <p:cNvSpPr txBox="1"/>
           <p:nvPr/>
         </p:nvSpPr>
@@ -27073,7 +28513,7 @@
       </p:sp>
       <p:pic>
         <p:nvPicPr>
-          <p:cNvPr id="145" name="Google Shape;145;p19"/>
+          <p:cNvPr id="155" name="Google Shape;155;p20"/>
           <p:cNvPicPr preferRelativeResize="0"/>
           <p:nvPr/>
         </p:nvPicPr>
@@ -27112,7 +28552,7 @@
       </p:pic>
       <p:sp>
         <p:nvSpPr>
-          <p:cNvPr id="146" name="Google Shape;146;p19"/>
+          <p:cNvPr id="156" name="Google Shape;156;p20"/>
           <p:cNvSpPr txBox="1"/>
           <p:nvPr/>
         </p:nvSpPr>
@@ -27359,7 +28799,7 @@
       </p:sp>
       <p:sp>
         <p:nvSpPr>
-          <p:cNvPr id="147" name="Google Shape;147;p19"/>
+          <p:cNvPr id="157" name="Google Shape;157;p20"/>
           <p:cNvSpPr txBox="1"/>
           <p:nvPr/>
         </p:nvSpPr>
@@ -27646,7 +29086,7 @@
       </p:sp>
       <p:pic>
         <p:nvPicPr>
-          <p:cNvPr id="148" name="Google Shape;148;p19"/>
+          <p:cNvPr id="158" name="Google Shape;158;p20"/>
           <p:cNvPicPr preferRelativeResize="0"/>
           <p:nvPr/>
         </p:nvPicPr>
@@ -27691,12 +29131,12 @@
 </p:sld>
 </file>
 
-<file path=ppt/slides/slide6.xml><?xml version="1.0" encoding="utf-8"?>
+<file path=ppt/slides/slide7.xml><?xml version="1.0" encoding="utf-8"?>
 <p:sld xmlns:a="http://schemas.openxmlformats.org/drawingml/2006/main" xmlns:r="http://schemas.openxmlformats.org/officeDocument/2006/relationships" xmlns:p="http://schemas.openxmlformats.org/presentationml/2006/main">
   <p:cSld>
     <p:spTree>
       <p:nvGrpSpPr>
-        <p:cNvPr id="1" name="Shape 152"/>
+        <p:cNvPr id="1" name="Shape 162"/>
         <p:cNvGrpSpPr/>
         <p:nvPr/>
       </p:nvGrpSpPr>
@@ -27710,7 +29150,7 @@
       </p:grpSpPr>
       <p:sp>
         <p:nvSpPr>
-          <p:cNvPr id="153" name="Google Shape;153;p20"/>
+          <p:cNvPr id="163" name="Google Shape;163;p21"/>
           <p:cNvSpPr txBox="1"/>
           <p:nvPr/>
         </p:nvSpPr>
@@ -27776,7 +29216,7 @@
       </p:sp>
       <p:sp>
         <p:nvSpPr>
-          <p:cNvPr id="154" name="Google Shape;154;p20"/>
+          <p:cNvPr id="164" name="Google Shape;164;p21"/>
           <p:cNvSpPr txBox="1"/>
           <p:nvPr/>
         </p:nvSpPr>
@@ -28036,7 +29476,7 @@
       </p:sp>
       <p:pic>
         <p:nvPicPr>
-          <p:cNvPr id="155" name="Google Shape;155;p20"/>
+          <p:cNvPr id="165" name="Google Shape;165;p21"/>
           <p:cNvPicPr preferRelativeResize="0"/>
           <p:nvPr/>
         </p:nvPicPr>
@@ -28075,7 +29515,7 @@
       </p:pic>
       <p:sp>
         <p:nvSpPr>
-          <p:cNvPr id="156" name="Google Shape;156;p20"/>
+          <p:cNvPr id="166" name="Google Shape;166;p21"/>
           <p:cNvSpPr txBox="1"/>
           <p:nvPr/>
         </p:nvSpPr>
@@ -28309,7 +29749,7 @@
       </p:sp>
       <p:pic>
         <p:nvPicPr>
-          <p:cNvPr id="157" name="Google Shape;157;p20"/>
+          <p:cNvPr id="167" name="Google Shape;167;p21"/>
           <p:cNvPicPr preferRelativeResize="0"/>
           <p:nvPr/>
         </p:nvPicPr>
@@ -28354,12 +29794,12 @@
 </p:sld>
 </file>
 
-<file path=ppt/slides/slide7.xml><?xml version="1.0" encoding="utf-8"?>
+<file path=ppt/slides/slide8.xml><?xml version="1.0" encoding="utf-8"?>
 <p:sld xmlns:a="http://schemas.openxmlformats.org/drawingml/2006/main" xmlns:r="http://schemas.openxmlformats.org/officeDocument/2006/relationships" xmlns:p="http://schemas.openxmlformats.org/presentationml/2006/main">
   <p:cSld>
     <p:spTree>
       <p:nvGrpSpPr>
-        <p:cNvPr id="1" name="Shape 161"/>
+        <p:cNvPr id="1" name="Shape 171"/>
         <p:cNvGrpSpPr/>
         <p:nvPr/>
       </p:nvGrpSpPr>
@@ -28373,7 +29813,7 @@
       </p:grpSpPr>
       <p:sp>
         <p:nvSpPr>
-          <p:cNvPr id="162" name="Google Shape;162;p21"/>
+          <p:cNvPr id="172" name="Google Shape;172;p22"/>
           <p:cNvSpPr txBox="1"/>
           <p:nvPr/>
         </p:nvSpPr>
@@ -28688,7 +30128,7 @@
       </p:sp>
       <p:pic>
         <p:nvPicPr>
-          <p:cNvPr id="163" name="Google Shape;163;p21"/>
+          <p:cNvPr id="173" name="Google Shape;173;p22"/>
           <p:cNvPicPr preferRelativeResize="0"/>
           <p:nvPr/>
         </p:nvPicPr>
@@ -28732,12 +30172,12 @@
 </p:sld>
 </file>
 
-<file path=ppt/slides/slide8.xml><?xml version="1.0" encoding="utf-8"?>
+<file path=ppt/slides/slide9.xml><?xml version="1.0" encoding="utf-8"?>
 <p:sld xmlns:a="http://schemas.openxmlformats.org/drawingml/2006/main" xmlns:r="http://schemas.openxmlformats.org/officeDocument/2006/relationships" xmlns:p="http://schemas.openxmlformats.org/presentationml/2006/main">
   <p:cSld>
     <p:spTree>
       <p:nvGrpSpPr>
-        <p:cNvPr id="1" name="Shape 167"/>
+        <p:cNvPr id="1" name="Shape 177"/>
         <p:cNvGrpSpPr/>
         <p:nvPr/>
       </p:nvGrpSpPr>
@@ -28751,7 +30191,7 @@
       </p:grpSpPr>
       <p:sp>
         <p:nvSpPr>
-          <p:cNvPr id="168" name="Google Shape;168;p22"/>
+          <p:cNvPr id="178" name="Google Shape;178;p23"/>
           <p:cNvSpPr txBox="1"/>
           <p:nvPr/>
         </p:nvSpPr>
@@ -28817,14 +30257,14 @@
       </p:sp>
       <p:sp>
         <p:nvSpPr>
-          <p:cNvPr id="169" name="Google Shape;169;p22"/>
+          <p:cNvPr id="179" name="Google Shape;179;p23"/>
           <p:cNvSpPr txBox="1"/>
           <p:nvPr/>
         </p:nvSpPr>
         <p:spPr>
           <a:xfrm>
-            <a:off x="55075" y="574400"/>
-            <a:ext cx="4453200" cy="1865400"/>
+            <a:off x="55075" y="498200"/>
+            <a:ext cx="4453200" cy="1311300"/>
           </a:xfrm>
           <a:prstGeom prst="rect">
             <a:avLst/>
@@ -28956,7 +30396,7 @@
                 <a:cs typeface="Calibri"/>
                 <a:sym typeface="Calibri"/>
               </a:rPr>
-              <a:t>Zochi autonomously completed the entire research process, from analyzing thousands of papers to designing experiments and writing the manuscript</a:t>
+              <a:t>Zochi completed the entire research process and wrote the paper</a:t>
             </a:r>
             <a:endParaRPr sz="1200">
               <a:solidFill>
@@ -29036,7 +30476,7 @@
                 <a:cs typeface="Calibri"/>
                 <a:sym typeface="Calibri"/>
               </a:rPr>
-              <a:t>It got a 4.0 meta-review score, placing it in the top 8.2% of all ACL submissions</a:t>
+              <a:t>It got a 4.0 meta-review score (top 8.2% of all ACL submissions)</a:t>
             </a:r>
             <a:endParaRPr sz="1200">
               <a:solidFill>
@@ -29157,7 +30597,7 @@
       </p:sp>
       <p:pic>
         <p:nvPicPr>
-          <p:cNvPr id="170" name="Google Shape;170;p22"/>
+          <p:cNvPr id="180" name="Google Shape;180;p23"/>
           <p:cNvPicPr preferRelativeResize="0"/>
           <p:nvPr/>
         </p:nvPicPr>
@@ -29176,27 +30616,498 @@
         </p:blipFill>
         <p:spPr>
           <a:xfrm>
-            <a:off x="4700650" y="574400"/>
+            <a:off x="4719225" y="475488"/>
             <a:ext cx="1356725" cy="1356725"/>
           </a:xfrm>
           <a:prstGeom prst="rect">
             <a:avLst/>
           </a:prstGeom>
           <a:noFill/>
-          <a:ln>
-            <a:noFill/>
+          <a:ln w="9525" cap="flat" cmpd="sng">
+            <a:solidFill>
+              <a:srgbClr val="FF0000"/>
+            </a:solidFill>
+            <a:prstDash val="solid"/>
+            <a:round/>
+            <a:headEnd type="none" w="sm" len="sm"/>
+            <a:tailEnd type="none" w="sm" len="sm"/>
           </a:ln>
         </p:spPr>
       </p:pic>
       <p:sp>
         <p:nvSpPr>
-          <p:cNvPr id="171" name="Google Shape;171;p22"/>
+          <p:cNvPr id="181" name="Google Shape;181;p23"/>
           <p:cNvSpPr txBox="1"/>
           <p:nvPr/>
         </p:nvSpPr>
         <p:spPr>
           <a:xfrm>
-            <a:off x="55075" y="2641742"/>
+            <a:off x="55075" y="1955942"/>
+            <a:ext cx="4453200" cy="880500"/>
+          </a:xfrm>
+          <a:prstGeom prst="rect">
+            <a:avLst/>
+          </a:prstGeom>
+          <a:solidFill>
+            <a:srgbClr val="FFF2CC"/>
+          </a:solidFill>
+          <a:ln w="9525" cap="flat" cmpd="sng">
+            <a:solidFill>
+              <a:srgbClr val="FF0000"/>
+            </a:solidFill>
+            <a:prstDash val="solid"/>
+            <a:round/>
+            <a:headEnd type="none" w="sm" len="sm"/>
+            <a:tailEnd type="none" w="sm" len="sm"/>
+          </a:ln>
+        </p:spPr>
+        <p:txBody>
+          <a:bodyPr spcFirstLastPara="1" wrap="square" lIns="9125" tIns="9125" rIns="9125" bIns="9125" anchor="t" anchorCtr="0">
+            <a:spAutoFit/>
+          </a:bodyPr>
+          <a:lstStyle/>
+          <a:p>
+            <a:pPr marL="171450" marR="0" lvl="0" indent="-133350" algn="l" rtl="0">
+              <a:lnSpc>
+                <a:spcPct val="100000"/>
+              </a:lnSpc>
+              <a:spcBef>
+                <a:spcPts val="0"/>
+              </a:spcBef>
+              <a:spcAft>
+                <a:spcPts val="0"/>
+              </a:spcAft>
+              <a:buClr>
+                <a:schemeClr val="dk1"/>
+              </a:buClr>
+              <a:buSzPts val="1200"/>
+              <a:buFont typeface="Calibri"/>
+              <a:buChar char="●"/>
+            </a:pPr>
+            <a:r>
+              <a:rPr lang="en" sz="1200" b="1">
+                <a:solidFill>
+                  <a:srgbClr val="FF0000"/>
+                </a:solidFill>
+                <a:latin typeface="Calibri"/>
+                <a:ea typeface="Calibri"/>
+                <a:cs typeface="Calibri"/>
+                <a:sym typeface="Calibri"/>
+              </a:rPr>
+              <a:t>Cerebras beats Nvidia at Inference Speed</a:t>
+            </a:r>
+            <a:endParaRPr sz="1200" b="1">
+              <a:solidFill>
+                <a:srgbClr val="FF0000"/>
+              </a:solidFill>
+              <a:latin typeface="Calibri"/>
+              <a:ea typeface="Calibri"/>
+              <a:cs typeface="Calibri"/>
+              <a:sym typeface="Calibri"/>
+            </a:endParaRPr>
+          </a:p>
+          <a:p>
+            <a:pPr marL="171450" marR="0" lvl="0" indent="-133350" algn="l" rtl="0">
+              <a:lnSpc>
+                <a:spcPct val="100000"/>
+              </a:lnSpc>
+              <a:spcBef>
+                <a:spcPts val="0"/>
+              </a:spcBef>
+              <a:spcAft>
+                <a:spcPts val="0"/>
+              </a:spcAft>
+              <a:buClr>
+                <a:schemeClr val="dk1"/>
+              </a:buClr>
+              <a:buSzPts val="1200"/>
+              <a:buFont typeface="Calibri"/>
+              <a:buChar char="●"/>
+            </a:pPr>
+            <a:r>
+              <a:rPr lang="en" sz="1200" b="1">
+                <a:solidFill>
+                  <a:srgbClr val="FF0000"/>
+                </a:solidFill>
+                <a:latin typeface="Calibri"/>
+                <a:ea typeface="Calibri"/>
+                <a:cs typeface="Calibri"/>
+                <a:sym typeface="Calibri"/>
+              </a:rPr>
+              <a:t>Cerebras - 2.5 Ktokens for 400B Llama 4 Maverick</a:t>
+            </a:r>
+            <a:r>
+              <a:rPr lang="en" sz="1200">
+                <a:solidFill>
+                  <a:schemeClr val="dk1"/>
+                </a:solidFill>
+                <a:latin typeface="Calibri"/>
+                <a:ea typeface="Calibri"/>
+                <a:cs typeface="Calibri"/>
+                <a:sym typeface="Calibri"/>
+              </a:rPr>
+              <a:t> </a:t>
+            </a:r>
+            <a:endParaRPr sz="1200">
+              <a:solidFill>
+                <a:schemeClr val="dk1"/>
+              </a:solidFill>
+              <a:latin typeface="Calibri"/>
+              <a:ea typeface="Calibri"/>
+              <a:cs typeface="Calibri"/>
+              <a:sym typeface="Calibri"/>
+            </a:endParaRPr>
+          </a:p>
+          <a:p>
+            <a:pPr marL="171450" marR="0" lvl="0" indent="-133350" algn="l" rtl="0">
+              <a:lnSpc>
+                <a:spcPct val="100000"/>
+              </a:lnSpc>
+              <a:spcBef>
+                <a:spcPts val="0"/>
+              </a:spcBef>
+              <a:spcAft>
+                <a:spcPts val="0"/>
+              </a:spcAft>
+              <a:buClr>
+                <a:schemeClr val="dk1"/>
+              </a:buClr>
+              <a:buSzPts val="1200"/>
+              <a:buFont typeface="Calibri"/>
+              <a:buChar char="●"/>
+            </a:pPr>
+            <a:r>
+              <a:rPr lang="en" sz="1200">
+                <a:solidFill>
+                  <a:schemeClr val="dk1"/>
+                </a:solidFill>
+                <a:latin typeface="Calibri"/>
+                <a:ea typeface="Calibri"/>
+                <a:cs typeface="Calibri"/>
+                <a:sym typeface="Calibri"/>
+              </a:rPr>
+              <a:t>Nvidia DGX B200 with 8 Blackwell GPUs - 1 Ktokens</a:t>
+            </a:r>
+            <a:endParaRPr sz="1200">
+              <a:solidFill>
+                <a:schemeClr val="dk1"/>
+              </a:solidFill>
+              <a:latin typeface="Calibri"/>
+              <a:ea typeface="Calibri"/>
+              <a:cs typeface="Calibri"/>
+              <a:sym typeface="Calibri"/>
+            </a:endParaRPr>
+          </a:p>
+          <a:p>
+            <a:pPr marL="171450" marR="0" lvl="0" indent="-133350" algn="l" rtl="0">
+              <a:lnSpc>
+                <a:spcPct val="100000"/>
+              </a:lnSpc>
+              <a:spcBef>
+                <a:spcPts val="0"/>
+              </a:spcBef>
+              <a:spcAft>
+                <a:spcPts val="0"/>
+              </a:spcAft>
+              <a:buClr>
+                <a:schemeClr val="dk1"/>
+              </a:buClr>
+              <a:buSzPts val="1200"/>
+              <a:buFont typeface="Calibri"/>
+              <a:buChar char="●"/>
+            </a:pPr>
+            <a:r>
+              <a:rPr lang="en" sz="1200">
+                <a:solidFill>
+                  <a:schemeClr val="dk1"/>
+                </a:solidFill>
+                <a:latin typeface="Calibri"/>
+                <a:ea typeface="Calibri"/>
+                <a:cs typeface="Calibri"/>
+                <a:sym typeface="Calibri"/>
+              </a:rPr>
+              <a:t>This is the world record</a:t>
+            </a:r>
+            <a:endParaRPr sz="1200">
+              <a:solidFill>
+                <a:schemeClr val="dk1"/>
+              </a:solidFill>
+              <a:latin typeface="Calibri"/>
+              <a:ea typeface="Calibri"/>
+              <a:cs typeface="Calibri"/>
+              <a:sym typeface="Calibri"/>
+            </a:endParaRPr>
+          </a:p>
+          <a:p>
+            <a:pPr marL="171450" marR="0" lvl="0" indent="-107950" algn="l" rtl="0">
+              <a:lnSpc>
+                <a:spcPct val="100000"/>
+              </a:lnSpc>
+              <a:spcBef>
+                <a:spcPts val="0"/>
+              </a:spcBef>
+              <a:spcAft>
+                <a:spcPts val="0"/>
+              </a:spcAft>
+              <a:buClr>
+                <a:schemeClr val="dk1"/>
+              </a:buClr>
+              <a:buSzPts val="800"/>
+              <a:buFont typeface="Calibri"/>
+              <a:buChar char="●"/>
+            </a:pPr>
+            <a:r>
+              <a:rPr lang="en" sz="800" u="sng">
+                <a:solidFill>
+                  <a:schemeClr val="hlink"/>
+                </a:solidFill>
+                <a:latin typeface="Calibri"/>
+                <a:ea typeface="Calibri"/>
+                <a:cs typeface="Calibri"/>
+                <a:sym typeface="Calibri"/>
+                <a:hlinkClick r:id="rId6"/>
+              </a:rPr>
+              <a:t>https://analyticsindiamag.com/ai-news-updates/we-smoked-nvidias-blackwell-says-cerebras/</a:t>
+            </a:r>
+            <a:r>
+              <a:rPr lang="en" sz="800">
+                <a:solidFill>
+                  <a:schemeClr val="dk1"/>
+                </a:solidFill>
+                <a:latin typeface="Calibri"/>
+                <a:ea typeface="Calibri"/>
+                <a:cs typeface="Calibri"/>
+                <a:sym typeface="Calibri"/>
+              </a:rPr>
+              <a:t> </a:t>
+            </a:r>
+            <a:endParaRPr sz="800">
+              <a:solidFill>
+                <a:schemeClr val="dk1"/>
+              </a:solidFill>
+              <a:latin typeface="Calibri"/>
+              <a:ea typeface="Calibri"/>
+              <a:cs typeface="Calibri"/>
+              <a:sym typeface="Calibri"/>
+            </a:endParaRPr>
+          </a:p>
+        </p:txBody>
+      </p:sp>
+      <p:pic>
+        <p:nvPicPr>
+          <p:cNvPr id="182" name="Google Shape;182;p23"/>
+          <p:cNvPicPr preferRelativeResize="0"/>
+          <p:nvPr/>
+        </p:nvPicPr>
+        <p:blipFill>
+          <a:blip r:embed="rId7" cstate="email">
+            <a:alphaModFix/>
+            <a:extLst>
+              <a:ext uri="{28A0092B-C50C-407E-A947-70E740481C1C}">
+                <a14:useLocalDpi xmlns:a14="http://schemas.microsoft.com/office/drawing/2010/main"/>
+              </a:ext>
+            </a:extLst>
+          </a:blip>
+          <a:stretch>
+            <a:fillRect/>
+          </a:stretch>
+        </p:blipFill>
+        <p:spPr>
+          <a:xfrm>
+            <a:off x="4643700" y="1955950"/>
+            <a:ext cx="1674568" cy="880500"/>
+          </a:xfrm>
+          <a:prstGeom prst="rect">
+            <a:avLst/>
+          </a:prstGeom>
+          <a:noFill/>
+          <a:ln w="9525" cap="flat" cmpd="sng">
+            <a:solidFill>
+              <a:srgbClr val="FF0000"/>
+            </a:solidFill>
+            <a:prstDash val="solid"/>
+            <a:round/>
+            <a:headEnd type="none" w="sm" len="sm"/>
+            <a:tailEnd type="none" w="sm" len="sm"/>
+          </a:ln>
+        </p:spPr>
+      </p:pic>
+      <p:sp>
+        <p:nvSpPr>
+          <p:cNvPr id="183" name="Google Shape;183;p23"/>
+          <p:cNvSpPr txBox="1"/>
+          <p:nvPr/>
+        </p:nvSpPr>
+        <p:spPr>
+          <a:xfrm>
+            <a:off x="55075" y="2929783"/>
+            <a:ext cx="4453200" cy="526500"/>
+          </a:xfrm>
+          <a:prstGeom prst="rect">
+            <a:avLst/>
+          </a:prstGeom>
+          <a:solidFill>
+            <a:srgbClr val="FFF2CC"/>
+          </a:solidFill>
+          <a:ln w="9525" cap="flat" cmpd="sng">
+            <a:solidFill>
+              <a:srgbClr val="FF0000"/>
+            </a:solidFill>
+            <a:prstDash val="solid"/>
+            <a:round/>
+            <a:headEnd type="none" w="sm" len="sm"/>
+            <a:tailEnd type="none" w="sm" len="sm"/>
+          </a:ln>
+        </p:spPr>
+        <p:txBody>
+          <a:bodyPr spcFirstLastPara="1" wrap="square" lIns="9125" tIns="9125" rIns="9125" bIns="9125" anchor="t" anchorCtr="0">
+            <a:spAutoFit/>
+          </a:bodyPr>
+          <a:lstStyle/>
+          <a:p>
+            <a:pPr marL="171450" marR="0" lvl="0" indent="-133350" algn="l" rtl="0">
+              <a:lnSpc>
+                <a:spcPct val="100000"/>
+              </a:lnSpc>
+              <a:spcBef>
+                <a:spcPts val="0"/>
+              </a:spcBef>
+              <a:spcAft>
+                <a:spcPts val="0"/>
+              </a:spcAft>
+              <a:buClr>
+                <a:srgbClr val="FF0000"/>
+              </a:buClr>
+              <a:buSzPts val="1200"/>
+              <a:buFont typeface="Calibri"/>
+              <a:buChar char="●"/>
+            </a:pPr>
+            <a:r>
+              <a:rPr lang="en" sz="1200" b="1">
+                <a:solidFill>
+                  <a:srgbClr val="FF0000"/>
+                </a:solidFill>
+                <a:latin typeface="Calibri"/>
+                <a:ea typeface="Calibri"/>
+                <a:cs typeface="Calibri"/>
+                <a:sym typeface="Calibri"/>
+              </a:rPr>
+              <a:t>Anthropic hits $3 billion in ARR</a:t>
+            </a:r>
+            <a:endParaRPr sz="1200" b="1">
+              <a:solidFill>
+                <a:srgbClr val="FF0000"/>
+              </a:solidFill>
+              <a:latin typeface="Calibri"/>
+              <a:ea typeface="Calibri"/>
+              <a:cs typeface="Calibri"/>
+              <a:sym typeface="Calibri"/>
+            </a:endParaRPr>
+          </a:p>
+          <a:p>
+            <a:pPr marL="171450" marR="0" lvl="0" indent="-133350" algn="l" rtl="0">
+              <a:lnSpc>
+                <a:spcPct val="100000"/>
+              </a:lnSpc>
+              <a:spcBef>
+                <a:spcPts val="0"/>
+              </a:spcBef>
+              <a:spcAft>
+                <a:spcPts val="0"/>
+              </a:spcAft>
+              <a:buClr>
+                <a:schemeClr val="dk1"/>
+              </a:buClr>
+              <a:buSzPts val="1200"/>
+              <a:buFont typeface="Calibri"/>
+              <a:buChar char="●"/>
+            </a:pPr>
+            <a:r>
+              <a:rPr lang="en" sz="1200">
+                <a:solidFill>
+                  <a:schemeClr val="dk1"/>
+                </a:solidFill>
+                <a:latin typeface="Calibri"/>
+                <a:ea typeface="Calibri"/>
+                <a:cs typeface="Calibri"/>
+                <a:sym typeface="Calibri"/>
+              </a:rPr>
+              <a:t>Grown from $1 billion in just 5 months</a:t>
+            </a:r>
+            <a:endParaRPr sz="900">
+              <a:solidFill>
+                <a:schemeClr val="dk1"/>
+              </a:solidFill>
+              <a:latin typeface="Calibri"/>
+              <a:ea typeface="Calibri"/>
+              <a:cs typeface="Calibri"/>
+              <a:sym typeface="Calibri"/>
+            </a:endParaRPr>
+          </a:p>
+          <a:p>
+            <a:pPr marL="171450" marR="0" lvl="0" indent="-114300" algn="l" rtl="0">
+              <a:lnSpc>
+                <a:spcPct val="100000"/>
+              </a:lnSpc>
+              <a:spcBef>
+                <a:spcPts val="0"/>
+              </a:spcBef>
+              <a:spcAft>
+                <a:spcPts val="0"/>
+              </a:spcAft>
+              <a:buClr>
+                <a:schemeClr val="dk1"/>
+              </a:buClr>
+              <a:buSzPts val="900"/>
+              <a:buFont typeface="Calibri"/>
+              <a:buChar char="●"/>
+            </a:pPr>
+            <a:r>
+              <a:rPr lang="en" sz="900" u="sng">
+                <a:solidFill>
+                  <a:schemeClr val="hlink"/>
+                </a:solidFill>
+                <a:latin typeface="Calibri"/>
+                <a:ea typeface="Calibri"/>
+                <a:cs typeface="Calibri"/>
+                <a:sym typeface="Calibri"/>
+                <a:hlinkClick r:id="rId8"/>
+              </a:rPr>
+              <a:t>https://finance.yahoo.com/news/exclusive-anthropic-hits-3-billion-200202733.html</a:t>
+            </a:r>
+            <a:r>
+              <a:rPr lang="en" sz="900">
+                <a:solidFill>
+                  <a:schemeClr val="dk1"/>
+                </a:solidFill>
+                <a:latin typeface="Calibri"/>
+                <a:ea typeface="Calibri"/>
+                <a:cs typeface="Calibri"/>
+                <a:sym typeface="Calibri"/>
+              </a:rPr>
+              <a:t> </a:t>
+            </a:r>
+            <a:endParaRPr sz="900">
+              <a:solidFill>
+                <a:schemeClr val="dk1"/>
+              </a:solidFill>
+              <a:latin typeface="Calibri"/>
+              <a:ea typeface="Calibri"/>
+              <a:cs typeface="Calibri"/>
+              <a:sym typeface="Calibri"/>
+            </a:endParaRPr>
+          </a:p>
+        </p:txBody>
+      </p:sp>
+      <p:sp>
+        <p:nvSpPr>
+          <p:cNvPr id="184" name="Google Shape;184;p23"/>
+          <p:cNvSpPr txBox="1"/>
+          <p:nvPr/>
+        </p:nvSpPr>
+        <p:spPr>
+          <a:xfrm>
+            <a:off x="55075" y="3591308"/>
             <a:ext cx="4453200" cy="695700"/>
           </a:xfrm>
           <a:prstGeom prst="rect">
@@ -29232,7 +31143,7 @@
                 <a:spcPts val="0"/>
               </a:spcAft>
               <a:buClr>
-                <a:schemeClr val="dk1"/>
+                <a:srgbClr val="FF0000"/>
               </a:buClr>
               <a:buSzPts val="1200"/>
               <a:buFont typeface="Calibri"/>
@@ -29248,23 +31159,11 @@
                 <a:cs typeface="Calibri"/>
                 <a:sym typeface="Calibri"/>
               </a:rPr>
-              <a:t>Cerebras - 2.5 Ktokens for 400B Llama 4 Maverick</a:t>
+              <a:t>AI-powered roll-ups</a:t>
             </a:r>
-            <a:r>
-              <a:rPr lang="en" sz="1200">
-                <a:solidFill>
-                  <a:schemeClr val="dk1"/>
-                </a:solidFill>
-                <a:latin typeface="Calibri"/>
-                <a:ea typeface="Calibri"/>
-                <a:cs typeface="Calibri"/>
-                <a:sym typeface="Calibri"/>
-              </a:rPr>
-              <a:t> </a:t>
-            </a:r>
-            <a:endParaRPr sz="1200">
+            <a:endParaRPr sz="1200" b="1">
               <a:solidFill>
-                <a:schemeClr val="dk1"/>
+                <a:srgbClr val="FF0000"/>
               </a:solidFill>
               <a:latin typeface="Calibri"/>
               <a:ea typeface="Calibri"/>
@@ -29284,67 +31183,27 @@
                 <a:spcPts val="0"/>
               </a:spcAft>
               <a:buClr>
-                <a:schemeClr val="dk1"/>
+                <a:srgbClr val="3C78D8"/>
               </a:buClr>
               <a:buSzPts val="1200"/>
               <a:buFont typeface="Calibri"/>
               <a:buChar char="●"/>
             </a:pPr>
             <a:r>
-              <a:rPr lang="en" sz="1200">
-                <a:solidFill>
-                  <a:schemeClr val="dk1"/>
+              <a:rPr lang="en" sz="1200" b="1">
+                <a:solidFill>
+                  <a:srgbClr val="3C78D8"/>
                 </a:solidFill>
                 <a:latin typeface="Calibri"/>
                 <a:ea typeface="Calibri"/>
                 <a:cs typeface="Calibri"/>
                 <a:sym typeface="Calibri"/>
               </a:rPr>
-              <a:t>Nvidia DGX B200 with 8 Blackwell GPUs - 1 Ktokens</a:t>
+              <a:t>Buy established companies, improve them with AI, then use the profits to buy again (similar to flipping houses)</a:t>
             </a:r>
-            <a:endParaRPr sz="1200">
+            <a:endParaRPr sz="1200" b="1">
               <a:solidFill>
-                <a:schemeClr val="dk1"/>
-              </a:solidFill>
-              <a:latin typeface="Calibri"/>
-              <a:ea typeface="Calibri"/>
-              <a:cs typeface="Calibri"/>
-              <a:sym typeface="Calibri"/>
-            </a:endParaRPr>
-          </a:p>
-          <a:p>
-            <a:pPr marL="171450" marR="0" lvl="0" indent="-133350" algn="l" rtl="0">
-              <a:lnSpc>
-                <a:spcPct val="100000"/>
-              </a:lnSpc>
-              <a:spcBef>
-                <a:spcPts val="0"/>
-              </a:spcBef>
-              <a:spcAft>
-                <a:spcPts val="0"/>
-              </a:spcAft>
-              <a:buClr>
-                <a:schemeClr val="dk1"/>
-              </a:buClr>
-              <a:buSzPts val="1200"/>
-              <a:buFont typeface="Calibri"/>
-              <a:buChar char="●"/>
-            </a:pPr>
-            <a:r>
-              <a:rPr lang="en" sz="1200">
-                <a:solidFill>
-                  <a:schemeClr val="dk1"/>
-                </a:solidFill>
-                <a:latin typeface="Calibri"/>
-                <a:ea typeface="Calibri"/>
-                <a:cs typeface="Calibri"/>
-                <a:sym typeface="Calibri"/>
-              </a:rPr>
-              <a:t>This is the world record</a:t>
-            </a:r>
-            <a:endParaRPr sz="1200">
-              <a:solidFill>
-                <a:schemeClr val="dk1"/>
+                <a:srgbClr val="3C78D8"/>
               </a:solidFill>
               <a:latin typeface="Calibri"/>
               <a:ea typeface="Calibri"/>
@@ -29379,9 +31238,9 @@
                 <a:ea typeface="Calibri"/>
                 <a:cs typeface="Calibri"/>
                 <a:sym typeface="Calibri"/>
-                <a:hlinkClick r:id="rId6"/>
+                <a:hlinkClick r:id="rId9"/>
               </a:rPr>
-              <a:t>https://analyticsindiamag.com/ai-news-updates/we-smoked-nvidias-blackwell-says-cerebras/</a:t>
+              <a:t>https://techcrunch.com/2025/06/01/early-ai-investor-elad-gil-finds-his-next-big-bet-ai-powered-rollups</a:t>
             </a:r>
             <a:r>
               <a:rPr lang="en" sz="800">
@@ -29409,12 +31268,12 @@
       </p:sp>
       <p:pic>
         <p:nvPicPr>
-          <p:cNvPr id="172" name="Google Shape;172;p22"/>
+          <p:cNvPr id="185" name="Google Shape;185;p23"/>
           <p:cNvPicPr preferRelativeResize="0"/>
           <p:nvPr/>
         </p:nvPicPr>
-        <p:blipFill>
-          <a:blip r:embed="rId7" cstate="email">
+        <p:blipFill rotWithShape="1">
+          <a:blip r:embed="rId10" cstate="email">
             <a:alphaModFix/>
             <a:extLst>
               <a:ext uri="{28A0092B-C50C-407E-A947-70E740481C1C}">
@@ -29422,938 +31281,13 @@
               </a:ext>
             </a:extLst>
           </a:blip>
-          <a:stretch>
-            <a:fillRect/>
-          </a:stretch>
+          <a:srcRect/>
+          <a:stretch/>
         </p:blipFill>
         <p:spPr>
           <a:xfrm>
-            <a:off x="4643700" y="2154950"/>
-            <a:ext cx="2777923" cy="1460650"/>
-          </a:xfrm>
-          <a:prstGeom prst="rect">
-            <a:avLst/>
-          </a:prstGeom>
-          <a:noFill/>
-          <a:ln>
-            <a:noFill/>
-          </a:ln>
-        </p:spPr>
-      </p:pic>
-      <p:sp>
-        <p:nvSpPr>
-          <p:cNvPr id="173" name="Google Shape;173;p22"/>
-          <p:cNvSpPr txBox="1"/>
-          <p:nvPr/>
-        </p:nvSpPr>
-        <p:spPr>
-          <a:xfrm>
-            <a:off x="55075" y="3539383"/>
-            <a:ext cx="4453200" cy="526500"/>
-          </a:xfrm>
-          <a:prstGeom prst="rect">
-            <a:avLst/>
-          </a:prstGeom>
-          <a:solidFill>
-            <a:srgbClr val="FFF2CC"/>
-          </a:solidFill>
-          <a:ln w="9525" cap="flat" cmpd="sng">
-            <a:solidFill>
-              <a:srgbClr val="FF0000"/>
-            </a:solidFill>
-            <a:prstDash val="solid"/>
-            <a:round/>
-            <a:headEnd type="none" w="sm" len="sm"/>
-            <a:tailEnd type="none" w="sm" len="sm"/>
-          </a:ln>
-        </p:spPr>
-        <p:txBody>
-          <a:bodyPr spcFirstLastPara="1" wrap="square" lIns="9125" tIns="9125" rIns="9125" bIns="9125" anchor="t" anchorCtr="0">
-            <a:spAutoFit/>
-          </a:bodyPr>
-          <a:lstStyle/>
-          <a:p>
-            <a:pPr marL="171450" marR="0" lvl="0" indent="-133350" algn="l" rtl="0">
-              <a:lnSpc>
-                <a:spcPct val="100000"/>
-              </a:lnSpc>
-              <a:spcBef>
-                <a:spcPts val="0"/>
-              </a:spcBef>
-              <a:spcAft>
-                <a:spcPts val="0"/>
-              </a:spcAft>
-              <a:buClr>
-                <a:srgbClr val="FF0000"/>
-              </a:buClr>
-              <a:buSzPts val="1200"/>
-              <a:buFont typeface="Calibri"/>
-              <a:buChar char="●"/>
-            </a:pPr>
-            <a:r>
-              <a:rPr lang="en" sz="1200" b="1">
-                <a:solidFill>
-                  <a:srgbClr val="FF0000"/>
-                </a:solidFill>
-                <a:latin typeface="Calibri"/>
-                <a:ea typeface="Calibri"/>
-                <a:cs typeface="Calibri"/>
-                <a:sym typeface="Calibri"/>
-              </a:rPr>
-              <a:t>Anthropic hits $3 billion in ARR</a:t>
-            </a:r>
-            <a:endParaRPr sz="1200" b="1">
-              <a:solidFill>
-                <a:srgbClr val="FF0000"/>
-              </a:solidFill>
-              <a:latin typeface="Calibri"/>
-              <a:ea typeface="Calibri"/>
-              <a:cs typeface="Calibri"/>
-              <a:sym typeface="Calibri"/>
-            </a:endParaRPr>
-          </a:p>
-          <a:p>
-            <a:pPr marL="171450" marR="0" lvl="0" indent="-133350" algn="l" rtl="0">
-              <a:lnSpc>
-                <a:spcPct val="100000"/>
-              </a:lnSpc>
-              <a:spcBef>
-                <a:spcPts val="0"/>
-              </a:spcBef>
-              <a:spcAft>
-                <a:spcPts val="0"/>
-              </a:spcAft>
-              <a:buClr>
-                <a:schemeClr val="dk1"/>
-              </a:buClr>
-              <a:buSzPts val="1200"/>
-              <a:buFont typeface="Calibri"/>
-              <a:buChar char="●"/>
-            </a:pPr>
-            <a:r>
-              <a:rPr lang="en" sz="1200">
-                <a:solidFill>
-                  <a:schemeClr val="dk1"/>
-                </a:solidFill>
-                <a:latin typeface="Calibri"/>
-                <a:ea typeface="Calibri"/>
-                <a:cs typeface="Calibri"/>
-                <a:sym typeface="Calibri"/>
-              </a:rPr>
-              <a:t>Grown from $1 billion in just 5 months</a:t>
-            </a:r>
-            <a:endParaRPr sz="900">
-              <a:solidFill>
-                <a:schemeClr val="dk1"/>
-              </a:solidFill>
-              <a:latin typeface="Calibri"/>
-              <a:ea typeface="Calibri"/>
-              <a:cs typeface="Calibri"/>
-              <a:sym typeface="Calibri"/>
-            </a:endParaRPr>
-          </a:p>
-          <a:p>
-            <a:pPr marL="171450" marR="0" lvl="0" indent="-114300" algn="l" rtl="0">
-              <a:lnSpc>
-                <a:spcPct val="100000"/>
-              </a:lnSpc>
-              <a:spcBef>
-                <a:spcPts val="0"/>
-              </a:spcBef>
-              <a:spcAft>
-                <a:spcPts val="0"/>
-              </a:spcAft>
-              <a:buClr>
-                <a:schemeClr val="dk1"/>
-              </a:buClr>
-              <a:buSzPts val="900"/>
-              <a:buFont typeface="Calibri"/>
-              <a:buChar char="●"/>
-            </a:pPr>
-            <a:r>
-              <a:rPr lang="en" sz="900" u="sng">
-                <a:solidFill>
-                  <a:schemeClr val="hlink"/>
-                </a:solidFill>
-                <a:latin typeface="Calibri"/>
-                <a:ea typeface="Calibri"/>
-                <a:cs typeface="Calibri"/>
-                <a:sym typeface="Calibri"/>
-                <a:hlinkClick r:id="rId8"/>
-              </a:rPr>
-              <a:t>https://finance.yahoo.com/news/exclusive-anthropic-hits-3-billion-200202733.html</a:t>
-            </a:r>
-            <a:r>
-              <a:rPr lang="en" sz="900">
-                <a:solidFill>
-                  <a:schemeClr val="dk1"/>
-                </a:solidFill>
-                <a:latin typeface="Calibri"/>
-                <a:ea typeface="Calibri"/>
-                <a:cs typeface="Calibri"/>
-                <a:sym typeface="Calibri"/>
-              </a:rPr>
-              <a:t> </a:t>
-            </a:r>
-            <a:endParaRPr sz="900">
-              <a:solidFill>
-                <a:schemeClr val="dk1"/>
-              </a:solidFill>
-              <a:latin typeface="Calibri"/>
-              <a:ea typeface="Calibri"/>
-              <a:cs typeface="Calibri"/>
-              <a:sym typeface="Calibri"/>
-            </a:endParaRPr>
-          </a:p>
-        </p:txBody>
-      </p:sp>
-      <p:sp>
-        <p:nvSpPr>
-          <p:cNvPr id="174" name="Google Shape;174;p22"/>
-          <p:cNvSpPr txBox="1"/>
-          <p:nvPr/>
-        </p:nvSpPr>
-        <p:spPr>
-          <a:xfrm>
-            <a:off x="55075" y="4267825"/>
-            <a:ext cx="4453200" cy="695700"/>
-          </a:xfrm>
-          <a:prstGeom prst="rect">
-            <a:avLst/>
-          </a:prstGeom>
-          <a:solidFill>
-            <a:srgbClr val="FFF2CC"/>
-          </a:solidFill>
-          <a:ln w="9525" cap="flat" cmpd="sng">
-            <a:solidFill>
-              <a:srgbClr val="FF0000"/>
-            </a:solidFill>
-            <a:prstDash val="solid"/>
-            <a:round/>
-            <a:headEnd type="none" w="sm" len="sm"/>
-            <a:tailEnd type="none" w="sm" len="sm"/>
-          </a:ln>
-        </p:spPr>
-        <p:txBody>
-          <a:bodyPr spcFirstLastPara="1" wrap="square" lIns="9125" tIns="9125" rIns="9125" bIns="9125" anchor="t" anchorCtr="0">
-            <a:spAutoFit/>
-          </a:bodyPr>
-          <a:lstStyle/>
-          <a:p>
-            <a:pPr marL="171450" marR="0" lvl="0" indent="-133350" algn="l" rtl="0">
-              <a:lnSpc>
-                <a:spcPct val="100000"/>
-              </a:lnSpc>
-              <a:spcBef>
-                <a:spcPts val="0"/>
-              </a:spcBef>
-              <a:spcAft>
-                <a:spcPts val="0"/>
-              </a:spcAft>
-              <a:buClr>
-                <a:srgbClr val="FF0000"/>
-              </a:buClr>
-              <a:buSzPts val="1200"/>
-              <a:buFont typeface="Calibri"/>
-              <a:buChar char="●"/>
-            </a:pPr>
-            <a:r>
-              <a:rPr lang="en" sz="1200" b="1">
-                <a:solidFill>
-                  <a:srgbClr val="FF0000"/>
-                </a:solidFill>
-                <a:latin typeface="Calibri"/>
-                <a:ea typeface="Calibri"/>
-                <a:cs typeface="Calibri"/>
-                <a:sym typeface="Calibri"/>
-              </a:rPr>
-              <a:t>AI-powered roll-ups</a:t>
-            </a:r>
-            <a:endParaRPr sz="1200" b="1">
-              <a:solidFill>
-                <a:srgbClr val="FF0000"/>
-              </a:solidFill>
-              <a:latin typeface="Calibri"/>
-              <a:ea typeface="Calibri"/>
-              <a:cs typeface="Calibri"/>
-              <a:sym typeface="Calibri"/>
-            </a:endParaRPr>
-          </a:p>
-          <a:p>
-            <a:pPr marL="171450" marR="0" lvl="0" indent="-133350" algn="l" rtl="0">
-              <a:lnSpc>
-                <a:spcPct val="100000"/>
-              </a:lnSpc>
-              <a:spcBef>
-                <a:spcPts val="0"/>
-              </a:spcBef>
-              <a:spcAft>
-                <a:spcPts val="0"/>
-              </a:spcAft>
-              <a:buClr>
-                <a:schemeClr val="dk1"/>
-              </a:buClr>
-              <a:buSzPts val="1200"/>
-              <a:buFont typeface="Calibri"/>
-              <a:buChar char="●"/>
-            </a:pPr>
-            <a:r>
-              <a:rPr lang="en" sz="1200">
-                <a:solidFill>
-                  <a:schemeClr val="dk1"/>
-                </a:solidFill>
-                <a:latin typeface="Calibri"/>
-                <a:ea typeface="Calibri"/>
-                <a:cs typeface="Calibri"/>
-                <a:sym typeface="Calibri"/>
-              </a:rPr>
-              <a:t>buy established companies, improve them with AI, then use the profits to buy again</a:t>
-            </a:r>
-            <a:endParaRPr sz="1200">
-              <a:solidFill>
-                <a:schemeClr val="dk1"/>
-              </a:solidFill>
-              <a:latin typeface="Calibri"/>
-              <a:ea typeface="Calibri"/>
-              <a:cs typeface="Calibri"/>
-              <a:sym typeface="Calibri"/>
-            </a:endParaRPr>
-          </a:p>
-          <a:p>
-            <a:pPr marL="171450" marR="0" lvl="0" indent="-107950" algn="l" rtl="0">
-              <a:lnSpc>
-                <a:spcPct val="100000"/>
-              </a:lnSpc>
-              <a:spcBef>
-                <a:spcPts val="0"/>
-              </a:spcBef>
-              <a:spcAft>
-                <a:spcPts val="0"/>
-              </a:spcAft>
-              <a:buClr>
-                <a:schemeClr val="dk1"/>
-              </a:buClr>
-              <a:buSzPts val="800"/>
-              <a:buFont typeface="Calibri"/>
-              <a:buChar char="●"/>
-            </a:pPr>
-            <a:r>
-              <a:rPr lang="en" sz="800" u="sng">
-                <a:solidFill>
-                  <a:schemeClr val="hlink"/>
-                </a:solidFill>
-                <a:latin typeface="Calibri"/>
-                <a:ea typeface="Calibri"/>
-                <a:cs typeface="Calibri"/>
-                <a:sym typeface="Calibri"/>
-                <a:hlinkClick r:id="rId9"/>
-              </a:rPr>
-              <a:t>https://techcrunch.com/2025/06/01/early-ai-investor-elad-gil-finds-his-next-big-bet-ai-powered-rollups</a:t>
-            </a:r>
-            <a:r>
-              <a:rPr lang="en" sz="800">
-                <a:solidFill>
-                  <a:schemeClr val="dk1"/>
-                </a:solidFill>
-                <a:latin typeface="Calibri"/>
-                <a:ea typeface="Calibri"/>
-                <a:cs typeface="Calibri"/>
-                <a:sym typeface="Calibri"/>
-              </a:rPr>
-              <a:t> </a:t>
-            </a:r>
-            <a:endParaRPr sz="800">
-              <a:solidFill>
-                <a:schemeClr val="dk1"/>
-              </a:solidFill>
-              <a:latin typeface="Calibri"/>
-              <a:ea typeface="Calibri"/>
-              <a:cs typeface="Calibri"/>
-              <a:sym typeface="Calibri"/>
-            </a:endParaRPr>
-          </a:p>
-        </p:txBody>
-      </p:sp>
-    </p:spTree>
-  </p:cSld>
-  <p:clrMapOvr>
-    <a:masterClrMapping/>
-  </p:clrMapOvr>
-</p:sld>
-</file>
-
-<file path=ppt/slides/slide9.xml><?xml version="1.0" encoding="utf-8"?>
-<p:sld xmlns:a="http://schemas.openxmlformats.org/drawingml/2006/main" xmlns:r="http://schemas.openxmlformats.org/officeDocument/2006/relationships" xmlns:p="http://schemas.openxmlformats.org/presentationml/2006/main">
-  <p:cSld>
-    <p:spTree>
-      <p:nvGrpSpPr>
-        <p:cNvPr id="1" name="Shape 178"/>
-        <p:cNvGrpSpPr/>
-        <p:nvPr/>
-      </p:nvGrpSpPr>
-      <p:grpSpPr>
-        <a:xfrm>
-          <a:off x="0" y="0"/>
-          <a:ext cx="0" cy="0"/>
-          <a:chOff x="0" y="0"/>
-          <a:chExt cx="0" cy="0"/>
-        </a:xfrm>
-      </p:grpSpPr>
-      <p:sp>
-        <p:nvSpPr>
-          <p:cNvPr id="179" name="Google Shape;179;p23"/>
-          <p:cNvSpPr txBox="1"/>
-          <p:nvPr/>
-        </p:nvSpPr>
-        <p:spPr>
-          <a:xfrm>
-            <a:off x="55075" y="52750"/>
-            <a:ext cx="1758600" cy="326400"/>
-          </a:xfrm>
-          <a:prstGeom prst="rect">
-            <a:avLst/>
-          </a:prstGeom>
-          <a:noFill/>
-          <a:ln>
-            <a:noFill/>
-          </a:ln>
-        </p:spPr>
-        <p:txBody>
-          <a:bodyPr spcFirstLastPara="1" wrap="square" lIns="9125" tIns="9125" rIns="9125" bIns="9125" anchor="t" anchorCtr="0">
-            <a:spAutoFit/>
-          </a:bodyPr>
-          <a:lstStyle/>
-          <a:p>
-            <a:pPr marL="0" marR="0" lvl="0" indent="0" algn="l" rtl="0">
-              <a:lnSpc>
-                <a:spcPct val="100000"/>
-              </a:lnSpc>
-              <a:spcBef>
-                <a:spcPts val="0"/>
-              </a:spcBef>
-              <a:spcAft>
-                <a:spcPts val="0"/>
-              </a:spcAft>
-              <a:buClr>
-                <a:schemeClr val="dk1"/>
-              </a:buClr>
-              <a:buSzPts val="1100"/>
-              <a:buFont typeface="Arial"/>
-              <a:buNone/>
-            </a:pPr>
-            <a:r>
-              <a:rPr lang="en" sz="2000" b="1">
-                <a:solidFill>
-                  <a:schemeClr val="dk1"/>
-                </a:solidFill>
-                <a:latin typeface="Calibri"/>
-                <a:ea typeface="Calibri"/>
-                <a:cs typeface="Calibri"/>
-                <a:sym typeface="Calibri"/>
-              </a:rPr>
-              <a:t>AI Updates 4</a:t>
-            </a:r>
-            <a:endParaRPr sz="2000" b="1" i="0" u="none" strike="noStrike" cap="none">
-              <a:solidFill>
-                <a:schemeClr val="dk1"/>
-              </a:solidFill>
-              <a:latin typeface="Calibri"/>
-              <a:ea typeface="Calibri"/>
-              <a:cs typeface="Calibri"/>
-              <a:sym typeface="Calibri"/>
-            </a:endParaRPr>
-          </a:p>
-        </p:txBody>
-      </p:sp>
-      <p:sp>
-        <p:nvSpPr>
-          <p:cNvPr id="180" name="Google Shape;180;p23"/>
-          <p:cNvSpPr txBox="1"/>
-          <p:nvPr/>
-        </p:nvSpPr>
-        <p:spPr>
-          <a:xfrm>
-            <a:off x="55075" y="574400"/>
-            <a:ext cx="4453200" cy="572700"/>
-          </a:xfrm>
-          <a:prstGeom prst="rect">
-            <a:avLst/>
-          </a:prstGeom>
-          <a:solidFill>
-            <a:srgbClr val="FFF2CC"/>
-          </a:solidFill>
-          <a:ln w="9525" cap="flat" cmpd="sng">
-            <a:solidFill>
-              <a:srgbClr val="FF0000"/>
-            </a:solidFill>
-            <a:prstDash val="solid"/>
-            <a:round/>
-            <a:headEnd type="none" w="sm" len="sm"/>
-            <a:tailEnd type="none" w="sm" len="sm"/>
-          </a:ln>
-        </p:spPr>
-        <p:txBody>
-          <a:bodyPr spcFirstLastPara="1" wrap="square" lIns="9125" tIns="9125" rIns="9125" bIns="9125" anchor="t" anchorCtr="0">
-            <a:spAutoFit/>
-          </a:bodyPr>
-          <a:lstStyle/>
-          <a:p>
-            <a:pPr marL="171450" marR="0" lvl="0" indent="-133350" algn="l" rtl="0">
-              <a:lnSpc>
-                <a:spcPct val="100000"/>
-              </a:lnSpc>
-              <a:spcBef>
-                <a:spcPts val="0"/>
-              </a:spcBef>
-              <a:spcAft>
-                <a:spcPts val="0"/>
-              </a:spcAft>
-              <a:buClr>
-                <a:srgbClr val="FF0000"/>
-              </a:buClr>
-              <a:buSzPts val="1200"/>
-              <a:buFont typeface="Calibri"/>
-              <a:buChar char="●"/>
-            </a:pPr>
-            <a:r>
-              <a:rPr lang="en" sz="1200" b="1">
-                <a:solidFill>
-                  <a:srgbClr val="FF0000"/>
-                </a:solidFill>
-                <a:latin typeface="Calibri"/>
-                <a:ea typeface="Calibri"/>
-                <a:cs typeface="Calibri"/>
-                <a:sym typeface="Calibri"/>
-              </a:rPr>
-              <a:t>Manus Slides</a:t>
-            </a:r>
-            <a:endParaRPr sz="1200" b="1">
-              <a:solidFill>
-                <a:srgbClr val="FF0000"/>
-              </a:solidFill>
-              <a:latin typeface="Calibri"/>
-              <a:ea typeface="Calibri"/>
-              <a:cs typeface="Calibri"/>
-              <a:sym typeface="Calibri"/>
-            </a:endParaRPr>
-          </a:p>
-          <a:p>
-            <a:pPr marL="171450" marR="0" lvl="0" indent="-133350" algn="l" rtl="0">
-              <a:lnSpc>
-                <a:spcPct val="100000"/>
-              </a:lnSpc>
-              <a:spcBef>
-                <a:spcPts val="0"/>
-              </a:spcBef>
-              <a:spcAft>
-                <a:spcPts val="0"/>
-              </a:spcAft>
-              <a:buClr>
-                <a:schemeClr val="dk1"/>
-              </a:buClr>
-              <a:buSzPts val="1200"/>
-              <a:buFont typeface="Calibri"/>
-              <a:buChar char="●"/>
-            </a:pPr>
-            <a:r>
-              <a:rPr lang="en" sz="1200">
-                <a:solidFill>
-                  <a:schemeClr val="dk1"/>
-                </a:solidFill>
-                <a:latin typeface="Calibri"/>
-                <a:ea typeface="Calibri"/>
-                <a:cs typeface="Calibri"/>
-                <a:sym typeface="Calibri"/>
-              </a:rPr>
-              <a:t>Manus creates structured presentations (slide decks) from prompts</a:t>
-            </a:r>
-            <a:endParaRPr sz="1200">
-              <a:solidFill>
-                <a:schemeClr val="dk1"/>
-              </a:solidFill>
-              <a:latin typeface="Calibri"/>
-              <a:ea typeface="Calibri"/>
-              <a:cs typeface="Calibri"/>
-              <a:sym typeface="Calibri"/>
-            </a:endParaRPr>
-          </a:p>
-          <a:p>
-            <a:pPr marL="171450" marR="0" lvl="0" indent="-133350" algn="l" rtl="0">
-              <a:lnSpc>
-                <a:spcPct val="100000"/>
-              </a:lnSpc>
-              <a:spcBef>
-                <a:spcPts val="0"/>
-              </a:spcBef>
-              <a:spcAft>
-                <a:spcPts val="0"/>
-              </a:spcAft>
-              <a:buClr>
-                <a:schemeClr val="dk1"/>
-              </a:buClr>
-              <a:buSzPts val="1200"/>
-              <a:buFont typeface="Calibri"/>
-              <a:buChar char="●"/>
-            </a:pPr>
-            <a:r>
-              <a:rPr lang="en" sz="1200" u="sng">
-                <a:solidFill>
-                  <a:schemeClr val="hlink"/>
-                </a:solidFill>
-                <a:latin typeface="Calibri"/>
-                <a:ea typeface="Calibri"/>
-                <a:cs typeface="Calibri"/>
-                <a:sym typeface="Calibri"/>
-                <a:hlinkClick r:id="rId3"/>
-              </a:rPr>
-              <a:t>https://x.com/ManusAI_HQ/status/1928105652444094568</a:t>
-            </a:r>
-            <a:r>
-              <a:rPr lang="en" sz="1200">
-                <a:solidFill>
-                  <a:schemeClr val="dk1"/>
-                </a:solidFill>
-                <a:latin typeface="Calibri"/>
-                <a:ea typeface="Calibri"/>
-                <a:cs typeface="Calibri"/>
-                <a:sym typeface="Calibri"/>
-              </a:rPr>
-              <a:t> </a:t>
-            </a:r>
-            <a:endParaRPr sz="1200">
-              <a:solidFill>
-                <a:schemeClr val="dk1"/>
-              </a:solidFill>
-              <a:latin typeface="Calibri"/>
-              <a:ea typeface="Calibri"/>
-              <a:cs typeface="Calibri"/>
-              <a:sym typeface="Calibri"/>
-            </a:endParaRPr>
-          </a:p>
-        </p:txBody>
-      </p:sp>
-      <p:sp>
-        <p:nvSpPr>
-          <p:cNvPr id="181" name="Google Shape;181;p23"/>
-          <p:cNvSpPr txBox="1"/>
-          <p:nvPr/>
-        </p:nvSpPr>
-        <p:spPr>
-          <a:xfrm>
-            <a:off x="55075" y="1342350"/>
-            <a:ext cx="4453200" cy="1680900"/>
-          </a:xfrm>
-          <a:prstGeom prst="rect">
-            <a:avLst/>
-          </a:prstGeom>
-          <a:solidFill>
-            <a:srgbClr val="FFF2CC"/>
-          </a:solidFill>
-          <a:ln w="9525" cap="flat" cmpd="sng">
-            <a:solidFill>
-              <a:srgbClr val="FF0000"/>
-            </a:solidFill>
-            <a:prstDash val="solid"/>
-            <a:round/>
-            <a:headEnd type="none" w="sm" len="sm"/>
-            <a:tailEnd type="none" w="sm" len="sm"/>
-          </a:ln>
-        </p:spPr>
-        <p:txBody>
-          <a:bodyPr spcFirstLastPara="1" wrap="square" lIns="9125" tIns="9125" rIns="9125" bIns="9125" anchor="t" anchorCtr="0">
-            <a:spAutoFit/>
-          </a:bodyPr>
-          <a:lstStyle/>
-          <a:p>
-            <a:pPr marL="171450" marR="0" lvl="0" indent="-133350" algn="l" rtl="0">
-              <a:lnSpc>
-                <a:spcPct val="100000"/>
-              </a:lnSpc>
-              <a:spcBef>
-                <a:spcPts val="0"/>
-              </a:spcBef>
-              <a:spcAft>
-                <a:spcPts val="0"/>
-              </a:spcAft>
-              <a:buClr>
-                <a:srgbClr val="FF0000"/>
-              </a:buClr>
-              <a:buSzPts val="1200"/>
-              <a:buFont typeface="Calibri"/>
-              <a:buChar char="●"/>
-            </a:pPr>
-            <a:r>
-              <a:rPr lang="en" sz="1200" b="1">
-                <a:solidFill>
-                  <a:srgbClr val="FF0000"/>
-                </a:solidFill>
-                <a:latin typeface="Calibri"/>
-                <a:ea typeface="Calibri"/>
-                <a:cs typeface="Calibri"/>
-                <a:sym typeface="Calibri"/>
-              </a:rPr>
-              <a:t>H Company</a:t>
-            </a:r>
-            <a:endParaRPr sz="1200" b="1">
-              <a:solidFill>
-                <a:srgbClr val="FF0000"/>
-              </a:solidFill>
-              <a:latin typeface="Calibri"/>
-              <a:ea typeface="Calibri"/>
-              <a:cs typeface="Calibri"/>
-              <a:sym typeface="Calibri"/>
-            </a:endParaRPr>
-          </a:p>
-          <a:p>
-            <a:pPr marL="171450" marR="0" lvl="0" indent="-133350" algn="l" rtl="0">
-              <a:lnSpc>
-                <a:spcPct val="100000"/>
-              </a:lnSpc>
-              <a:spcBef>
-                <a:spcPts val="0"/>
-              </a:spcBef>
-              <a:spcAft>
-                <a:spcPts val="0"/>
-              </a:spcAft>
-              <a:buClr>
-                <a:schemeClr val="dk1"/>
-              </a:buClr>
-              <a:buSzPts val="1200"/>
-              <a:buFont typeface="Calibri"/>
-              <a:buChar char="●"/>
-            </a:pPr>
-            <a:r>
-              <a:rPr lang="en" sz="1200">
-                <a:solidFill>
-                  <a:schemeClr val="dk1"/>
-                </a:solidFill>
-                <a:latin typeface="Calibri"/>
-                <a:ea typeface="Calibri"/>
-                <a:cs typeface="Calibri"/>
-                <a:sym typeface="Calibri"/>
-              </a:rPr>
-              <a:t>H Company was founded in late 2023 in Paris, also in London</a:t>
-            </a:r>
-            <a:endParaRPr sz="1200">
-              <a:solidFill>
-                <a:schemeClr val="dk1"/>
-              </a:solidFill>
-              <a:latin typeface="Calibri"/>
-              <a:ea typeface="Calibri"/>
-              <a:cs typeface="Calibri"/>
-              <a:sym typeface="Calibri"/>
-            </a:endParaRPr>
-          </a:p>
-          <a:p>
-            <a:pPr marL="171450" marR="0" lvl="0" indent="-133350" algn="l" rtl="0">
-              <a:lnSpc>
-                <a:spcPct val="100000"/>
-              </a:lnSpc>
-              <a:spcBef>
-                <a:spcPts val="0"/>
-              </a:spcBef>
-              <a:spcAft>
-                <a:spcPts val="0"/>
-              </a:spcAft>
-              <a:buClr>
-                <a:schemeClr val="dk1"/>
-              </a:buClr>
-              <a:buSzPts val="1200"/>
-              <a:buFont typeface="Calibri"/>
-              <a:buChar char="●"/>
-            </a:pPr>
-            <a:r>
-              <a:rPr lang="en" sz="1200">
-                <a:solidFill>
-                  <a:schemeClr val="dk1"/>
-                </a:solidFill>
-                <a:latin typeface="Calibri"/>
-                <a:ea typeface="Calibri"/>
-                <a:cs typeface="Calibri"/>
-                <a:sym typeface="Calibri"/>
-              </a:rPr>
-              <a:t>Founders - former DeepMind scientists and a Stanford researcher</a:t>
-            </a:r>
-            <a:endParaRPr sz="1200">
-              <a:solidFill>
-                <a:schemeClr val="dk1"/>
-              </a:solidFill>
-              <a:latin typeface="Calibri"/>
-              <a:ea typeface="Calibri"/>
-              <a:cs typeface="Calibri"/>
-              <a:sym typeface="Calibri"/>
-            </a:endParaRPr>
-          </a:p>
-          <a:p>
-            <a:pPr marL="171450" marR="0" lvl="0" indent="-133350" algn="l" rtl="0">
-              <a:lnSpc>
-                <a:spcPct val="100000"/>
-              </a:lnSpc>
-              <a:spcBef>
-                <a:spcPts val="0"/>
-              </a:spcBef>
-              <a:spcAft>
-                <a:spcPts val="0"/>
-              </a:spcAft>
-              <a:buClr>
-                <a:schemeClr val="dk1"/>
-              </a:buClr>
-              <a:buSzPts val="1200"/>
-              <a:buFont typeface="Calibri"/>
-              <a:buChar char="●"/>
-            </a:pPr>
-            <a:r>
-              <a:rPr lang="en" sz="1200">
-                <a:solidFill>
-                  <a:schemeClr val="dk1"/>
-                </a:solidFill>
-                <a:latin typeface="Calibri"/>
-                <a:ea typeface="Calibri"/>
-                <a:cs typeface="Calibri"/>
-                <a:sym typeface="Calibri"/>
-              </a:rPr>
-              <a:t>Advanced "multi-agent" solutions to automate complex digital workflows; plan, execute tasks, and solve problems autonomously</a:t>
-            </a:r>
-            <a:endParaRPr sz="1200">
-              <a:solidFill>
-                <a:schemeClr val="dk1"/>
-              </a:solidFill>
-              <a:latin typeface="Calibri"/>
-              <a:ea typeface="Calibri"/>
-              <a:cs typeface="Calibri"/>
-              <a:sym typeface="Calibri"/>
-            </a:endParaRPr>
-          </a:p>
-          <a:p>
-            <a:pPr marL="171450" marR="0" lvl="0" indent="-133350" algn="l" rtl="0">
-              <a:lnSpc>
-                <a:spcPct val="100000"/>
-              </a:lnSpc>
-              <a:spcBef>
-                <a:spcPts val="0"/>
-              </a:spcBef>
-              <a:spcAft>
-                <a:spcPts val="0"/>
-              </a:spcAft>
-              <a:buClr>
-                <a:schemeClr val="dk1"/>
-              </a:buClr>
-              <a:buSzPts val="1200"/>
-              <a:buFont typeface="Calibri"/>
-              <a:buChar char="●"/>
-            </a:pPr>
-            <a:r>
-              <a:rPr lang="en" sz="1200" b="1">
-                <a:solidFill>
-                  <a:srgbClr val="FF0000"/>
-                </a:solidFill>
-                <a:latin typeface="Calibri"/>
-                <a:ea typeface="Calibri"/>
-                <a:cs typeface="Calibri"/>
-                <a:sym typeface="Calibri"/>
-              </a:rPr>
-              <a:t>Runner H and Surfer H</a:t>
-            </a:r>
-            <a:r>
-              <a:rPr lang="en" sz="1200">
-                <a:solidFill>
-                  <a:schemeClr val="dk1"/>
-                </a:solidFill>
-                <a:latin typeface="Calibri"/>
-                <a:ea typeface="Calibri"/>
-                <a:cs typeface="Calibri"/>
-                <a:sym typeface="Calibri"/>
-              </a:rPr>
-              <a:t> - business process automation, quality assurance, robotic process automation, and web-based task execution</a:t>
-            </a:r>
-            <a:endParaRPr sz="1200">
-              <a:solidFill>
-                <a:schemeClr val="dk1"/>
-              </a:solidFill>
-              <a:latin typeface="Calibri"/>
-              <a:ea typeface="Calibri"/>
-              <a:cs typeface="Calibri"/>
-              <a:sym typeface="Calibri"/>
-            </a:endParaRPr>
-          </a:p>
-          <a:p>
-            <a:pPr marL="171450" marR="0" lvl="0" indent="-133350" algn="l" rtl="0">
-              <a:lnSpc>
-                <a:spcPct val="100000"/>
-              </a:lnSpc>
-              <a:spcBef>
-                <a:spcPts val="0"/>
-              </a:spcBef>
-              <a:spcAft>
-                <a:spcPts val="0"/>
-              </a:spcAft>
-              <a:buClr>
-                <a:schemeClr val="dk1"/>
-              </a:buClr>
-              <a:buSzPts val="1200"/>
-              <a:buFont typeface="Calibri"/>
-              <a:buChar char="●"/>
-            </a:pPr>
-            <a:r>
-              <a:rPr lang="en" sz="1200" u="sng">
-                <a:solidFill>
-                  <a:schemeClr val="hlink"/>
-                </a:solidFill>
-                <a:latin typeface="Calibri"/>
-                <a:ea typeface="Calibri"/>
-                <a:cs typeface="Calibri"/>
-                <a:sym typeface="Calibri"/>
-                <a:hlinkClick r:id="rId4"/>
-              </a:rPr>
-              <a:t>https://www.hcompany.ai</a:t>
-            </a:r>
-            <a:r>
-              <a:rPr lang="en" sz="1200">
-                <a:solidFill>
-                  <a:schemeClr val="dk1"/>
-                </a:solidFill>
-                <a:latin typeface="Calibri"/>
-                <a:ea typeface="Calibri"/>
-                <a:cs typeface="Calibri"/>
-                <a:sym typeface="Calibri"/>
-              </a:rPr>
-              <a:t> </a:t>
-            </a:r>
-            <a:endParaRPr sz="1200">
-              <a:solidFill>
-                <a:schemeClr val="dk1"/>
-              </a:solidFill>
-              <a:latin typeface="Calibri"/>
-              <a:ea typeface="Calibri"/>
-              <a:cs typeface="Calibri"/>
-              <a:sym typeface="Calibri"/>
-            </a:endParaRPr>
-          </a:p>
-        </p:txBody>
-      </p:sp>
-      <p:pic>
-        <p:nvPicPr>
-          <p:cNvPr id="182" name="Google Shape;182;p23"/>
-          <p:cNvPicPr preferRelativeResize="0"/>
-          <p:nvPr/>
-        </p:nvPicPr>
-        <p:blipFill>
-          <a:blip r:embed="rId5" cstate="email">
-            <a:alphaModFix/>
-            <a:extLst>
-              <a:ext uri="{28A0092B-C50C-407E-A947-70E740481C1C}">
-                <a14:useLocalDpi xmlns:a14="http://schemas.microsoft.com/office/drawing/2010/main"/>
-              </a:ext>
-            </a:extLst>
-          </a:blip>
-          <a:stretch>
-            <a:fillRect/>
-          </a:stretch>
-        </p:blipFill>
-        <p:spPr>
-          <a:xfrm>
-            <a:off x="4702875" y="1342350"/>
-            <a:ext cx="2956583" cy="1680900"/>
+            <a:off x="4643700" y="2891325"/>
+            <a:ext cx="1250626" cy="603400"/>
           </a:xfrm>
           <a:prstGeom prst="rect">
             <a:avLst/>
@@ -30370,154 +31304,6 @@
           </a:ln>
         </p:spPr>
       </p:pic>
-      <p:sp>
-        <p:nvSpPr>
-          <p:cNvPr id="183" name="Google Shape;183;p23"/>
-          <p:cNvSpPr txBox="1"/>
-          <p:nvPr/>
-        </p:nvSpPr>
-        <p:spPr>
-          <a:xfrm>
-            <a:off x="55075" y="3218500"/>
-            <a:ext cx="4453200" cy="572700"/>
-          </a:xfrm>
-          <a:prstGeom prst="rect">
-            <a:avLst/>
-          </a:prstGeom>
-          <a:solidFill>
-            <a:srgbClr val="FFF2CC"/>
-          </a:solidFill>
-          <a:ln w="9525" cap="flat" cmpd="sng">
-            <a:solidFill>
-              <a:srgbClr val="FF0000"/>
-            </a:solidFill>
-            <a:prstDash val="solid"/>
-            <a:round/>
-            <a:headEnd type="none" w="sm" len="sm"/>
-            <a:tailEnd type="none" w="sm" len="sm"/>
-          </a:ln>
-        </p:spPr>
-        <p:txBody>
-          <a:bodyPr spcFirstLastPara="1" wrap="square" lIns="9125" tIns="9125" rIns="9125" bIns="9125" anchor="t" anchorCtr="0">
-            <a:spAutoFit/>
-          </a:bodyPr>
-          <a:lstStyle/>
-          <a:p>
-            <a:pPr marL="171450" marR="0" lvl="0" indent="-133350" algn="l" rtl="0">
-              <a:lnSpc>
-                <a:spcPct val="100000"/>
-              </a:lnSpc>
-              <a:spcBef>
-                <a:spcPts val="0"/>
-              </a:spcBef>
-              <a:spcAft>
-                <a:spcPts val="0"/>
-              </a:spcAft>
-              <a:buClr>
-                <a:schemeClr val="dk1"/>
-              </a:buClr>
-              <a:buSzPts val="1200"/>
-              <a:buFont typeface="Calibri"/>
-              <a:buChar char="●"/>
-            </a:pPr>
-            <a:r>
-              <a:rPr lang="en" sz="1200">
-                <a:solidFill>
-                  <a:schemeClr val="dk1"/>
-                </a:solidFill>
-                <a:latin typeface="Calibri"/>
-                <a:ea typeface="Calibri"/>
-                <a:cs typeface="Calibri"/>
-                <a:sym typeface="Calibri"/>
-              </a:rPr>
-              <a:t>California introduced several significant AI and employment law bills (e.g., “No Robo Bosses Act,” Automated Decisions Safety Act, and workplace surveillance limits)</a:t>
-            </a:r>
-            <a:endParaRPr sz="1200">
-              <a:solidFill>
-                <a:schemeClr val="dk1"/>
-              </a:solidFill>
-              <a:latin typeface="Calibri"/>
-              <a:ea typeface="Calibri"/>
-              <a:cs typeface="Calibri"/>
-              <a:sym typeface="Calibri"/>
-            </a:endParaRPr>
-          </a:p>
-        </p:txBody>
-      </p:sp>
-      <p:sp>
-        <p:nvSpPr>
-          <p:cNvPr id="184" name="Google Shape;184;p23"/>
-          <p:cNvSpPr txBox="1"/>
-          <p:nvPr/>
-        </p:nvSpPr>
-        <p:spPr>
-          <a:xfrm>
-            <a:off x="55075" y="3928575"/>
-            <a:ext cx="4453200" cy="387900"/>
-          </a:xfrm>
-          <a:prstGeom prst="rect">
-            <a:avLst/>
-          </a:prstGeom>
-          <a:solidFill>
-            <a:srgbClr val="FFF2CC"/>
-          </a:solidFill>
-          <a:ln w="9525" cap="flat" cmpd="sng">
-            <a:solidFill>
-              <a:srgbClr val="FF0000"/>
-            </a:solidFill>
-            <a:prstDash val="solid"/>
-            <a:round/>
-            <a:headEnd type="none" w="sm" len="sm"/>
-            <a:tailEnd type="none" w="sm" len="sm"/>
-          </a:ln>
-        </p:spPr>
-        <p:txBody>
-          <a:bodyPr spcFirstLastPara="1" wrap="square" lIns="9125" tIns="9125" rIns="9125" bIns="9125" anchor="t" anchorCtr="0">
-            <a:spAutoFit/>
-          </a:bodyPr>
-          <a:lstStyle/>
-          <a:p>
-            <a:pPr marL="171450" marR="0" lvl="0" indent="-133350" algn="l" rtl="0">
-              <a:lnSpc>
-                <a:spcPct val="100000"/>
-              </a:lnSpc>
-              <a:spcBef>
-                <a:spcPts val="0"/>
-              </a:spcBef>
-              <a:spcAft>
-                <a:spcPts val="0"/>
-              </a:spcAft>
-              <a:buClr>
-                <a:schemeClr val="dk1"/>
-              </a:buClr>
-              <a:buSzPts val="1200"/>
-              <a:buFont typeface="Calibri"/>
-              <a:buChar char="●"/>
-            </a:pPr>
-            <a:r>
-              <a:rPr lang="en" sz="1200">
-                <a:solidFill>
-                  <a:schemeClr val="dk1"/>
-                </a:solidFill>
-                <a:latin typeface="Calibri"/>
-                <a:ea typeface="Calibri"/>
-                <a:cs typeface="Calibri"/>
-                <a:sym typeface="Calibri"/>
-              </a:rPr>
-              <a:t>Klarna is hiring back human customer support after going "all-in" on AI, as customers prefer talking to humans</a:t>
-            </a:r>
-            <a:endParaRPr sz="1200">
-              <a:solidFill>
-                <a:schemeClr val="dk1"/>
-              </a:solidFill>
-              <a:latin typeface="Calibri"/>
-              <a:ea typeface="Calibri"/>
-              <a:cs typeface="Calibri"/>
-              <a:sym typeface="Calibri"/>
-            </a:endParaRPr>
-          </a:p>
-        </p:txBody>
-      </p:sp>
     </p:spTree>
   </p:cSld>
   <p:clrMapOvr>

--- a/2025/2025-06-06-AI-Updates.pptx
+++ b/2025/2025-06-06-AI-Updates.pptx
@@ -1948,7 +1948,7 @@
   <p:cSld>
     <p:spTree>
       <p:nvGrpSpPr>
-        <p:cNvPr id="1" name="Shape 261"/>
+        <p:cNvPr id="1" name="Shape 263"/>
         <p:cNvGrpSpPr/>
         <p:nvPr/>
       </p:nvGrpSpPr>
@@ -1962,7 +1962,7 @@
       </p:grpSpPr>
       <p:sp>
         <p:nvSpPr>
-          <p:cNvPr id="262" name="Google Shape;262;g36182ac4dc4_0_0:notes"/>
+          <p:cNvPr id="264" name="Google Shape;264;g36182ac4dc4_0_0:notes"/>
           <p:cNvSpPr>
             <a:spLocks noGrp="1" noRot="1" noChangeAspect="1"/>
           </p:cNvSpPr>
@@ -2013,7 +2013,7 @@
       </p:sp>
       <p:sp>
         <p:nvSpPr>
-          <p:cNvPr id="263" name="Google Shape;263;g36182ac4dc4_0_0:notes"/>
+          <p:cNvPr id="265" name="Google Shape;265;g36182ac4dc4_0_0:notes"/>
           <p:cNvSpPr txBox="1">
             <a:spLocks noGrp="1"/>
           </p:cNvSpPr>
@@ -2070,7 +2070,7 @@
   <p:cSld>
     <p:spTree>
       <p:nvGrpSpPr>
-        <p:cNvPr id="1" name="Shape 269"/>
+        <p:cNvPr id="1" name="Shape 272"/>
         <p:cNvGrpSpPr/>
         <p:nvPr/>
       </p:nvGrpSpPr>
@@ -2084,7 +2084,7 @@
       </p:grpSpPr>
       <p:sp>
         <p:nvSpPr>
-          <p:cNvPr id="270" name="Google Shape;270;g35f406ef591_0_64:notes"/>
+          <p:cNvPr id="273" name="Google Shape;273;g35f406ef591_0_64:notes"/>
           <p:cNvSpPr>
             <a:spLocks noGrp="1" noRot="1" noChangeAspect="1"/>
           </p:cNvSpPr>
@@ -2135,7 +2135,7 @@
       </p:sp>
       <p:sp>
         <p:nvSpPr>
-          <p:cNvPr id="271" name="Google Shape;271;g35f406ef591_0_64:notes"/>
+          <p:cNvPr id="274" name="Google Shape;274;g35f406ef591_0_64:notes"/>
           <p:cNvSpPr txBox="1">
             <a:spLocks noGrp="1"/>
           </p:cNvSpPr>
@@ -2314,7 +2314,7 @@
   <p:cSld>
     <p:spTree>
       <p:nvGrpSpPr>
-        <p:cNvPr id="1" name="Shape 282"/>
+        <p:cNvPr id="1" name="Shape 285"/>
         <p:cNvGrpSpPr/>
         <p:nvPr/>
       </p:nvGrpSpPr>
@@ -2328,7 +2328,7 @@
       </p:grpSpPr>
       <p:sp>
         <p:nvSpPr>
-          <p:cNvPr id="283" name="Google Shape;283;g3616dd3eed4_2_0:notes"/>
+          <p:cNvPr id="286" name="Google Shape;286;g3616dd3eed4_2_0:notes"/>
           <p:cNvSpPr>
             <a:spLocks noGrp="1" noRot="1" noChangeAspect="1"/>
           </p:cNvSpPr>
@@ -2379,7 +2379,7 @@
       </p:sp>
       <p:sp>
         <p:nvSpPr>
-          <p:cNvPr id="284" name="Google Shape;284;g3616dd3eed4_2_0:notes"/>
+          <p:cNvPr id="287" name="Google Shape;287;g3616dd3eed4_2_0:notes"/>
           <p:cNvSpPr txBox="1">
             <a:spLocks noGrp="1"/>
           </p:cNvSpPr>
@@ -2436,7 +2436,7 @@
   <p:cSld>
     <p:spTree>
       <p:nvGrpSpPr>
-        <p:cNvPr id="1" name="Shape 290"/>
+        <p:cNvPr id="1" name="Shape 293"/>
         <p:cNvGrpSpPr/>
         <p:nvPr/>
       </p:nvGrpSpPr>
@@ -2450,7 +2450,7 @@
       </p:grpSpPr>
       <p:sp>
         <p:nvSpPr>
-          <p:cNvPr id="291" name="Google Shape;291;p23:notes"/>
+          <p:cNvPr id="294" name="Google Shape;294;p23:notes"/>
           <p:cNvSpPr>
             <a:spLocks noGrp="1" noRot="1" noChangeAspect="1"/>
           </p:cNvSpPr>
@@ -2501,7 +2501,7 @@
       </p:sp>
       <p:sp>
         <p:nvSpPr>
-          <p:cNvPr id="292" name="Google Shape;292;p23:notes"/>
+          <p:cNvPr id="295" name="Google Shape;295;p23:notes"/>
           <p:cNvSpPr txBox="1">
             <a:spLocks noGrp="1"/>
           </p:cNvSpPr>
@@ -2558,7 +2558,7 @@
   <p:cSld>
     <p:spTree>
       <p:nvGrpSpPr>
-        <p:cNvPr id="1" name="Shape 300"/>
+        <p:cNvPr id="1" name="Shape 303"/>
         <p:cNvGrpSpPr/>
         <p:nvPr/>
       </p:nvGrpSpPr>
@@ -2572,7 +2572,7 @@
       </p:grpSpPr>
       <p:sp>
         <p:nvSpPr>
-          <p:cNvPr id="301" name="Google Shape;301;p24:notes"/>
+          <p:cNvPr id="304" name="Google Shape;304;p24:notes"/>
           <p:cNvSpPr>
             <a:spLocks noGrp="1" noRot="1" noChangeAspect="1"/>
           </p:cNvSpPr>
@@ -2623,7 +2623,7 @@
       </p:sp>
       <p:sp>
         <p:nvSpPr>
-          <p:cNvPr id="302" name="Google Shape;302;p24:notes"/>
+          <p:cNvPr id="305" name="Google Shape;305;p24:notes"/>
           <p:cNvSpPr txBox="1">
             <a:spLocks noGrp="1"/>
           </p:cNvSpPr>
@@ -2680,7 +2680,7 @@
   <p:cSld>
     <p:spTree>
       <p:nvGrpSpPr>
-        <p:cNvPr id="1" name="Shape 310"/>
+        <p:cNvPr id="1" name="Shape 313"/>
         <p:cNvGrpSpPr/>
         <p:nvPr/>
       </p:nvGrpSpPr>
@@ -2694,7 +2694,7 @@
       </p:grpSpPr>
       <p:sp>
         <p:nvSpPr>
-          <p:cNvPr id="311" name="Google Shape;311;p25:notes"/>
+          <p:cNvPr id="314" name="Google Shape;314;p25:notes"/>
           <p:cNvSpPr>
             <a:spLocks noGrp="1" noRot="1" noChangeAspect="1"/>
           </p:cNvSpPr>
@@ -2745,7 +2745,7 @@
       </p:sp>
       <p:sp>
         <p:nvSpPr>
-          <p:cNvPr id="312" name="Google Shape;312;p25:notes"/>
+          <p:cNvPr id="315" name="Google Shape;315;p25:notes"/>
           <p:cNvSpPr txBox="1">
             <a:spLocks noGrp="1"/>
           </p:cNvSpPr>
@@ -14560,7 +14560,7 @@
                 <a:cs typeface="Calibri"/>
                 <a:sym typeface="Calibri"/>
               </a:rPr>
-              <a:t>Coding with AI</a:t>
+              <a:t>Coding with AI - Rules and PRDs</a:t>
             </a:r>
             <a:endParaRPr sz="1500" b="1">
               <a:solidFill>
@@ -20161,7 +20161,7 @@
         </p:nvSpPr>
         <p:spPr>
           <a:xfrm>
-            <a:off x="55075" y="52750"/>
+            <a:off x="55075" y="-23450"/>
             <a:ext cx="3760800" cy="326400"/>
           </a:xfrm>
           <a:prstGeom prst="rect">
@@ -20205,7 +20205,7 @@
                 <a:cs typeface="Calibri"/>
                 <a:sym typeface="Calibri"/>
               </a:rPr>
-              <a:t>Coding with AI</a:t>
+              <a:t>Coding with AI - Rules and PRDs</a:t>
             </a:r>
             <a:endParaRPr sz="2000" b="1" i="0" u="none" strike="noStrike" cap="none">
               <a:solidFill>
@@ -20227,8 +20227,8 @@
         </p:nvSpPr>
         <p:spPr>
           <a:xfrm>
-            <a:off x="55075" y="844650"/>
-            <a:ext cx="4453200" cy="572700"/>
+            <a:off x="55075" y="311250"/>
+            <a:ext cx="4493100" cy="4451400"/>
           </a:xfrm>
           <a:prstGeom prst="rect">
             <a:avLst/>
@@ -20263,7 +20263,7 @@
                 <a:spcPts val="0"/>
               </a:spcAft>
               <a:buClr>
-                <a:srgbClr val="FF0000"/>
+                <a:schemeClr val="dk1"/>
               </a:buClr>
               <a:buSzPts val="1200"/>
               <a:buFont typeface="Calibri"/>
@@ -20279,36 +20279,8 @@
                 <a:cs typeface="Calibri"/>
                 <a:sym typeface="Calibri"/>
               </a:rPr>
-              <a:t>Cursor</a:t>
+              <a:t>Cursor MDC rules files</a:t>
             </a:r>
-            <a:endParaRPr sz="1200" b="1">
-              <a:solidFill>
-                <a:srgbClr val="FF0000"/>
-              </a:solidFill>
-              <a:latin typeface="Calibri"/>
-              <a:ea typeface="Calibri"/>
-              <a:cs typeface="Calibri"/>
-              <a:sym typeface="Calibri"/>
-            </a:endParaRPr>
-          </a:p>
-          <a:p>
-            <a:pPr marL="171450" marR="0" lvl="0" indent="-133350" algn="l" rtl="0">
-              <a:lnSpc>
-                <a:spcPct val="100000"/>
-              </a:lnSpc>
-              <a:spcBef>
-                <a:spcPts val="0"/>
-              </a:spcBef>
-              <a:spcAft>
-                <a:spcPts val="0"/>
-              </a:spcAft>
-              <a:buClr>
-                <a:schemeClr val="dk1"/>
-              </a:buClr>
-              <a:buSzPts val="1200"/>
-              <a:buFont typeface="Calibri"/>
-              <a:buChar char="●"/>
-            </a:pPr>
             <a:r>
               <a:rPr lang="en" sz="1200">
                 <a:solidFill>
@@ -20319,7 +20291,31 @@
                 <a:cs typeface="Calibri"/>
                 <a:sym typeface="Calibri"/>
               </a:rPr>
-              <a:t>keep rules files and docs md files with code</a:t>
+              <a:t> - in </a:t>
+            </a:r>
+            <a:r>
+              <a:rPr lang="en" sz="1200" b="1">
+                <a:solidFill>
+                  <a:srgbClr val="3C78D8"/>
+                </a:solidFill>
+                <a:latin typeface="Calibri"/>
+                <a:ea typeface="Calibri"/>
+                <a:cs typeface="Calibri"/>
+                <a:sym typeface="Calibri"/>
+              </a:rPr>
+              <a:t>".cursor/rules/"</a:t>
+            </a:r>
+            <a:r>
+              <a:rPr lang="en" sz="1200">
+                <a:solidFill>
+                  <a:schemeClr val="dk1"/>
+                </a:solidFill>
+                <a:latin typeface="Calibri"/>
+                <a:ea typeface="Calibri"/>
+                <a:cs typeface="Calibri"/>
+                <a:sym typeface="Calibri"/>
+              </a:rPr>
+              <a:t> directory in your project. They provide system-level guidance to the AI. Coding standards, architectural decisions, and project-specific best practices</a:t>
             </a:r>
             <a:endParaRPr sz="1200">
               <a:solidFill>
@@ -20359,7 +20355,494 @@
                 <a:cs typeface="Calibri"/>
                 <a:sym typeface="Calibri"/>
               </a:rPr>
-              <a:t>docs in md format - text and diagrams</a:t>
+              <a:t>Each rule is a separate file, usually written in the </a:t>
+            </a:r>
+            <a:r>
+              <a:rPr lang="en" sz="1200" b="1">
+                <a:solidFill>
+                  <a:srgbClr val="FF0000"/>
+                </a:solidFill>
+                <a:latin typeface="Calibri"/>
+                <a:ea typeface="Calibri"/>
+                <a:cs typeface="Calibri"/>
+                <a:sym typeface="Calibri"/>
+              </a:rPr>
+              <a:t>MDC format (".mdc")</a:t>
+            </a:r>
+            <a:r>
+              <a:rPr lang="en" sz="1200">
+                <a:solidFill>
+                  <a:schemeClr val="dk1"/>
+                </a:solidFill>
+                <a:latin typeface="Calibri"/>
+                <a:ea typeface="Calibri"/>
+                <a:cs typeface="Calibri"/>
+                <a:sym typeface="Calibri"/>
+              </a:rPr>
+              <a:t>, which supports both</a:t>
+            </a:r>
+            <a:r>
+              <a:rPr lang="en" sz="1200" b="1">
+                <a:solidFill>
+                  <a:srgbClr val="3C78D8"/>
+                </a:solidFill>
+                <a:latin typeface="Calibri"/>
+                <a:ea typeface="Calibri"/>
+                <a:cs typeface="Calibri"/>
+                <a:sym typeface="Calibri"/>
+              </a:rPr>
+              <a:t> YAML metadata and MD content</a:t>
+            </a:r>
+            <a:endParaRPr sz="1200" b="1">
+              <a:solidFill>
+                <a:srgbClr val="3C78D8"/>
+              </a:solidFill>
+              <a:latin typeface="Calibri"/>
+              <a:ea typeface="Calibri"/>
+              <a:cs typeface="Calibri"/>
+              <a:sym typeface="Calibri"/>
+            </a:endParaRPr>
+          </a:p>
+          <a:p>
+            <a:pPr marL="171450" marR="0" lvl="0" indent="-133350" algn="l" rtl="0">
+              <a:lnSpc>
+                <a:spcPct val="100000"/>
+              </a:lnSpc>
+              <a:spcBef>
+                <a:spcPts val="0"/>
+              </a:spcBef>
+              <a:spcAft>
+                <a:spcPts val="0"/>
+              </a:spcAft>
+              <a:buClr>
+                <a:schemeClr val="dk1"/>
+              </a:buClr>
+              <a:buSzPts val="1200"/>
+              <a:buFont typeface="Calibri"/>
+              <a:buChar char="●"/>
+            </a:pPr>
+            <a:r>
+              <a:rPr lang="en" sz="1200">
+                <a:solidFill>
+                  <a:schemeClr val="dk1"/>
+                </a:solidFill>
+                <a:latin typeface="Calibri"/>
+                <a:ea typeface="Calibri"/>
+                <a:cs typeface="Calibri"/>
+                <a:sym typeface="Calibri"/>
+              </a:rPr>
+              <a:t>Examples: Enforcing naming conventions (e.g., always use snake_case for service names), Dictating which frameworks or libraries to use, Standardizing file/folder structures or architectural patterns, Automating project-specific workflows or templates</a:t>
+            </a:r>
+            <a:endParaRPr sz="1200">
+              <a:solidFill>
+                <a:schemeClr val="dk1"/>
+              </a:solidFill>
+              <a:latin typeface="Calibri"/>
+              <a:ea typeface="Calibri"/>
+              <a:cs typeface="Calibri"/>
+              <a:sym typeface="Calibri"/>
+            </a:endParaRPr>
+          </a:p>
+          <a:p>
+            <a:pPr marL="171450" marR="0" lvl="0" indent="-133350" algn="l" rtl="0">
+              <a:lnSpc>
+                <a:spcPct val="100000"/>
+              </a:lnSpc>
+              <a:spcBef>
+                <a:spcPts val="0"/>
+              </a:spcBef>
+              <a:spcAft>
+                <a:spcPts val="0"/>
+              </a:spcAft>
+              <a:buClr>
+                <a:schemeClr val="dk1"/>
+              </a:buClr>
+              <a:buSzPts val="1200"/>
+              <a:buFont typeface="Calibri"/>
+              <a:buChar char="●"/>
+            </a:pPr>
+            <a:r>
+              <a:rPr lang="en" sz="1200" b="1">
+                <a:solidFill>
+                  <a:srgbClr val="FF0000"/>
+                </a:solidFill>
+                <a:latin typeface="Calibri"/>
+                <a:ea typeface="Calibri"/>
+                <a:cs typeface="Calibri"/>
+                <a:sym typeface="Calibri"/>
+              </a:rPr>
+              <a:t>PRDs (Product Requirement Documents)</a:t>
+            </a:r>
+            <a:r>
+              <a:rPr lang="en" sz="1200">
+                <a:solidFill>
+                  <a:schemeClr val="dk1"/>
+                </a:solidFill>
+                <a:latin typeface="Calibri"/>
+                <a:ea typeface="Calibri"/>
+                <a:cs typeface="Calibri"/>
+                <a:sym typeface="Calibri"/>
+              </a:rPr>
+              <a:t> - foundational document(s) outlining what a product or feature should do. PRDs serve as a "source of truth" for both human developers and the AI assistant</a:t>
+            </a:r>
+            <a:endParaRPr sz="1200">
+              <a:solidFill>
+                <a:schemeClr val="dk1"/>
+              </a:solidFill>
+              <a:latin typeface="Calibri"/>
+              <a:ea typeface="Calibri"/>
+              <a:cs typeface="Calibri"/>
+              <a:sym typeface="Calibri"/>
+            </a:endParaRPr>
+          </a:p>
+          <a:p>
+            <a:pPr marL="171450" marR="0" lvl="0" indent="-133350" algn="l" rtl="0">
+              <a:lnSpc>
+                <a:spcPct val="100000"/>
+              </a:lnSpc>
+              <a:spcBef>
+                <a:spcPts val="0"/>
+              </a:spcBef>
+              <a:spcAft>
+                <a:spcPts val="0"/>
+              </a:spcAft>
+              <a:buClr>
+                <a:schemeClr val="dk1"/>
+              </a:buClr>
+              <a:buSzPts val="1200"/>
+              <a:buFont typeface="Calibri"/>
+              <a:buChar char="●"/>
+            </a:pPr>
+            <a:r>
+              <a:rPr lang="en" sz="1200">
+                <a:solidFill>
+                  <a:schemeClr val="dk1"/>
+                </a:solidFill>
+                <a:latin typeface="Calibri"/>
+                <a:ea typeface="Calibri"/>
+                <a:cs typeface="Calibri"/>
+                <a:sym typeface="Calibri"/>
+              </a:rPr>
+              <a:t>Content of PRD: intro and problem statement; solution or feature overview; user stories and feature descriptions; technical requirements and constraints; acceptance criteria; project timeline, tech stack, and user flows</a:t>
+            </a:r>
+            <a:endParaRPr sz="1200">
+              <a:solidFill>
+                <a:schemeClr val="dk1"/>
+              </a:solidFill>
+              <a:latin typeface="Calibri"/>
+              <a:ea typeface="Calibri"/>
+              <a:cs typeface="Calibri"/>
+              <a:sym typeface="Calibri"/>
+            </a:endParaRPr>
+          </a:p>
+          <a:p>
+            <a:pPr marL="171450" marR="0" lvl="0" indent="-133350" algn="l" rtl="0">
+              <a:lnSpc>
+                <a:spcPct val="100000"/>
+              </a:lnSpc>
+              <a:spcBef>
+                <a:spcPts val="0"/>
+              </a:spcBef>
+              <a:spcAft>
+                <a:spcPts val="0"/>
+              </a:spcAft>
+              <a:buClr>
+                <a:schemeClr val="dk1"/>
+              </a:buClr>
+              <a:buSzPts val="1200"/>
+              <a:buFont typeface="Calibri"/>
+              <a:buChar char="●"/>
+            </a:pPr>
+            <a:r>
+              <a:rPr lang="en" sz="1200">
+                <a:solidFill>
+                  <a:schemeClr val="dk1"/>
+                </a:solidFill>
+                <a:latin typeface="Calibri"/>
+                <a:ea typeface="Calibri"/>
+                <a:cs typeface="Calibri"/>
+                <a:sym typeface="Calibri"/>
+              </a:rPr>
+              <a:t>Best Practices - use clear sections and headings, write </a:t>
+            </a:r>
+            <a:br>
+              <a:rPr lang="en" sz="1200">
+                <a:solidFill>
+                  <a:schemeClr val="dk1"/>
+                </a:solidFill>
+                <a:latin typeface="Calibri"/>
+                <a:ea typeface="Calibri"/>
+                <a:cs typeface="Calibri"/>
+                <a:sym typeface="Calibri"/>
+              </a:rPr>
+            </a:br>
+            <a:r>
+              <a:rPr lang="en" sz="1200">
+                <a:solidFill>
+                  <a:schemeClr val="dk1"/>
+                </a:solidFill>
+                <a:latin typeface="Calibri"/>
+                <a:ea typeface="Calibri"/>
+                <a:cs typeface="Calibri"/>
+                <a:sym typeface="Calibri"/>
+              </a:rPr>
+              <a:t>concise, isolated user stories, list explicit acceptance </a:t>
+            </a:r>
+            <a:br>
+              <a:rPr lang="en" sz="1200">
+                <a:solidFill>
+                  <a:schemeClr val="dk1"/>
+                </a:solidFill>
+                <a:latin typeface="Calibri"/>
+                <a:ea typeface="Calibri"/>
+                <a:cs typeface="Calibri"/>
+                <a:sym typeface="Calibri"/>
+              </a:rPr>
+            </a:br>
+            <a:r>
+              <a:rPr lang="en" sz="1200">
+                <a:solidFill>
+                  <a:schemeClr val="dk1"/>
+                </a:solidFill>
+                <a:latin typeface="Calibri"/>
+                <a:ea typeface="Calibri"/>
+                <a:cs typeface="Calibri"/>
+                <a:sym typeface="Calibri"/>
+              </a:rPr>
+              <a:t>criteria for each feature, keep the PRD accessible to </a:t>
+            </a:r>
+            <a:br>
+              <a:rPr lang="en" sz="1200">
+                <a:solidFill>
+                  <a:schemeClr val="dk1"/>
+                </a:solidFill>
+                <a:latin typeface="Calibri"/>
+                <a:ea typeface="Calibri"/>
+                <a:cs typeface="Calibri"/>
+                <a:sym typeface="Calibri"/>
+              </a:rPr>
+            </a:br>
+            <a:r>
+              <a:rPr lang="en" sz="1200">
+                <a:solidFill>
+                  <a:schemeClr val="dk1"/>
+                </a:solidFill>
+                <a:latin typeface="Calibri"/>
+                <a:ea typeface="Calibri"/>
+                <a:cs typeface="Calibri"/>
+                <a:sym typeface="Calibri"/>
+              </a:rPr>
+              <a:t>the AI (within the project folder)</a:t>
+            </a:r>
+            <a:endParaRPr sz="1200">
+              <a:solidFill>
+                <a:schemeClr val="dk1"/>
+              </a:solidFill>
+              <a:latin typeface="Calibri"/>
+              <a:ea typeface="Calibri"/>
+              <a:cs typeface="Calibri"/>
+              <a:sym typeface="Calibri"/>
+            </a:endParaRPr>
+          </a:p>
+          <a:p>
+            <a:pPr marL="171450" marR="0" lvl="0" indent="-133350" algn="l" rtl="0">
+              <a:lnSpc>
+                <a:spcPct val="100000"/>
+              </a:lnSpc>
+              <a:spcBef>
+                <a:spcPts val="0"/>
+              </a:spcBef>
+              <a:spcAft>
+                <a:spcPts val="0"/>
+              </a:spcAft>
+              <a:buClr>
+                <a:schemeClr val="dk1"/>
+              </a:buClr>
+              <a:buSzPts val="1200"/>
+              <a:buFont typeface="Calibri"/>
+              <a:buChar char="●"/>
+            </a:pPr>
+            <a:r>
+              <a:rPr lang="en" sz="1200">
+                <a:solidFill>
+                  <a:schemeClr val="dk1"/>
+                </a:solidFill>
+                <a:latin typeface="Calibri"/>
+                <a:ea typeface="Calibri"/>
+                <a:cs typeface="Calibri"/>
+                <a:sym typeface="Calibri"/>
+              </a:rPr>
+              <a:t>Additional files: </a:t>
+            </a:r>
+            <a:r>
+              <a:rPr lang="en" sz="1200" b="1">
+                <a:solidFill>
+                  <a:srgbClr val="FF0000"/>
+                </a:solidFill>
+                <a:latin typeface="Calibri"/>
+                <a:ea typeface="Calibri"/>
+                <a:cs typeface="Calibri"/>
+                <a:sym typeface="Calibri"/>
+              </a:rPr>
+              <a:t>tree.txt</a:t>
+            </a:r>
+            <a:r>
+              <a:rPr lang="en" sz="1200">
+                <a:solidFill>
+                  <a:schemeClr val="dk1"/>
+                </a:solidFill>
+                <a:latin typeface="Calibri"/>
+                <a:ea typeface="Calibri"/>
+                <a:cs typeface="Calibri"/>
+                <a:sym typeface="Calibri"/>
+              </a:rPr>
+              <a:t> or </a:t>
+            </a:r>
+            <a:r>
+              <a:rPr lang="en" sz="1200" b="1">
+                <a:solidFill>
+                  <a:srgbClr val="FF0000"/>
+                </a:solidFill>
+                <a:latin typeface="Calibri"/>
+                <a:ea typeface="Calibri"/>
+                <a:cs typeface="Calibri"/>
+                <a:sym typeface="Calibri"/>
+              </a:rPr>
+              <a:t>repo_structure.yaml</a:t>
+            </a:r>
+            <a:r>
+              <a:rPr lang="en" sz="1200">
+                <a:solidFill>
+                  <a:schemeClr val="dk1"/>
+                </a:solidFill>
+                <a:latin typeface="Calibri"/>
+                <a:ea typeface="Calibri"/>
+                <a:cs typeface="Calibri"/>
+                <a:sym typeface="Calibri"/>
+              </a:rPr>
+              <a:t>, </a:t>
+            </a:r>
+            <a:br>
+              <a:rPr lang="en" sz="1200">
+                <a:solidFill>
+                  <a:schemeClr val="dk1"/>
+                </a:solidFill>
+                <a:latin typeface="Calibri"/>
+                <a:ea typeface="Calibri"/>
+                <a:cs typeface="Calibri"/>
+                <a:sym typeface="Calibri"/>
+              </a:rPr>
+            </a:br>
+            <a:r>
+              <a:rPr lang="en" sz="1200" b="1">
+                <a:solidFill>
+                  <a:srgbClr val="FF0000"/>
+                </a:solidFill>
+                <a:latin typeface="Calibri"/>
+                <a:ea typeface="Calibri"/>
+                <a:cs typeface="Calibri"/>
+                <a:sym typeface="Calibri"/>
+              </a:rPr>
+              <a:t>README.md</a:t>
+            </a:r>
+            <a:r>
+              <a:rPr lang="en" sz="1200">
+                <a:solidFill>
+                  <a:schemeClr val="dk1"/>
+                </a:solidFill>
+                <a:latin typeface="Calibri"/>
+                <a:ea typeface="Calibri"/>
+                <a:cs typeface="Calibri"/>
+                <a:sym typeface="Calibri"/>
+              </a:rPr>
+              <a:t>, </a:t>
+            </a:r>
+            <a:r>
+              <a:rPr lang="en" sz="1200" b="1">
+                <a:solidFill>
+                  <a:srgbClr val="FF0000"/>
+                </a:solidFill>
+                <a:latin typeface="Calibri"/>
+                <a:ea typeface="Calibri"/>
+                <a:cs typeface="Calibri"/>
+                <a:sym typeface="Calibri"/>
+              </a:rPr>
+              <a:t>ARCHITECTURE.md</a:t>
+            </a:r>
+            <a:r>
+              <a:rPr lang="en" sz="1200">
+                <a:solidFill>
+                  <a:schemeClr val="dk1"/>
+                </a:solidFill>
+                <a:latin typeface="Calibri"/>
+                <a:ea typeface="Calibri"/>
+                <a:cs typeface="Calibri"/>
+                <a:sym typeface="Calibri"/>
+              </a:rPr>
+              <a:t>, etc.</a:t>
+            </a:r>
+            <a:endParaRPr sz="1200">
+              <a:solidFill>
+                <a:schemeClr val="dk1"/>
+              </a:solidFill>
+              <a:latin typeface="Calibri"/>
+              <a:ea typeface="Calibri"/>
+              <a:cs typeface="Calibri"/>
+              <a:sym typeface="Calibri"/>
+            </a:endParaRPr>
+          </a:p>
+          <a:p>
+            <a:pPr marL="171450" marR="0" lvl="0" indent="-133350" algn="l" rtl="0">
+              <a:lnSpc>
+                <a:spcPct val="100000"/>
+              </a:lnSpc>
+              <a:spcBef>
+                <a:spcPts val="0"/>
+              </a:spcBef>
+              <a:spcAft>
+                <a:spcPts val="0"/>
+              </a:spcAft>
+              <a:buClr>
+                <a:schemeClr val="dk1"/>
+              </a:buClr>
+              <a:buSzPts val="1200"/>
+              <a:buFont typeface="Calibri"/>
+              <a:buChar char="●"/>
+            </a:pPr>
+            <a:r>
+              <a:rPr lang="en" sz="1200">
+                <a:solidFill>
+                  <a:schemeClr val="dk1"/>
+                </a:solidFill>
+                <a:latin typeface="Calibri"/>
+                <a:ea typeface="Calibri"/>
+                <a:cs typeface="Calibri"/>
+                <a:sym typeface="Calibri"/>
+              </a:rPr>
+              <a:t>Markdown (MD) files can contain Mermaid diagrams, </a:t>
+            </a:r>
+            <a:br>
+              <a:rPr lang="en" sz="1200">
+                <a:solidFill>
+                  <a:schemeClr val="dk1"/>
+                </a:solidFill>
+                <a:latin typeface="Calibri"/>
+                <a:ea typeface="Calibri"/>
+                <a:cs typeface="Calibri"/>
+                <a:sym typeface="Calibri"/>
+              </a:rPr>
+            </a:br>
+            <a:r>
+              <a:rPr lang="en" sz="1200">
+                <a:solidFill>
+                  <a:schemeClr val="dk1"/>
+                </a:solidFill>
+                <a:latin typeface="Calibri"/>
+                <a:ea typeface="Calibri"/>
+                <a:cs typeface="Calibri"/>
+                <a:sym typeface="Calibri"/>
+              </a:rPr>
+              <a:t>for example: graph TD;A--&gt;B;A--&gt;C;B--&gt;D;C--&gt;D; </a:t>
             </a:r>
             <a:endParaRPr sz="1200">
               <a:solidFill>
@@ -20381,7 +20864,7 @@
         </p:nvSpPr>
         <p:spPr>
           <a:xfrm>
-            <a:off x="4615400" y="844650"/>
+            <a:off x="4631275" y="98525"/>
             <a:ext cx="4453200" cy="2419500"/>
           </a:xfrm>
           <a:prstGeom prst="rect">
@@ -20628,8 +21111,8 @@
         </p:nvSpPr>
         <p:spPr>
           <a:xfrm>
-            <a:off x="55075" y="1536500"/>
-            <a:ext cx="4453200" cy="2235000"/>
+            <a:off x="4631275" y="2608075"/>
+            <a:ext cx="4453200" cy="1803900"/>
           </a:xfrm>
           <a:prstGeom prst="rect">
             <a:avLst/>
@@ -20906,21 +21389,38 @@
             </a:endParaRPr>
           </a:p>
           <a:p>
-            <a:pPr marL="457200" marR="0" lvl="0" indent="0" algn="l" rtl="0">
-              <a:lnSpc>
-                <a:spcPct val="100000"/>
-              </a:lnSpc>
-              <a:spcBef>
-                <a:spcPts val="0"/>
-              </a:spcBef>
-              <a:spcAft>
-                <a:spcPts val="0"/>
-              </a:spcAft>
-              <a:buNone/>
+            <a:pPr marL="228600" marR="0" lvl="0" indent="-127000" algn="l" rtl="0">
+              <a:lnSpc>
+                <a:spcPct val="100000"/>
+              </a:lnSpc>
+              <a:spcBef>
+                <a:spcPts val="0"/>
+              </a:spcBef>
+              <a:spcAft>
+                <a:spcPts val="0"/>
+              </a:spcAft>
+              <a:buClr>
+                <a:srgbClr val="3C78D8"/>
+              </a:buClr>
+              <a:buSzPts val="1100"/>
+              <a:buFont typeface="Calibri"/>
+              <a:buAutoNum type="arabicPeriod"/>
             </a:pPr>
-            <a:endParaRPr sz="1200">
+            <a:r>
+              <a:rPr lang="en" sz="1100">
+                <a:solidFill>
+                  <a:srgbClr val="3C78D8"/>
+                </a:solidFill>
+                <a:latin typeface="Calibri"/>
+                <a:ea typeface="Calibri"/>
+                <a:cs typeface="Calibri"/>
+                <a:sym typeface="Calibri"/>
+              </a:rPr>
+              <a:t>Create a Product Requirements Document (PRD) for your project</a:t>
+            </a:r>
+            <a:endParaRPr sz="1100">
               <a:solidFill>
-                <a:schemeClr val="dk1"/>
+                <a:srgbClr val="3C78D8"/>
               </a:solidFill>
               <a:latin typeface="Calibri"/>
               <a:ea typeface="Calibri"/>
@@ -20929,38 +21429,38 @@
             </a:endParaRPr>
           </a:p>
           <a:p>
-            <a:pPr marL="228600" marR="0" lvl="0" indent="-133350" algn="l" rtl="0">
-              <a:lnSpc>
-                <a:spcPct val="100000"/>
-              </a:lnSpc>
-              <a:spcBef>
-                <a:spcPts val="0"/>
-              </a:spcBef>
-              <a:spcAft>
-                <a:spcPts val="0"/>
-              </a:spcAft>
-              <a:buClr>
-                <a:schemeClr val="dk1"/>
-              </a:buClr>
-              <a:buSzPts val="1200"/>
+            <a:pPr marL="228600" marR="0" lvl="0" indent="-127000" algn="l" rtl="0">
+              <a:lnSpc>
+                <a:spcPct val="100000"/>
+              </a:lnSpc>
+              <a:spcBef>
+                <a:spcPts val="0"/>
+              </a:spcBef>
+              <a:spcAft>
+                <a:spcPts val="0"/>
+              </a:spcAft>
+              <a:buClr>
+                <a:srgbClr val="3C78D8"/>
+              </a:buClr>
+              <a:buSzPts val="1100"/>
               <a:buFont typeface="Calibri"/>
               <a:buAutoNum type="arabicPeriod"/>
             </a:pPr>
             <a:r>
-              <a:rPr lang="en" sz="1200">
-                <a:solidFill>
-                  <a:schemeClr val="dk1"/>
-                </a:solidFill>
-                <a:latin typeface="Calibri"/>
-                <a:ea typeface="Calibri"/>
-                <a:cs typeface="Calibri"/>
-                <a:sym typeface="Calibri"/>
-              </a:rPr>
-              <a:t>Create a Product Requirements Document (PRD) for your project</a:t>
+              <a:rPr lang="en" sz="1100">
+                <a:solidFill>
+                  <a:srgbClr val="3C78D8"/>
+                </a:solidFill>
+                <a:latin typeface="Calibri"/>
+                <a:ea typeface="Calibri"/>
+                <a:cs typeface="Calibri"/>
+                <a:sym typeface="Calibri"/>
+              </a:rPr>
+              <a:t>Taskmaster parses the PRD and generates a structured task list</a:t>
             </a:r>
-            <a:endParaRPr sz="1200">
+            <a:endParaRPr sz="1100">
               <a:solidFill>
-                <a:schemeClr val="dk1"/>
+                <a:srgbClr val="3C78D8"/>
               </a:solidFill>
               <a:latin typeface="Calibri"/>
               <a:ea typeface="Calibri"/>
@@ -20969,38 +21469,38 @@
             </a:endParaRPr>
           </a:p>
           <a:p>
-            <a:pPr marL="228600" marR="0" lvl="0" indent="-133350" algn="l" rtl="0">
-              <a:lnSpc>
-                <a:spcPct val="100000"/>
-              </a:lnSpc>
-              <a:spcBef>
-                <a:spcPts val="0"/>
-              </a:spcBef>
-              <a:spcAft>
-                <a:spcPts val="0"/>
-              </a:spcAft>
-              <a:buClr>
-                <a:schemeClr val="dk1"/>
-              </a:buClr>
-              <a:buSzPts val="1200"/>
+            <a:pPr marL="228600" marR="0" lvl="0" indent="-127000" algn="l" rtl="0">
+              <a:lnSpc>
+                <a:spcPct val="100000"/>
+              </a:lnSpc>
+              <a:spcBef>
+                <a:spcPts val="0"/>
+              </a:spcBef>
+              <a:spcAft>
+                <a:spcPts val="0"/>
+              </a:spcAft>
+              <a:buClr>
+                <a:srgbClr val="3C78D8"/>
+              </a:buClr>
+              <a:buSzPts val="1100"/>
               <a:buFont typeface="Calibri"/>
               <a:buAutoNum type="arabicPeriod"/>
             </a:pPr>
             <a:r>
-              <a:rPr lang="en" sz="1200">
-                <a:solidFill>
-                  <a:schemeClr val="dk1"/>
-                </a:solidFill>
-                <a:latin typeface="Calibri"/>
-                <a:ea typeface="Calibri"/>
-                <a:cs typeface="Calibri"/>
-                <a:sym typeface="Calibri"/>
-              </a:rPr>
-              <a:t>Taskmaster parses the PRD and generates a structured task list</a:t>
+              <a:rPr lang="en" sz="1100">
+                <a:solidFill>
+                  <a:srgbClr val="3C78D8"/>
+                </a:solidFill>
+                <a:latin typeface="Calibri"/>
+                <a:ea typeface="Calibri"/>
+                <a:cs typeface="Calibri"/>
+                <a:sym typeface="Calibri"/>
+              </a:rPr>
+              <a:t>Execute tasks one by one through your preferred AI coding agent</a:t>
             </a:r>
-            <a:endParaRPr sz="1200">
+            <a:endParaRPr sz="1100">
               <a:solidFill>
-                <a:schemeClr val="dk1"/>
+                <a:srgbClr val="3C78D8"/>
               </a:solidFill>
               <a:latin typeface="Calibri"/>
               <a:ea typeface="Calibri"/>
@@ -21009,67 +21509,27 @@
             </a:endParaRPr>
           </a:p>
           <a:p>
-            <a:pPr marL="228600" marR="0" lvl="0" indent="-133350" algn="l" rtl="0">
-              <a:lnSpc>
-                <a:spcPct val="100000"/>
-              </a:lnSpc>
-              <a:spcBef>
-                <a:spcPts val="0"/>
-              </a:spcBef>
-              <a:spcAft>
-                <a:spcPts val="0"/>
-              </a:spcAft>
-              <a:buClr>
-                <a:schemeClr val="dk1"/>
-              </a:buClr>
-              <a:buSzPts val="1200"/>
+            <a:pPr marL="228600" marR="0" lvl="0" indent="-127000" algn="l" rtl="0">
+              <a:lnSpc>
+                <a:spcPct val="100000"/>
+              </a:lnSpc>
+              <a:spcBef>
+                <a:spcPts val="0"/>
+              </a:spcBef>
+              <a:spcAft>
+                <a:spcPts val="0"/>
+              </a:spcAft>
+              <a:buClr>
+                <a:srgbClr val="3C78D8"/>
+              </a:buClr>
+              <a:buSzPts val="1100"/>
               <a:buFont typeface="Calibri"/>
               <a:buAutoNum type="arabicPeriod"/>
             </a:pPr>
             <a:r>
-              <a:rPr lang="en" sz="1200">
-                <a:solidFill>
-                  <a:schemeClr val="dk1"/>
-                </a:solidFill>
-                <a:latin typeface="Calibri"/>
-                <a:ea typeface="Calibri"/>
-                <a:cs typeface="Calibri"/>
-                <a:sym typeface="Calibri"/>
-              </a:rPr>
-              <a:t>Execute tasks one by one through your preferred AI coding agent</a:t>
-            </a:r>
-            <a:endParaRPr sz="1200">
-              <a:solidFill>
-                <a:schemeClr val="dk1"/>
-              </a:solidFill>
-              <a:latin typeface="Calibri"/>
-              <a:ea typeface="Calibri"/>
-              <a:cs typeface="Calibri"/>
-              <a:sym typeface="Calibri"/>
-            </a:endParaRPr>
-          </a:p>
-          <a:p>
-            <a:pPr marL="228600" marR="0" lvl="0" indent="-133350" algn="l" rtl="0">
-              <a:lnSpc>
-                <a:spcPct val="100000"/>
-              </a:lnSpc>
-              <a:spcBef>
-                <a:spcPts val="0"/>
-              </a:spcBef>
-              <a:spcAft>
-                <a:spcPts val="0"/>
-              </a:spcAft>
-              <a:buClr>
-                <a:schemeClr val="dk1"/>
-              </a:buClr>
-              <a:buSzPts val="1200"/>
-              <a:buFont typeface="Calibri"/>
-              <a:buAutoNum type="arabicPeriod"/>
-            </a:pPr>
-            <a:r>
-              <a:rPr lang="en" sz="1200">
-                <a:solidFill>
-                  <a:schemeClr val="dk1"/>
+              <a:rPr lang="en" sz="1100">
+                <a:solidFill>
+                  <a:srgbClr val="3C78D8"/>
                 </a:solidFill>
                 <a:latin typeface="Calibri"/>
                 <a:ea typeface="Calibri"/>
@@ -21078,9 +21538,9 @@
               </a:rPr>
               <a:t>Each subtask stays within context limits, reducing errors and token costs</a:t>
             </a:r>
-            <a:endParaRPr sz="1200">
+            <a:endParaRPr sz="1100">
               <a:solidFill>
-                <a:schemeClr val="dk1"/>
+                <a:srgbClr val="3C78D8"/>
               </a:solidFill>
               <a:latin typeface="Calibri"/>
               <a:ea typeface="Calibri"/>
@@ -21090,114 +21550,34 @@
           </a:p>
         </p:txBody>
       </p:sp>
-    </p:spTree>
-  </p:cSld>
-  <p:clrMapOvr>
-    <a:masterClrMapping/>
-  </p:clrMapOvr>
-</p:sld>
-</file>
-
-<file path=ppt/slides/slide18.xml><?xml version="1.0" encoding="utf-8"?>
-<p:sld xmlns:a="http://schemas.openxmlformats.org/drawingml/2006/main" xmlns:r="http://schemas.openxmlformats.org/officeDocument/2006/relationships" xmlns:p="http://schemas.openxmlformats.org/presentationml/2006/main">
-  <p:cSld>
-    <p:spTree>
-      <p:nvGrpSpPr>
-        <p:cNvPr id="1" name="Shape 264"/>
-        <p:cNvGrpSpPr/>
-        <p:nvPr/>
-      </p:nvGrpSpPr>
-      <p:grpSpPr>
-        <a:xfrm>
-          <a:off x="0" y="0"/>
-          <a:ext cx="0" cy="0"/>
-          <a:chOff x="0" y="0"/>
-          <a:chExt cx="0" cy="0"/>
-        </a:xfrm>
-      </p:grpSpPr>
-      <p:sp>
-        <p:nvSpPr>
-          <p:cNvPr id="265" name="Google Shape;265;p32"/>
-          <p:cNvSpPr txBox="1"/>
+      <p:pic>
+        <p:nvPicPr>
+          <p:cNvPr id="261" name="Google Shape;261;p31"/>
+          <p:cNvPicPr preferRelativeResize="0"/>
           <p:nvPr/>
-        </p:nvSpPr>
+        </p:nvPicPr>
+        <p:blipFill>
+          <a:blip r:embed="rId5" cstate="email">
+            <a:alphaModFix/>
+            <a:extLst>
+              <a:ext uri="{28A0092B-C50C-407E-A947-70E740481C1C}">
+                <a14:useLocalDpi xmlns:a14="http://schemas.microsoft.com/office/drawing/2010/main"/>
+              </a:ext>
+            </a:extLst>
+          </a:blip>
+          <a:stretch>
+            <a:fillRect/>
+          </a:stretch>
+        </p:blipFill>
         <p:spPr>
           <a:xfrm>
-            <a:off x="55075" y="52750"/>
-            <a:ext cx="3760800" cy="326400"/>
+            <a:off x="3675075" y="3379725"/>
+            <a:ext cx="907275" cy="1720925"/>
           </a:xfrm>
           <a:prstGeom prst="rect">
             <a:avLst/>
           </a:prstGeom>
           <a:noFill/>
-          <a:ln>
-            <a:noFill/>
-          </a:ln>
-        </p:spPr>
-        <p:txBody>
-          <a:bodyPr spcFirstLastPara="1" wrap="square" lIns="9125" tIns="9125" rIns="9125" bIns="9125" anchor="t" anchorCtr="0">
-            <a:spAutoFit/>
-          </a:bodyPr>
-          <a:lstStyle/>
-          <a:p>
-            <a:pPr marL="0" marR="0" lvl="0" indent="0" algn="l" rtl="0">
-              <a:lnSpc>
-                <a:spcPct val="100000"/>
-              </a:lnSpc>
-              <a:spcBef>
-                <a:spcPts val="0"/>
-              </a:spcBef>
-              <a:spcAft>
-                <a:spcPts val="0"/>
-              </a:spcAft>
-              <a:buClr>
-                <a:schemeClr val="dk1"/>
-              </a:buClr>
-              <a:buSzPts val="1100"/>
-              <a:buFont typeface="Arial"/>
-              <a:buNone/>
-            </a:pPr>
-            <a:r>
-              <a:rPr lang="en" sz="2000" b="1">
-                <a:solidFill>
-                  <a:schemeClr val="dk1"/>
-                </a:solidFill>
-                <a:latin typeface="Calibri"/>
-                <a:ea typeface="Calibri"/>
-                <a:cs typeface="Calibri"/>
-                <a:sym typeface="Calibri"/>
-              </a:rPr>
-              <a:t>AI video Summarization</a:t>
-            </a:r>
-            <a:endParaRPr sz="2000" b="1" i="0" u="none" strike="noStrike" cap="none">
-              <a:solidFill>
-                <a:schemeClr val="dk1"/>
-              </a:solidFill>
-              <a:latin typeface="Calibri"/>
-              <a:ea typeface="Calibri"/>
-              <a:cs typeface="Calibri"/>
-              <a:sym typeface="Calibri"/>
-            </a:endParaRPr>
-          </a:p>
-        </p:txBody>
-      </p:sp>
-      <p:sp>
-        <p:nvSpPr>
-          <p:cNvPr id="266" name="Google Shape;266;p32"/>
-          <p:cNvSpPr txBox="1"/>
-          <p:nvPr/>
-        </p:nvSpPr>
-        <p:spPr>
-          <a:xfrm>
-            <a:off x="663100" y="937950"/>
-            <a:ext cx="4453200" cy="572700"/>
-          </a:xfrm>
-          <a:prstGeom prst="rect">
-            <a:avLst/>
-          </a:prstGeom>
-          <a:solidFill>
-            <a:srgbClr val="FFF2CC"/>
-          </a:solidFill>
           <a:ln w="9525" cap="flat" cmpd="sng">
             <a:solidFill>
               <a:srgbClr val="FF0000"/>
@@ -21208,155 +21588,16 @@
             <a:tailEnd type="none" w="sm" len="sm"/>
           </a:ln>
         </p:spPr>
-        <p:txBody>
-          <a:bodyPr spcFirstLastPara="1" wrap="square" lIns="9125" tIns="9125" rIns="9125" bIns="9125" anchor="t" anchorCtr="0">
-            <a:spAutoFit/>
-          </a:bodyPr>
-          <a:lstStyle/>
-          <a:p>
-            <a:pPr marL="171450" marR="0" lvl="0" indent="-133350" algn="l" rtl="0">
-              <a:lnSpc>
-                <a:spcPct val="100000"/>
-              </a:lnSpc>
-              <a:spcBef>
-                <a:spcPts val="0"/>
-              </a:spcBef>
-              <a:spcAft>
-                <a:spcPts val="0"/>
-              </a:spcAft>
-              <a:buClr>
-                <a:srgbClr val="FF0000"/>
-              </a:buClr>
-              <a:buSzPts val="1200"/>
-              <a:buFont typeface="Calibri"/>
-              <a:buChar char="●"/>
-            </a:pPr>
-            <a:r>
-              <a:rPr lang="en" sz="1200" b="1">
-                <a:solidFill>
-                  <a:srgbClr val="FF0000"/>
-                </a:solidFill>
-                <a:latin typeface="Calibri"/>
-                <a:ea typeface="Calibri"/>
-                <a:cs typeface="Calibri"/>
-                <a:sym typeface="Calibri"/>
-              </a:rPr>
-              <a:t>recapio</a:t>
-            </a:r>
-            <a:endParaRPr sz="1200" b="1">
-              <a:solidFill>
-                <a:srgbClr val="FF0000"/>
-              </a:solidFill>
-              <a:latin typeface="Calibri"/>
-              <a:ea typeface="Calibri"/>
-              <a:cs typeface="Calibri"/>
-              <a:sym typeface="Calibri"/>
-            </a:endParaRPr>
-          </a:p>
-          <a:p>
-            <a:pPr marL="171450" marR="0" lvl="0" indent="-133350" algn="l" rtl="0">
-              <a:lnSpc>
-                <a:spcPct val="100000"/>
-              </a:lnSpc>
-              <a:spcBef>
-                <a:spcPts val="0"/>
-              </a:spcBef>
-              <a:spcAft>
-                <a:spcPts val="0"/>
-              </a:spcAft>
-              <a:buClr>
-                <a:schemeClr val="dk1"/>
-              </a:buClr>
-              <a:buSzPts val="1200"/>
-              <a:buFont typeface="Calibri"/>
-              <a:buChar char="●"/>
-            </a:pPr>
-            <a:r>
-              <a:rPr lang="en" sz="1200">
-                <a:solidFill>
-                  <a:schemeClr val="dk1"/>
-                </a:solidFill>
-                <a:latin typeface="Calibri"/>
-                <a:ea typeface="Calibri"/>
-                <a:cs typeface="Calibri"/>
-                <a:sym typeface="Calibri"/>
-              </a:rPr>
-              <a:t>copy URL into recapio</a:t>
-            </a:r>
-            <a:endParaRPr sz="1200">
-              <a:solidFill>
-                <a:schemeClr val="dk1"/>
-              </a:solidFill>
-              <a:latin typeface="Calibri"/>
-              <a:ea typeface="Calibri"/>
-              <a:cs typeface="Calibri"/>
-              <a:sym typeface="Calibri"/>
-            </a:endParaRPr>
-          </a:p>
-          <a:p>
-            <a:pPr marL="171450" marR="0" lvl="0" indent="-133350" algn="l" rtl="0">
-              <a:lnSpc>
-                <a:spcPct val="100000"/>
-              </a:lnSpc>
-              <a:spcBef>
-                <a:spcPts val="0"/>
-              </a:spcBef>
-              <a:spcAft>
-                <a:spcPts val="0"/>
-              </a:spcAft>
-              <a:buClr>
-                <a:schemeClr val="dk1"/>
-              </a:buClr>
-              <a:buSzPts val="1200"/>
-              <a:buFont typeface="Calibri"/>
-              <a:buChar char="●"/>
-            </a:pPr>
-            <a:r>
-              <a:rPr lang="en" sz="1200" u="sng">
-                <a:solidFill>
-                  <a:schemeClr val="hlink"/>
-                </a:solidFill>
-                <a:latin typeface="Calibri"/>
-                <a:ea typeface="Calibri"/>
-                <a:cs typeface="Calibri"/>
-                <a:sym typeface="Calibri"/>
-                <a:hlinkClick r:id="rId3"/>
-              </a:rPr>
-              <a:t>https://recapio.com</a:t>
-            </a:r>
-            <a:r>
-              <a:rPr lang="en" sz="1200">
-                <a:solidFill>
-                  <a:schemeClr val="dk1"/>
-                </a:solidFill>
-                <a:latin typeface="Calibri"/>
-                <a:ea typeface="Calibri"/>
-                <a:cs typeface="Calibri"/>
-                <a:sym typeface="Calibri"/>
-              </a:rPr>
-              <a:t> </a:t>
-            </a:r>
-            <a:endParaRPr sz="1200">
-              <a:solidFill>
-                <a:schemeClr val="dk1"/>
-              </a:solidFill>
-              <a:latin typeface="Calibri"/>
-              <a:ea typeface="Calibri"/>
-              <a:cs typeface="Calibri"/>
-              <a:sym typeface="Calibri"/>
-            </a:endParaRPr>
-          </a:p>
-        </p:txBody>
-      </p:sp>
+      </p:pic>
       <p:sp>
         <p:nvSpPr>
-          <p:cNvPr id="267" name="Google Shape;267;p32"/>
+          <p:cNvPr id="262" name="Google Shape;262;p31"/>
           <p:cNvSpPr txBox="1"/>
           <p:nvPr/>
         </p:nvSpPr>
         <p:spPr>
           <a:xfrm>
-            <a:off x="663100" y="1676278"/>
+            <a:off x="4631275" y="4485975"/>
             <a:ext cx="4453200" cy="387900"/>
           </a:xfrm>
           <a:prstGeom prst="rect">
@@ -21408,7 +21649,7 @@
                 <a:cs typeface="Calibri"/>
                 <a:sym typeface="Calibri"/>
               </a:rPr>
-              <a:t>Copy transcription into Claude</a:t>
+              <a:t>Cursor v.1.0 is here (finally)</a:t>
             </a:r>
             <a:endParaRPr sz="1200" b="1">
               <a:solidFill>
@@ -21432,14 +21673,105 @@
                 <a:spcPts val="0"/>
               </a:spcAft>
               <a:buClr>
-                <a:schemeClr val="dk1"/>
+                <a:srgbClr val="FF0000"/>
               </a:buClr>
               <a:buSzPts val="1200"/>
               <a:buFont typeface="Calibri"/>
               <a:buChar char="●"/>
             </a:pPr>
             <a:r>
-              <a:rPr lang="en" sz="1200">
+              <a:rPr lang="en" sz="1200" b="1">
+                <a:solidFill>
+                  <a:srgbClr val="FF0000"/>
+                </a:solidFill>
+                <a:latin typeface="Calibri"/>
+                <a:ea typeface="Calibri"/>
+                <a:cs typeface="Calibri"/>
+                <a:sym typeface="Calibri"/>
+              </a:rPr>
+              <a:t>Anysphere, maker of Cursor, raised $900M at $9.9B valuation </a:t>
+            </a:r>
+            <a:endParaRPr sz="1200" b="1">
+              <a:solidFill>
+                <a:srgbClr val="FF0000"/>
+              </a:solidFill>
+              <a:latin typeface="Calibri"/>
+              <a:ea typeface="Calibri"/>
+              <a:cs typeface="Calibri"/>
+              <a:sym typeface="Calibri"/>
+            </a:endParaRPr>
+          </a:p>
+        </p:txBody>
+      </p:sp>
+    </p:spTree>
+  </p:cSld>
+  <p:clrMapOvr>
+    <a:masterClrMapping/>
+  </p:clrMapOvr>
+</p:sld>
+</file>
+
+<file path=ppt/slides/slide18.xml><?xml version="1.0" encoding="utf-8"?>
+<p:sld xmlns:a="http://schemas.openxmlformats.org/drawingml/2006/main" xmlns:r="http://schemas.openxmlformats.org/officeDocument/2006/relationships" xmlns:p="http://schemas.openxmlformats.org/presentationml/2006/main">
+  <p:cSld>
+    <p:spTree>
+      <p:nvGrpSpPr>
+        <p:cNvPr id="1" name="Shape 266"/>
+        <p:cNvGrpSpPr/>
+        <p:nvPr/>
+      </p:nvGrpSpPr>
+      <p:grpSpPr>
+        <a:xfrm>
+          <a:off x="0" y="0"/>
+          <a:ext cx="0" cy="0"/>
+          <a:chOff x="0" y="0"/>
+          <a:chExt cx="0" cy="0"/>
+        </a:xfrm>
+      </p:grpSpPr>
+      <p:sp>
+        <p:nvSpPr>
+          <p:cNvPr id="267" name="Google Shape;267;p32"/>
+          <p:cNvSpPr txBox="1"/>
+          <p:nvPr/>
+        </p:nvSpPr>
+        <p:spPr>
+          <a:xfrm>
+            <a:off x="55075" y="52750"/>
+            <a:ext cx="3760800" cy="326400"/>
+          </a:xfrm>
+          <a:prstGeom prst="rect">
+            <a:avLst/>
+          </a:prstGeom>
+          <a:noFill/>
+          <a:ln>
+            <a:noFill/>
+          </a:ln>
+        </p:spPr>
+        <p:txBody>
+          <a:bodyPr spcFirstLastPara="1" wrap="square" lIns="9125" tIns="9125" rIns="9125" bIns="9125" anchor="t" anchorCtr="0">
+            <a:spAutoFit/>
+          </a:bodyPr>
+          <a:lstStyle/>
+          <a:p>
+            <a:pPr marL="0" marR="0" lvl="0" indent="0" algn="l" rtl="0">
+              <a:lnSpc>
+                <a:spcPct val="100000"/>
+              </a:lnSpc>
+              <a:spcBef>
+                <a:spcPts val="0"/>
+              </a:spcBef>
+              <a:spcAft>
+                <a:spcPts val="0"/>
+              </a:spcAft>
+              <a:buClr>
+                <a:schemeClr val="dk1"/>
+              </a:buClr>
+              <a:buSzPts val="1100"/>
+              <a:buFont typeface="Arial"/>
+              <a:buNone/>
+            </a:pPr>
+            <a:r>
+              <a:rPr lang="en" sz="2000" b="1">
                 <a:solidFill>
                   <a:schemeClr val="dk1"/>
                 </a:solidFill>
@@ -21448,9 +21780,9 @@
                 <a:cs typeface="Calibri"/>
                 <a:sym typeface="Calibri"/>
               </a:rPr>
-              <a:t>copy transcription, paste it into LLM, get a summary</a:t>
+              <a:t>AI video Summarization</a:t>
             </a:r>
-            <a:endParaRPr sz="1200">
+            <a:endParaRPr sz="2000" b="1" i="0" u="none" strike="noStrike" cap="none">
               <a:solidFill>
                 <a:schemeClr val="dk1"/>
               </a:solidFill>
@@ -21470,8 +21802,8 @@
         </p:nvSpPr>
         <p:spPr>
           <a:xfrm>
-            <a:off x="663100" y="2248850"/>
-            <a:ext cx="4453200" cy="572700"/>
+            <a:off x="6526800" y="3295350"/>
+            <a:ext cx="2240400" cy="387900"/>
           </a:xfrm>
           <a:prstGeom prst="rect">
             <a:avLst/>
@@ -21522,7 +21854,146 @@
                 <a:cs typeface="Calibri"/>
                 <a:sym typeface="Calibri"/>
               </a:rPr>
-              <a:t>Copy youtube URL into Perplexity</a:t>
+              <a:t>recapio - </a:t>
+            </a:r>
+            <a:r>
+              <a:rPr lang="en" sz="1200">
+                <a:solidFill>
+                  <a:schemeClr val="dk1"/>
+                </a:solidFill>
+                <a:latin typeface="Calibri"/>
+                <a:ea typeface="Calibri"/>
+                <a:cs typeface="Calibri"/>
+                <a:sym typeface="Calibri"/>
+              </a:rPr>
+              <a:t>copy URL into recapio</a:t>
+            </a:r>
+            <a:endParaRPr sz="1200">
+              <a:solidFill>
+                <a:schemeClr val="dk1"/>
+              </a:solidFill>
+              <a:latin typeface="Calibri"/>
+              <a:ea typeface="Calibri"/>
+              <a:cs typeface="Calibri"/>
+              <a:sym typeface="Calibri"/>
+            </a:endParaRPr>
+          </a:p>
+          <a:p>
+            <a:pPr marL="171450" marR="0" lvl="0" indent="-133350" algn="l" rtl="0">
+              <a:lnSpc>
+                <a:spcPct val="100000"/>
+              </a:lnSpc>
+              <a:spcBef>
+                <a:spcPts val="0"/>
+              </a:spcBef>
+              <a:spcAft>
+                <a:spcPts val="0"/>
+              </a:spcAft>
+              <a:buClr>
+                <a:schemeClr val="dk1"/>
+              </a:buClr>
+              <a:buSzPts val="1200"/>
+              <a:buFont typeface="Calibri"/>
+              <a:buChar char="●"/>
+            </a:pPr>
+            <a:r>
+              <a:rPr lang="en" sz="1200" u="sng">
+                <a:solidFill>
+                  <a:schemeClr val="hlink"/>
+                </a:solidFill>
+                <a:latin typeface="Calibri"/>
+                <a:ea typeface="Calibri"/>
+                <a:cs typeface="Calibri"/>
+                <a:sym typeface="Calibri"/>
+                <a:hlinkClick r:id="rId3"/>
+              </a:rPr>
+              <a:t>https://recapio.com</a:t>
+            </a:r>
+            <a:r>
+              <a:rPr lang="en" sz="1200">
+                <a:solidFill>
+                  <a:schemeClr val="dk1"/>
+                </a:solidFill>
+                <a:latin typeface="Calibri"/>
+                <a:ea typeface="Calibri"/>
+                <a:cs typeface="Calibri"/>
+                <a:sym typeface="Calibri"/>
+              </a:rPr>
+              <a:t> </a:t>
+            </a:r>
+            <a:endParaRPr sz="1200">
+              <a:solidFill>
+                <a:schemeClr val="dk1"/>
+              </a:solidFill>
+              <a:latin typeface="Calibri"/>
+              <a:ea typeface="Calibri"/>
+              <a:cs typeface="Calibri"/>
+              <a:sym typeface="Calibri"/>
+            </a:endParaRPr>
+          </a:p>
+        </p:txBody>
+      </p:sp>
+      <p:sp>
+        <p:nvSpPr>
+          <p:cNvPr id="269" name="Google Shape;269;p32"/>
+          <p:cNvSpPr txBox="1"/>
+          <p:nvPr/>
+        </p:nvSpPr>
+        <p:spPr>
+          <a:xfrm>
+            <a:off x="358300" y="1600078"/>
+            <a:ext cx="4453200" cy="942000"/>
+          </a:xfrm>
+          <a:prstGeom prst="rect">
+            <a:avLst/>
+          </a:prstGeom>
+          <a:solidFill>
+            <a:srgbClr val="FFF2CC"/>
+          </a:solidFill>
+          <a:ln w="9525" cap="flat" cmpd="sng">
+            <a:solidFill>
+              <a:srgbClr val="FF0000"/>
+            </a:solidFill>
+            <a:prstDash val="solid"/>
+            <a:round/>
+            <a:headEnd type="none" w="sm" len="sm"/>
+            <a:tailEnd type="none" w="sm" len="sm"/>
+          </a:ln>
+        </p:spPr>
+        <p:txBody>
+          <a:bodyPr spcFirstLastPara="1" wrap="square" lIns="9125" tIns="9125" rIns="9125" bIns="9125" anchor="t" anchorCtr="0">
+            <a:spAutoFit/>
+          </a:bodyPr>
+          <a:lstStyle/>
+          <a:p>
+            <a:pPr marL="171450" marR="0" lvl="0" indent="-133350" algn="l" rtl="0">
+              <a:lnSpc>
+                <a:spcPct val="100000"/>
+              </a:lnSpc>
+              <a:spcBef>
+                <a:spcPts val="0"/>
+              </a:spcBef>
+              <a:spcAft>
+                <a:spcPts val="0"/>
+              </a:spcAft>
+              <a:buClr>
+                <a:srgbClr val="FF0000"/>
+              </a:buClr>
+              <a:buSzPts val="1200"/>
+              <a:buFont typeface="Calibri"/>
+              <a:buChar char="●"/>
+            </a:pPr>
+            <a:r>
+              <a:rPr lang="en" sz="1200" b="1">
+                <a:solidFill>
+                  <a:srgbClr val="FF0000"/>
+                </a:solidFill>
+                <a:latin typeface="Calibri"/>
+                <a:ea typeface="Calibri"/>
+                <a:cs typeface="Calibri"/>
+                <a:sym typeface="Calibri"/>
+              </a:rPr>
+              <a:t>Manually copy transcript:</a:t>
             </a:r>
             <a:endParaRPr sz="1200" b="1">
               <a:solidFill>
@@ -21562,7 +22033,87 @@
                 <a:cs typeface="Calibri"/>
                 <a:sym typeface="Calibri"/>
               </a:rPr>
-              <a:t>perplexity will extract transcript from youtube website - and make a summary</a:t>
+              <a:t>Check that YouTube video has a transcript, </a:t>
+            </a:r>
+            <a:endParaRPr sz="1200">
+              <a:solidFill>
+                <a:schemeClr val="dk1"/>
+              </a:solidFill>
+              <a:latin typeface="Calibri"/>
+              <a:ea typeface="Calibri"/>
+              <a:cs typeface="Calibri"/>
+              <a:sym typeface="Calibri"/>
+            </a:endParaRPr>
+          </a:p>
+          <a:p>
+            <a:pPr marL="171450" marR="0" lvl="0" indent="-133350" algn="l" rtl="0">
+              <a:lnSpc>
+                <a:spcPct val="100000"/>
+              </a:lnSpc>
+              <a:spcBef>
+                <a:spcPts val="0"/>
+              </a:spcBef>
+              <a:spcAft>
+                <a:spcPts val="0"/>
+              </a:spcAft>
+              <a:buClr>
+                <a:schemeClr val="dk1"/>
+              </a:buClr>
+              <a:buSzPts val="1200"/>
+              <a:buFont typeface="Calibri"/>
+              <a:buChar char="●"/>
+            </a:pPr>
+            <a:r>
+              <a:rPr lang="en" sz="1200">
+                <a:solidFill>
+                  <a:schemeClr val="dk1"/>
+                </a:solidFill>
+                <a:latin typeface="Calibri"/>
+                <a:ea typeface="Calibri"/>
+                <a:cs typeface="Calibri"/>
+                <a:sym typeface="Calibri"/>
+              </a:rPr>
+              <a:t>open it, select it with mouse, copy into plain text file</a:t>
+            </a:r>
+            <a:endParaRPr sz="1200">
+              <a:solidFill>
+                <a:schemeClr val="dk1"/>
+              </a:solidFill>
+              <a:latin typeface="Calibri"/>
+              <a:ea typeface="Calibri"/>
+              <a:cs typeface="Calibri"/>
+              <a:sym typeface="Calibri"/>
+            </a:endParaRPr>
+          </a:p>
+          <a:p>
+            <a:pPr marL="171450" marR="0" lvl="0" indent="-133350" algn="l" rtl="0">
+              <a:lnSpc>
+                <a:spcPct val="100000"/>
+              </a:lnSpc>
+              <a:spcBef>
+                <a:spcPts val="0"/>
+              </a:spcBef>
+              <a:spcAft>
+                <a:spcPts val="0"/>
+              </a:spcAft>
+              <a:buClr>
+                <a:schemeClr val="dk1"/>
+              </a:buClr>
+              <a:buSzPts val="1200"/>
+              <a:buFont typeface="Calibri"/>
+              <a:buChar char="●"/>
+            </a:pPr>
+            <a:r>
+              <a:rPr lang="en" sz="1200">
+                <a:solidFill>
+                  <a:schemeClr val="dk1"/>
+                </a:solidFill>
+                <a:latin typeface="Calibri"/>
+                <a:ea typeface="Calibri"/>
+                <a:cs typeface="Calibri"/>
+                <a:sym typeface="Calibri"/>
+              </a:rPr>
+              <a:t>Ask Claude to make a short summary of the attached text - and copy/paste the attached plain text into Claude</a:t>
             </a:r>
             <a:endParaRPr sz="1200">
               <a:solidFill>
@@ -21576,6 +22127,199 @@
           </a:p>
         </p:txBody>
       </p:sp>
+      <p:sp>
+        <p:nvSpPr>
+          <p:cNvPr id="270" name="Google Shape;270;p32"/>
+          <p:cNvSpPr txBox="1"/>
+          <p:nvPr/>
+        </p:nvSpPr>
+        <p:spPr>
+          <a:xfrm>
+            <a:off x="358300" y="2781550"/>
+            <a:ext cx="4453200" cy="942000"/>
+          </a:xfrm>
+          <a:prstGeom prst="rect">
+            <a:avLst/>
+          </a:prstGeom>
+          <a:solidFill>
+            <a:srgbClr val="FFF2CC"/>
+          </a:solidFill>
+          <a:ln w="9525" cap="flat" cmpd="sng">
+            <a:solidFill>
+              <a:srgbClr val="FF0000"/>
+            </a:solidFill>
+            <a:prstDash val="solid"/>
+            <a:round/>
+            <a:headEnd type="none" w="sm" len="sm"/>
+            <a:tailEnd type="none" w="sm" len="sm"/>
+          </a:ln>
+        </p:spPr>
+        <p:txBody>
+          <a:bodyPr spcFirstLastPara="1" wrap="square" lIns="9125" tIns="9125" rIns="9125" bIns="9125" anchor="t" anchorCtr="0">
+            <a:spAutoFit/>
+          </a:bodyPr>
+          <a:lstStyle/>
+          <a:p>
+            <a:pPr marL="171450" marR="0" lvl="0" indent="-133350" algn="l" rtl="0">
+              <a:lnSpc>
+                <a:spcPct val="100000"/>
+              </a:lnSpc>
+              <a:spcBef>
+                <a:spcPts val="0"/>
+              </a:spcBef>
+              <a:spcAft>
+                <a:spcPts val="0"/>
+              </a:spcAft>
+              <a:buClr>
+                <a:srgbClr val="FF0000"/>
+              </a:buClr>
+              <a:buSzPts val="1200"/>
+              <a:buFont typeface="Calibri"/>
+              <a:buChar char="●"/>
+            </a:pPr>
+            <a:r>
+              <a:rPr lang="en" sz="1200" b="1">
+                <a:solidFill>
+                  <a:srgbClr val="FF0000"/>
+                </a:solidFill>
+                <a:latin typeface="Calibri"/>
+                <a:ea typeface="Calibri"/>
+                <a:cs typeface="Calibri"/>
+                <a:sym typeface="Calibri"/>
+              </a:rPr>
+              <a:t>Perplexity can extract transcript (given a URL)</a:t>
+            </a:r>
+            <a:endParaRPr sz="1200" b="1">
+              <a:solidFill>
+                <a:srgbClr val="FF0000"/>
+              </a:solidFill>
+              <a:latin typeface="Calibri"/>
+              <a:ea typeface="Calibri"/>
+              <a:cs typeface="Calibri"/>
+              <a:sym typeface="Calibri"/>
+            </a:endParaRPr>
+          </a:p>
+          <a:p>
+            <a:pPr marL="171450" marR="0" lvl="0" indent="-133350" algn="l" rtl="0">
+              <a:lnSpc>
+                <a:spcPct val="100000"/>
+              </a:lnSpc>
+              <a:spcBef>
+                <a:spcPts val="0"/>
+              </a:spcBef>
+              <a:spcAft>
+                <a:spcPts val="0"/>
+              </a:spcAft>
+              <a:buClr>
+                <a:schemeClr val="dk1"/>
+              </a:buClr>
+              <a:buSzPts val="1200"/>
+              <a:buFont typeface="Calibri"/>
+              <a:buChar char="●"/>
+            </a:pPr>
+            <a:r>
+              <a:rPr lang="en" sz="1200">
+                <a:solidFill>
+                  <a:schemeClr val="dk1"/>
+                </a:solidFill>
+                <a:latin typeface="Calibri"/>
+                <a:ea typeface="Calibri"/>
+                <a:cs typeface="Calibri"/>
+                <a:sym typeface="Calibri"/>
+              </a:rPr>
+              <a:t>Check that YouTube video has a transcript</a:t>
+            </a:r>
+            <a:endParaRPr sz="1200">
+              <a:solidFill>
+                <a:schemeClr val="dk1"/>
+              </a:solidFill>
+              <a:latin typeface="Calibri"/>
+              <a:ea typeface="Calibri"/>
+              <a:cs typeface="Calibri"/>
+              <a:sym typeface="Calibri"/>
+            </a:endParaRPr>
+          </a:p>
+          <a:p>
+            <a:pPr marL="171450" marR="0" lvl="0" indent="-133350" algn="l" rtl="0">
+              <a:lnSpc>
+                <a:spcPct val="100000"/>
+              </a:lnSpc>
+              <a:spcBef>
+                <a:spcPts val="0"/>
+              </a:spcBef>
+              <a:spcAft>
+                <a:spcPts val="0"/>
+              </a:spcAft>
+              <a:buClr>
+                <a:schemeClr val="dk1"/>
+              </a:buClr>
+              <a:buSzPts val="1200"/>
+              <a:buFont typeface="Calibri"/>
+              <a:buChar char="●"/>
+            </a:pPr>
+            <a:r>
+              <a:rPr lang="en" sz="1200">
+                <a:solidFill>
+                  <a:schemeClr val="dk1"/>
+                </a:solidFill>
+                <a:latin typeface="Calibri"/>
+                <a:ea typeface="Calibri"/>
+                <a:cs typeface="Calibri"/>
+                <a:sym typeface="Calibri"/>
+              </a:rPr>
+              <a:t>Copy youtube URL into Perplexity - and ask to make a short summary. Perplexity will extract transcript from youtube website - and make a summary</a:t>
+            </a:r>
+            <a:endParaRPr sz="1200">
+              <a:solidFill>
+                <a:schemeClr val="dk1"/>
+              </a:solidFill>
+              <a:latin typeface="Calibri"/>
+              <a:ea typeface="Calibri"/>
+              <a:cs typeface="Calibri"/>
+              <a:sym typeface="Calibri"/>
+            </a:endParaRPr>
+          </a:p>
+        </p:txBody>
+      </p:sp>
+      <p:pic>
+        <p:nvPicPr>
+          <p:cNvPr id="271" name="Google Shape;271;p32"/>
+          <p:cNvPicPr preferRelativeResize="0"/>
+          <p:nvPr/>
+        </p:nvPicPr>
+        <p:blipFill>
+          <a:blip r:embed="rId4" cstate="email">
+            <a:alphaModFix/>
+            <a:extLst>
+              <a:ext uri="{28A0092B-C50C-407E-A947-70E740481C1C}">
+                <a14:useLocalDpi xmlns:a14="http://schemas.microsoft.com/office/drawing/2010/main"/>
+              </a:ext>
+            </a:extLst>
+          </a:blip>
+          <a:stretch>
+            <a:fillRect/>
+          </a:stretch>
+        </p:blipFill>
+        <p:spPr>
+          <a:xfrm>
+            <a:off x="6230950" y="88900"/>
+            <a:ext cx="2832099" cy="3131001"/>
+          </a:xfrm>
+          <a:prstGeom prst="rect">
+            <a:avLst/>
+          </a:prstGeom>
+          <a:noFill/>
+          <a:ln w="9525" cap="flat" cmpd="sng">
+            <a:solidFill>
+              <a:srgbClr val="FF0000"/>
+            </a:solidFill>
+            <a:prstDash val="solid"/>
+            <a:round/>
+            <a:headEnd type="none" w="sm" len="sm"/>
+            <a:tailEnd type="none" w="sm" len="sm"/>
+          </a:ln>
+        </p:spPr>
+      </p:pic>
     </p:spTree>
   </p:cSld>
   <p:clrMapOvr>
@@ -21589,7 +22333,7 @@
   <p:cSld>
     <p:spTree>
       <p:nvGrpSpPr>
-        <p:cNvPr id="1" name="Shape 272"/>
+        <p:cNvPr id="1" name="Shape 275"/>
         <p:cNvGrpSpPr/>
         <p:nvPr/>
       </p:nvGrpSpPr>
@@ -21603,7 +22347,7 @@
       </p:grpSpPr>
       <p:sp>
         <p:nvSpPr>
-          <p:cNvPr id="273" name="Google Shape;273;p33"/>
+          <p:cNvPr id="276" name="Google Shape;276;p33"/>
           <p:cNvSpPr txBox="1"/>
           <p:nvPr/>
         </p:nvSpPr>
@@ -21669,7 +22413,7 @@
       </p:sp>
       <p:sp>
         <p:nvSpPr>
-          <p:cNvPr id="274" name="Google Shape;274;p33"/>
+          <p:cNvPr id="277" name="Google Shape;277;p33"/>
           <p:cNvSpPr txBox="1"/>
           <p:nvPr/>
         </p:nvSpPr>
@@ -21796,7 +22540,7 @@
       </p:sp>
       <p:pic>
         <p:nvPicPr>
-          <p:cNvPr id="275" name="Google Shape;275;p33"/>
+          <p:cNvPr id="278" name="Google Shape;278;p33"/>
           <p:cNvPicPr preferRelativeResize="0"/>
           <p:nvPr/>
         </p:nvPicPr>
@@ -21834,7 +22578,7 @@
       </p:pic>
       <p:pic>
         <p:nvPicPr>
-          <p:cNvPr id="276" name="Google Shape;276;p33"/>
+          <p:cNvPr id="279" name="Google Shape;279;p33"/>
           <p:cNvPicPr preferRelativeResize="0"/>
           <p:nvPr/>
         </p:nvPicPr>
@@ -21873,7 +22617,7 @@
       </p:pic>
       <p:pic>
         <p:nvPicPr>
-          <p:cNvPr id="277" name="Google Shape;277;p33"/>
+          <p:cNvPr id="280" name="Google Shape;280;p33"/>
           <p:cNvPicPr preferRelativeResize="0"/>
           <p:nvPr/>
         </p:nvPicPr>
@@ -21912,7 +22656,7 @@
       </p:pic>
       <p:sp>
         <p:nvSpPr>
-          <p:cNvPr id="278" name="Google Shape;278;p33"/>
+          <p:cNvPr id="281" name="Google Shape;281;p33"/>
           <p:cNvSpPr txBox="1"/>
           <p:nvPr/>
         </p:nvSpPr>
@@ -21961,6 +22705,18 @@
               <a:buChar char="●"/>
             </a:pPr>
             <a:r>
+              <a:rPr lang="en" sz="1200" b="1">
+                <a:solidFill>
+                  <a:srgbClr val="FF0000"/>
+                </a:solidFill>
+                <a:latin typeface="Calibri"/>
+                <a:ea typeface="Calibri"/>
+                <a:cs typeface="Calibri"/>
+                <a:sym typeface="Calibri"/>
+              </a:rPr>
+              <a:t>Jony Ive</a:t>
+            </a:r>
+            <a:r>
               <a:rPr lang="en" sz="1200">
                 <a:solidFill>
                   <a:schemeClr val="dk1"/>
@@ -21970,7 +22726,7 @@
                 <a:cs typeface="Calibri"/>
                 <a:sym typeface="Calibri"/>
               </a:rPr>
-              <a:t>Jony Ive (full name: Sir Jonathan Paul Ive) is a renowned British-American industrial designer best known for his pivotal role at Apple Inc., where he served as Senior Vice President of Industrial Design and later Chief Design Officer from 1992 to 2019. Ive was instrumental in designing some of Apple’s most iconic products, including the iMac, iPod, iPhone, iPad, MacBook, Apple Watch, and even the architectural design of Apple Park and Apple Stores.</a:t>
+              <a:t> (full name: Sir Jonathan Paul Ive) is a renowned British-American industrial designer best known for his pivotal role at Apple Inc., where he served as Senior Vice President of Industrial Design and later Chief Design Officer from 1992 to 2019. Ive was instrumental in designing some of Apple’s most iconic products, including the iMac, iPod, iPhone, iPad, MacBook, Apple Watch, and even the architectural design of Apple Park and Apple Stores.</a:t>
             </a:r>
             <a:endParaRPr sz="1200">
               <a:solidFill>
@@ -22066,7 +22822,7 @@
       </p:sp>
       <p:sp>
         <p:nvSpPr>
-          <p:cNvPr id="279" name="Google Shape;279;p33"/>
+          <p:cNvPr id="282" name="Google Shape;282;p33"/>
           <p:cNvSpPr txBox="1"/>
           <p:nvPr/>
         </p:nvSpPr>
@@ -22170,7 +22926,7 @@
       </p:sp>
       <p:sp>
         <p:nvSpPr>
-          <p:cNvPr id="280" name="Google Shape;280;p33"/>
+          <p:cNvPr id="283" name="Google Shape;283;p33"/>
           <p:cNvSpPr/>
           <p:nvPr/>
         </p:nvSpPr>
@@ -22219,7 +22975,7 @@
       </p:sp>
       <p:pic>
         <p:nvPicPr>
-          <p:cNvPr id="281" name="Google Shape;281;p33"/>
+          <p:cNvPr id="284" name="Google Shape;284;p33"/>
           <p:cNvPicPr preferRelativeResize="0"/>
           <p:nvPr/>
         </p:nvPicPr>
@@ -25230,7 +25986,7 @@
             <a:tbl>
               <a:tblPr>
                 <a:noFill/>
-                <a:tableStyleId>{7AB8C0D7-5EB2-444C-96CE-7CD49C7A655E}</a:tableStyleId>
+                <a:tableStyleId>{935993ED-3C39-4BBD-9E2A-8D96B2D28F56}</a:tableStyleId>
               </a:tblPr>
               <a:tblGrid>
                 <a:gridCol w="1879125">
@@ -28745,7 +29501,7 @@
             <a:tbl>
               <a:tblPr>
                 <a:noFill/>
-                <a:tableStyleId>{7AB8C0D7-5EB2-444C-96CE-7CD49C7A655E}</a:tableStyleId>
+                <a:tableStyleId>{935993ED-3C39-4BBD-9E2A-8D96B2D28F56}</a:tableStyleId>
               </a:tblPr>
               <a:tblGrid>
                 <a:gridCol w="1825450">
@@ -33262,7 +34018,7 @@
   <p:cSld>
     <p:spTree>
       <p:nvGrpSpPr>
-        <p:cNvPr id="1" name="Shape 285"/>
+        <p:cNvPr id="1" name="Shape 288"/>
         <p:cNvGrpSpPr/>
         <p:nvPr/>
       </p:nvGrpSpPr>
@@ -33276,7 +34032,7 @@
       </p:grpSpPr>
       <p:sp>
         <p:nvSpPr>
-          <p:cNvPr id="286" name="Google Shape;286;p34"/>
+          <p:cNvPr id="289" name="Google Shape;289;p34"/>
           <p:cNvSpPr txBox="1"/>
           <p:nvPr/>
         </p:nvSpPr>
@@ -33342,7 +34098,7 @@
       </p:sp>
       <p:sp>
         <p:nvSpPr>
-          <p:cNvPr id="287" name="Google Shape;287;p34"/>
+          <p:cNvPr id="290" name="Google Shape;290;p34"/>
           <p:cNvSpPr txBox="1"/>
           <p:nvPr/>
         </p:nvSpPr>
@@ -33544,7 +34300,7 @@
       </p:sp>
       <p:pic>
         <p:nvPicPr>
-          <p:cNvPr id="288" name="Google Shape;288;p34"/>
+          <p:cNvPr id="291" name="Google Shape;291;p34"/>
           <p:cNvPicPr preferRelativeResize="0"/>
           <p:nvPr/>
         </p:nvPicPr>
@@ -33577,7 +34333,7 @@
       </p:pic>
       <p:sp>
         <p:nvSpPr>
-          <p:cNvPr id="289" name="Google Shape;289;p34"/>
+          <p:cNvPr id="292" name="Google Shape;292;p34"/>
           <p:cNvSpPr txBox="1"/>
           <p:nvPr/>
         </p:nvSpPr>
@@ -33950,7 +34706,7 @@
   <p:cSld>
     <p:spTree>
       <p:nvGrpSpPr>
-        <p:cNvPr id="1" name="Shape 293"/>
+        <p:cNvPr id="1" name="Shape 296"/>
         <p:cNvGrpSpPr/>
         <p:nvPr/>
       </p:nvGrpSpPr>
@@ -33964,7 +34720,7 @@
       </p:grpSpPr>
       <p:sp>
         <p:nvSpPr>
-          <p:cNvPr id="294" name="Google Shape;294;p35"/>
+          <p:cNvPr id="297" name="Google Shape;297;p35"/>
           <p:cNvSpPr txBox="1"/>
           <p:nvPr/>
         </p:nvSpPr>
@@ -34030,7 +34786,7 @@
       </p:sp>
       <p:sp>
         <p:nvSpPr>
-          <p:cNvPr id="295" name="Google Shape;295;p35"/>
+          <p:cNvPr id="298" name="Google Shape;298;p35"/>
           <p:cNvSpPr txBox="1"/>
           <p:nvPr/>
         </p:nvSpPr>
@@ -34158,7 +34914,7 @@
       </p:sp>
       <p:sp>
         <p:nvSpPr>
-          <p:cNvPr id="296" name="Google Shape;296;p35"/>
+          <p:cNvPr id="299" name="Google Shape;299;p35"/>
           <p:cNvSpPr txBox="1"/>
           <p:nvPr/>
         </p:nvSpPr>
@@ -34267,7 +35023,7 @@
       </p:sp>
       <p:pic>
         <p:nvPicPr>
-          <p:cNvPr id="297" name="Google Shape;297;p35"/>
+          <p:cNvPr id="300" name="Google Shape;300;p35"/>
           <p:cNvPicPr preferRelativeResize="0"/>
           <p:nvPr/>
         </p:nvPicPr>
@@ -34306,7 +35062,7 @@
       </p:pic>
       <p:pic>
         <p:nvPicPr>
-          <p:cNvPr id="298" name="Google Shape;298;p35"/>
+          <p:cNvPr id="301" name="Google Shape;301;p35"/>
           <p:cNvPicPr preferRelativeResize="0"/>
           <p:nvPr/>
         </p:nvPicPr>
@@ -34345,14 +35101,14 @@
       </p:pic>
       <p:sp>
         <p:nvSpPr>
-          <p:cNvPr id="299" name="Google Shape;299;p35"/>
+          <p:cNvPr id="302" name="Google Shape;302;p35"/>
           <p:cNvSpPr txBox="1"/>
           <p:nvPr/>
         </p:nvSpPr>
         <p:spPr>
           <a:xfrm>
             <a:off x="4652950" y="1117325"/>
-            <a:ext cx="4382700" cy="2235000"/>
+            <a:ext cx="4382700" cy="2419500"/>
           </a:xfrm>
           <a:prstGeom prst="rect">
             <a:avLst/>
@@ -34479,12 +35235,18 @@
               <a:spcAft>
                 <a:spcPts val="0"/>
               </a:spcAft>
+              <a:buClr>
+                <a:srgbClr val="3C78D8"/>
+              </a:buClr>
               <a:buSzPts val="1200"/>
               <a:buFont typeface="Calibri"/>
               <a:buChar char="●"/>
             </a:pPr>
             <a:r>
-              <a:rPr lang="en" sz="1200">
+              <a:rPr lang="en" sz="1200" b="1">
+                <a:solidFill>
+                  <a:srgbClr val="3C78D8"/>
+                </a:solidFill>
                 <a:latin typeface="Calibri"/>
                 <a:ea typeface="Calibri"/>
                 <a:cs typeface="Calibri"/>
@@ -34492,7 +35254,10 @@
               </a:rPr>
               <a:t>The only secure job is being an entrepreneur.</a:t>
             </a:r>
-            <a:endParaRPr sz="1200">
+            <a:endParaRPr sz="1200" b="1">
+              <a:solidFill>
+                <a:srgbClr val="3C78D8"/>
+              </a:solidFill>
               <a:latin typeface="Calibri"/>
               <a:ea typeface="Calibri"/>
               <a:cs typeface="Calibri"/>
@@ -34586,6 +35351,41 @@
               <a:t>The coming years will feel chaotic, unpredictable, and downright scary at times</a:t>
             </a:r>
             <a:endParaRPr sz="1200">
+              <a:latin typeface="Calibri"/>
+              <a:ea typeface="Calibri"/>
+              <a:cs typeface="Calibri"/>
+              <a:sym typeface="Calibri"/>
+            </a:endParaRPr>
+          </a:p>
+          <a:p>
+            <a:pPr marL="457200" marR="0" lvl="0" indent="0" algn="l" rtl="0">
+              <a:lnSpc>
+                <a:spcPct val="100000"/>
+              </a:lnSpc>
+              <a:spcBef>
+                <a:spcPts val="0"/>
+              </a:spcBef>
+              <a:spcAft>
+                <a:spcPts val="0"/>
+              </a:spcAft>
+              <a:buNone/>
+            </a:pPr>
+            <a:r>
+              <a:rPr lang="en" sz="1200" b="1">
+                <a:solidFill>
+                  <a:srgbClr val="3C78D8"/>
+                </a:solidFill>
+                <a:latin typeface="Calibri"/>
+                <a:ea typeface="Calibri"/>
+                <a:cs typeface="Calibri"/>
+                <a:sym typeface="Calibri"/>
+              </a:rPr>
+              <a:t>-- from Peter Diamandis</a:t>
+            </a:r>
+            <a:endParaRPr sz="1200" b="1">
+              <a:solidFill>
+                <a:srgbClr val="3C78D8"/>
+              </a:solidFill>
               <a:latin typeface="Calibri"/>
               <a:ea typeface="Calibri"/>
               <a:cs typeface="Calibri"/>
@@ -34607,7 +35407,7 @@
   <p:cSld>
     <p:spTree>
       <p:nvGrpSpPr>
-        <p:cNvPr id="1" name="Shape 303"/>
+        <p:cNvPr id="1" name="Shape 306"/>
         <p:cNvGrpSpPr/>
         <p:nvPr/>
       </p:nvGrpSpPr>
@@ -34621,7 +35421,7 @@
       </p:grpSpPr>
       <p:pic>
         <p:nvPicPr>
-          <p:cNvPr id="304" name="Google Shape;304;p36"/>
+          <p:cNvPr id="307" name="Google Shape;307;p36"/>
           <p:cNvPicPr preferRelativeResize="0"/>
           <p:nvPr/>
         </p:nvPicPr>
@@ -34653,7 +35453,7 @@
       </p:pic>
       <p:sp>
         <p:nvSpPr>
-          <p:cNvPr id="305" name="Google Shape;305;p36"/>
+          <p:cNvPr id="308" name="Google Shape;308;p36"/>
           <p:cNvSpPr txBox="1"/>
           <p:nvPr/>
         </p:nvSpPr>
@@ -34719,7 +35519,7 @@
       </p:sp>
       <p:sp>
         <p:nvSpPr>
-          <p:cNvPr id="306" name="Google Shape;306;p36"/>
+          <p:cNvPr id="309" name="Google Shape;309;p36"/>
           <p:cNvSpPr txBox="1"/>
           <p:nvPr/>
         </p:nvSpPr>
@@ -35149,7 +35949,7 @@
       </p:sp>
       <p:pic>
         <p:nvPicPr>
-          <p:cNvPr id="307" name="Google Shape;307;p36"/>
+          <p:cNvPr id="310" name="Google Shape;310;p36"/>
           <p:cNvPicPr preferRelativeResize="0"/>
           <p:nvPr/>
         </p:nvPicPr>
@@ -35181,7 +35981,7 @@
       </p:pic>
       <p:sp>
         <p:nvSpPr>
-          <p:cNvPr id="308" name="Google Shape;308;p36"/>
+          <p:cNvPr id="311" name="Google Shape;311;p36"/>
           <p:cNvSpPr txBox="1"/>
           <p:nvPr/>
         </p:nvSpPr>
@@ -35260,7 +36060,7 @@
       </p:sp>
       <p:sp>
         <p:nvSpPr>
-          <p:cNvPr id="309" name="Google Shape;309;p36"/>
+          <p:cNvPr id="312" name="Google Shape;312;p36"/>
           <p:cNvSpPr txBox="1"/>
           <p:nvPr/>
         </p:nvSpPr>
@@ -35337,7 +36137,7 @@
   <p:cSld>
     <p:spTree>
       <p:nvGrpSpPr>
-        <p:cNvPr id="1" name="Shape 313"/>
+        <p:cNvPr id="1" name="Shape 316"/>
         <p:cNvGrpSpPr/>
         <p:nvPr/>
       </p:nvGrpSpPr>
@@ -35351,7 +36151,7 @@
       </p:grpSpPr>
       <p:sp>
         <p:nvSpPr>
-          <p:cNvPr id="314" name="Google Shape;314;p37"/>
+          <p:cNvPr id="317" name="Google Shape;317;p37"/>
           <p:cNvSpPr txBox="1"/>
           <p:nvPr/>
         </p:nvSpPr>
@@ -39074,7 +39874,7 @@
         </p:blipFill>
         <p:spPr>
           <a:xfrm>
-            <a:off x="844475" y="3432950"/>
+            <a:off x="844475" y="3356750"/>
             <a:ext cx="2535843" cy="1691975"/>
           </a:xfrm>
           <a:prstGeom prst="rect">
